--- a/ppt/2019_c++_full.pptx
+++ b/ppt/2019_c++_full.pptx
@@ -5,23 +5,24 @@
     <p:sldMasterId id="2147483648" r:id="rId1"/>
   </p:sldMasterIdLst>
   <p:notesMasterIdLst>
-    <p:notesMasterId r:id="rId13"/>
+    <p:notesMasterId r:id="rId14"/>
   </p:notesMasterIdLst>
   <p:handoutMasterIdLst>
-    <p:handoutMasterId r:id="rId14"/>
+    <p:handoutMasterId r:id="rId15"/>
   </p:handoutMasterIdLst>
   <p:sldIdLst>
-    <p:sldId id="273" r:id="rId2"/>
-    <p:sldId id="274" r:id="rId3"/>
-    <p:sldId id="279" r:id="rId4"/>
-    <p:sldId id="280" r:id="rId5"/>
-    <p:sldId id="281" r:id="rId6"/>
-    <p:sldId id="282" r:id="rId7"/>
-    <p:sldId id="283" r:id="rId8"/>
-    <p:sldId id="284" r:id="rId9"/>
-    <p:sldId id="286" r:id="rId10"/>
-    <p:sldId id="285" r:id="rId11"/>
-    <p:sldId id="277" r:id="rId12"/>
+    <p:sldId id="280" r:id="rId2"/>
+    <p:sldId id="281" r:id="rId3"/>
+    <p:sldId id="282" r:id="rId4"/>
+    <p:sldId id="283" r:id="rId5"/>
+    <p:sldId id="284" r:id="rId6"/>
+    <p:sldId id="286" r:id="rId7"/>
+    <p:sldId id="285" r:id="rId8"/>
+    <p:sldId id="287" r:id="rId9"/>
+    <p:sldId id="288" r:id="rId10"/>
+    <p:sldId id="289" r:id="rId11"/>
+    <p:sldId id="290" r:id="rId12"/>
+    <p:sldId id="277" r:id="rId13"/>
   </p:sldIdLst>
   <p:sldSz cx="9144000" cy="5143500" type="screen16x9"/>
   <p:notesSz cx="6858000" cy="9144000"/>
@@ -205,8 +206,7 @@
           <a:p>
             <a:fld id="{5F920F0F-0E56-2B45-B1BF-268524318682}" type="datetimeFigureOut">
               <a:rPr kumimoji="1" lang="zh-CN" altLang="en-US" smtClean="0"/>
-              <a:pPr/>
-              <a:t>2020/2/14</a:t>
+              <a:t>2020/2/19</a:t>
             </a:fld>
             <a:endParaRPr kumimoji="1" lang="zh-CN" altLang="en-US"/>
           </a:p>
@@ -272,7 +272,6 @@
           <a:p>
             <a:fld id="{DE1A26BA-2BD7-424D-9E31-04AA10F01EFC}" type="slidenum">
               <a:rPr kumimoji="1" lang="zh-CN" altLang="en-US" smtClean="0"/>
-              <a:pPr/>
               <a:t>‹#›</a:t>
             </a:fld>
             <a:endParaRPr kumimoji="1" lang="zh-CN" altLang="en-US"/>
@@ -282,7 +281,7 @@
     </p:spTree>
     <p:extLst>
       <p:ext uri="{BB962C8B-B14F-4D97-AF65-F5344CB8AC3E}">
-        <p14:creationId xmlns:p14="http://schemas.microsoft.com/office/powerpoint/2010/main" val="3407571201"/>
+        <p14:creationId xmlns:p14="http://schemas.microsoft.com/office/powerpoint/2010/main" val="3061924489"/>
       </p:ext>
     </p:extLst>
   </p:cSld>
@@ -373,8 +372,7 @@
           <a:p>
             <a:fld id="{FB86081A-1E41-D34E-AC33-11FD77CCCD8D}" type="datetimeFigureOut">
               <a:rPr kumimoji="1" lang="zh-CN" altLang="en-US" smtClean="0"/>
-              <a:pPr/>
-              <a:t>2020/2/14</a:t>
+              <a:t>2020/2/19</a:t>
             </a:fld>
             <a:endParaRPr kumimoji="1" lang="zh-CN" altLang="en-US"/>
           </a:p>
@@ -533,7 +531,6 @@
           <a:p>
             <a:fld id="{8AF453D5-9B32-8F40-BF12-CF5772967439}" type="slidenum">
               <a:rPr kumimoji="1" lang="zh-CN" altLang="en-US" smtClean="0"/>
-              <a:pPr/>
               <a:t>‹#›</a:t>
             </a:fld>
             <a:endParaRPr kumimoji="1" lang="zh-CN" altLang="en-US"/>
@@ -543,7 +540,7 @@
     </p:spTree>
     <p:extLst>
       <p:ext uri="{BB962C8B-B14F-4D97-AF65-F5344CB8AC3E}">
-        <p14:creationId xmlns:p14="http://schemas.microsoft.com/office/powerpoint/2010/main" val="2106316760"/>
+        <p14:creationId xmlns:p14="http://schemas.microsoft.com/office/powerpoint/2010/main" val="4291461029"/>
       </p:ext>
     </p:extLst>
   </p:cSld>
@@ -685,32 +682,27 @@
         </p:nvSpPr>
         <p:spPr/>
         <p:txBody>
-          <a:bodyPr>
-            <a:normAutofit/>
-          </a:bodyPr>
+          <a:bodyPr/>
           <a:lstStyle/>
           <a:p>
             <a:r>
-              <a:rPr lang="zh-CN" altLang="en-US" sz="1200" kern="1200" dirty="0" smtClean="0">
-                <a:solidFill>
-                  <a:schemeClr val="tx1"/>
-                </a:solidFill>
-                <a:latin typeface="+mn-lt"/>
-                <a:ea typeface="+mn-ea"/>
-                <a:cs typeface="+mn-cs"/>
+              <a:rPr lang="en-US" altLang="zh-CN" dirty="0" smtClean="0">
+                <a:hlinkClick r:id="rId3"/>
               </a:rPr>
-              <a:t>一个普通类的对象 申请和释放</a:t>
-            </a:r>
-            <a:endParaRPr lang="en-US" altLang="zh-CN" sz="1200" kern="1200" dirty="0" smtClean="0">
-              <a:solidFill>
-                <a:schemeClr val="tx1"/>
-              </a:solidFill>
-              <a:latin typeface="+mn-lt"/>
-              <a:ea typeface="+mn-ea"/>
-              <a:cs typeface="+mn-cs"/>
-            </a:endParaRPr>
-          </a:p>
-          <a:p>
+              <a:t>https://</a:t>
+            </a:r>
+            <a:r>
+              <a:rPr lang="en-US" altLang="zh-CN" dirty="0" err="1" smtClean="0">
+                <a:hlinkClick r:id="rId3"/>
+              </a:rPr>
+              <a:t>stackoverflow.com</a:t>
+            </a:r>
+            <a:r>
+              <a:rPr lang="en-US" altLang="zh-CN" dirty="0" smtClean="0">
+                <a:hlinkClick r:id="rId3"/>
+              </a:rPr>
+              <a:t>/questions/3050811/why-should-virtual-functions-not-be-used-excessively</a:t>
+            </a:r>
             <a:endParaRPr lang="zh-CN" altLang="en-US" dirty="0"/>
           </a:p>
         </p:txBody>
@@ -732,8 +724,7 @@
           <a:p>
             <a:fld id="{8AF453D5-9B32-8F40-BF12-CF5772967439}" type="slidenum">
               <a:rPr kumimoji="1" lang="zh-CN" altLang="en-US" smtClean="0"/>
-              <a:pPr/>
-              <a:t>2</a:t>
+              <a:t>4</a:t>
             </a:fld>
             <a:endParaRPr kumimoji="1" lang="zh-CN" altLang="en-US"/>
           </a:p>
@@ -792,23 +783,30 @@
           <a:lstStyle/>
           <a:p>
             <a:r>
-              <a:rPr lang="en-US" altLang="zh-CN" dirty="0" smtClean="0">
-                <a:hlinkClick r:id="rId3"/>
+              <a:rPr lang="en-US" altLang="zh-CN" i="1" dirty="0" smtClean="0">
+                <a:effectLst/>
               </a:rPr>
-              <a:t>https://</a:t>
-            </a:r>
-            <a:r>
-              <a:rPr lang="en-US" altLang="zh-CN" dirty="0" err="1" smtClean="0">
-                <a:hlinkClick r:id="rId3"/>
+              <a:t>To what extent are they controlled by the OS or language runtime?</a:t>
+            </a:r>
+            <a:endParaRPr lang="en-US" altLang="zh-CN" dirty="0" smtClean="0">
+              <a:effectLst/>
+            </a:endParaRPr>
+          </a:p>
+          <a:p>
+            <a:r>
+              <a:rPr lang="en-US" altLang="zh-CN" sz="1200" b="0" i="0" kern="1200" dirty="0" smtClean="0">
+                <a:solidFill>
+                  <a:schemeClr val="tx1"/>
+                </a:solidFill>
+                <a:effectLst/>
+                <a:latin typeface="+mn-lt"/>
+                <a:ea typeface="+mn-ea"/>
+                <a:cs typeface="+mn-cs"/>
               </a:rPr>
-              <a:t>stackoverflow.com</a:t>
-            </a:r>
-            <a:r>
-              <a:rPr lang="en-US" altLang="zh-CN" dirty="0" smtClean="0">
-                <a:hlinkClick r:id="rId3"/>
-              </a:rPr>
-              <a:t>/questions/3050811/why-should-virtual-functions-not-be-used-excessively</a:t>
-            </a:r>
+              <a:t>The OS allocates the stack for each system-level thread when the thread is created. Typically the OS is called by the language runtime to allocate the heap for the application.</a:t>
+            </a:r>
+          </a:p>
+          <a:p>
             <a:endParaRPr lang="zh-CN" altLang="en-US" dirty="0"/>
           </a:p>
         </p:txBody>
@@ -830,8 +828,258 @@
           <a:p>
             <a:fld id="{8AF453D5-9B32-8F40-BF12-CF5772967439}" type="slidenum">
               <a:rPr kumimoji="1" lang="zh-CN" altLang="en-US" smtClean="0"/>
-              <a:pPr/>
               <a:t>7</a:t>
+            </a:fld>
+            <a:endParaRPr kumimoji="1" lang="zh-CN" altLang="en-US"/>
+          </a:p>
+        </p:txBody>
+      </p:sp>
+    </p:spTree>
+  </p:cSld>
+  <p:clrMapOvr>
+    <a:masterClrMapping/>
+  </p:clrMapOvr>
+</p:notes>
+</file>
+
+<file path=ppt/notesSlides/notesSlide3.xml><?xml version="1.0" encoding="utf-8"?>
+<p:notes xmlns:a="http://schemas.openxmlformats.org/drawingml/2006/main" xmlns:r="http://schemas.openxmlformats.org/officeDocument/2006/relationships" xmlns:p="http://schemas.openxmlformats.org/presentationml/2006/main">
+  <p:cSld>
+    <p:spTree>
+      <p:nvGrpSpPr>
+        <p:cNvPr id="1" name=""/>
+        <p:cNvGrpSpPr/>
+        <p:nvPr/>
+      </p:nvGrpSpPr>
+      <p:grpSpPr>
+        <a:xfrm>
+          <a:off x="0" y="0"/>
+          <a:ext cx="0" cy="0"/>
+          <a:chOff x="0" y="0"/>
+          <a:chExt cx="0" cy="0"/>
+        </a:xfrm>
+      </p:grpSpPr>
+      <p:sp>
+        <p:nvSpPr>
+          <p:cNvPr id="2" name="幻灯片图像占位符 1"/>
+          <p:cNvSpPr>
+            <a:spLocks noGrp="1" noRot="1" noChangeAspect="1"/>
+          </p:cNvSpPr>
+          <p:nvPr>
+            <p:ph type="sldImg"/>
+          </p:nvPr>
+        </p:nvSpPr>
+        <p:spPr/>
+      </p:sp>
+      <p:sp>
+        <p:nvSpPr>
+          <p:cNvPr id="3" name="备注占位符 2"/>
+          <p:cNvSpPr>
+            <a:spLocks noGrp="1"/>
+          </p:cNvSpPr>
+          <p:nvPr>
+            <p:ph type="body" idx="1"/>
+          </p:nvPr>
+        </p:nvSpPr>
+        <p:spPr/>
+        <p:txBody>
+          <a:bodyPr/>
+          <a:lstStyle/>
+          <a:p>
+            <a:r>
+              <a:rPr lang="en-US" altLang="zh-CN" dirty="0" smtClean="0"/>
+              <a:t> fork 用来创建子进程，</a:t>
+            </a:r>
+          </a:p>
+          <a:p>
+            <a:r>
+              <a:rPr lang="en-US" altLang="zh-CN" dirty="0" smtClean="0"/>
+              <a:t>1 子进程复制父进程的地址堆栈数据 ，同一个port端口</a:t>
+            </a:r>
+          </a:p>
+          <a:p>
+            <a:r>
+              <a:rPr lang="en-US" altLang="zh-CN" dirty="0" smtClean="0"/>
+              <a:t>等。</a:t>
+            </a:r>
+          </a:p>
+          <a:p>
+            <a:endParaRPr lang="en-US" altLang="zh-CN" dirty="0" smtClean="0"/>
+          </a:p>
+          <a:p>
+            <a:r>
+              <a:rPr lang="en-US" altLang="zh-CN" dirty="0" smtClean="0"/>
+              <a:t>http://man7.org/linux/man-pages/man2/fork.2.html</a:t>
+            </a:r>
+          </a:p>
+          <a:p>
+            <a:r>
+              <a:rPr lang="en-US" altLang="zh-CN" dirty="0" smtClean="0"/>
+              <a:t>2 在多线程环境，需要exec清理 lock，造成不必要麻烦。</a:t>
+            </a:r>
+          </a:p>
+          <a:p>
+            <a:endParaRPr lang="en-US" altLang="zh-CN" dirty="0" smtClean="0"/>
+          </a:p>
+          <a:p>
+            <a:r>
+              <a:rPr lang="en-US" altLang="zh-CN" dirty="0" smtClean="0"/>
+              <a:t>3  资源不够请，打开连接数。 excec替换作用，copy 对于文件，sockt 并不真正关闭，</a:t>
+            </a:r>
+          </a:p>
+          <a:p>
+            <a:r>
+              <a:rPr lang="en-US" altLang="zh-CN" dirty="0" smtClean="0"/>
+              <a:t>启用close_on_exec机制 自动清理。 </a:t>
+            </a:r>
+          </a:p>
+          <a:p>
+            <a:endParaRPr lang="en-US" altLang="zh-CN" dirty="0" smtClean="0"/>
+          </a:p>
+          <a:p>
+            <a:endParaRPr lang="en-US" altLang="zh-CN" dirty="0" smtClean="0"/>
+          </a:p>
+          <a:p>
+            <a:r>
+              <a:rPr lang="en-US" altLang="zh-CN" dirty="0" smtClean="0"/>
+              <a:t>https://stackoverflow.com/questions/6042970/pthread-detach-question</a:t>
+            </a:r>
+          </a:p>
+          <a:p>
+            <a:endParaRPr lang="en-US" altLang="zh-CN" dirty="0" smtClean="0"/>
+          </a:p>
+          <a:p>
+            <a:endParaRPr lang="en-US" altLang="zh-CN" dirty="0" smtClean="0"/>
+          </a:p>
+          <a:p>
+            <a:r>
+              <a:rPr lang="en-US" altLang="zh-CN" dirty="0" smtClean="0"/>
+              <a:t>https://stackoverflow.com/questions/6125068/what-does-the-fd-cloexec-fcntl-flag-do</a:t>
+            </a:r>
+          </a:p>
+        </p:txBody>
+      </p:sp>
+      <p:sp>
+        <p:nvSpPr>
+          <p:cNvPr id="4" name="灯片编号占位符 3"/>
+          <p:cNvSpPr>
+            <a:spLocks noGrp="1"/>
+          </p:cNvSpPr>
+          <p:nvPr>
+            <p:ph type="sldNum" sz="quarter" idx="10"/>
+          </p:nvPr>
+        </p:nvSpPr>
+        <p:spPr/>
+        <p:txBody>
+          <a:bodyPr/>
+          <a:lstStyle/>
+          <a:p>
+            <a:fld id="{8AF453D5-9B32-8F40-BF12-CF5772967439}" type="slidenum">
+              <a:rPr kumimoji="1" lang="zh-CN" altLang="en-US" smtClean="0"/>
+              <a:t>8</a:t>
+            </a:fld>
+            <a:endParaRPr kumimoji="1" lang="zh-CN" altLang="en-US"/>
+          </a:p>
+        </p:txBody>
+      </p:sp>
+    </p:spTree>
+  </p:cSld>
+  <p:clrMapOvr>
+    <a:masterClrMapping/>
+  </p:clrMapOvr>
+</p:notes>
+</file>
+
+<file path=ppt/notesSlides/notesSlide4.xml><?xml version="1.0" encoding="utf-8"?>
+<p:notes xmlns:a="http://schemas.openxmlformats.org/drawingml/2006/main" xmlns:r="http://schemas.openxmlformats.org/officeDocument/2006/relationships" xmlns:p="http://schemas.openxmlformats.org/presentationml/2006/main">
+  <p:cSld>
+    <p:spTree>
+      <p:nvGrpSpPr>
+        <p:cNvPr id="1" name=""/>
+        <p:cNvGrpSpPr/>
+        <p:nvPr/>
+      </p:nvGrpSpPr>
+      <p:grpSpPr>
+        <a:xfrm>
+          <a:off x="0" y="0"/>
+          <a:ext cx="0" cy="0"/>
+          <a:chOff x="0" y="0"/>
+          <a:chExt cx="0" cy="0"/>
+        </a:xfrm>
+      </p:grpSpPr>
+      <p:sp>
+        <p:nvSpPr>
+          <p:cNvPr id="2" name="幻灯片图像占位符 1"/>
+          <p:cNvSpPr>
+            <a:spLocks noGrp="1" noRot="1" noChangeAspect="1"/>
+          </p:cNvSpPr>
+          <p:nvPr>
+            <p:ph type="sldImg"/>
+          </p:nvPr>
+        </p:nvSpPr>
+        <p:spPr/>
+      </p:sp>
+      <p:sp>
+        <p:nvSpPr>
+          <p:cNvPr id="3" name="备注占位符 2"/>
+          <p:cNvSpPr>
+            <a:spLocks noGrp="1"/>
+          </p:cNvSpPr>
+          <p:nvPr>
+            <p:ph type="body" idx="1"/>
+          </p:nvPr>
+        </p:nvSpPr>
+        <p:spPr/>
+        <p:txBody>
+          <a:bodyPr/>
+          <a:lstStyle/>
+          <a:p>
+            <a:r>
+              <a:rPr lang="en-US" altLang="zh-CN" dirty="0" smtClean="0">
+                <a:hlinkClick r:id="rId3"/>
+              </a:rPr>
+              <a:t>https://</a:t>
+            </a:r>
+            <a:r>
+              <a:rPr lang="en-US" altLang="zh-CN" dirty="0" err="1" smtClean="0">
+                <a:hlinkClick r:id="rId3"/>
+              </a:rPr>
+              <a:t>blog.nowcoder.net</a:t>
+            </a:r>
+            <a:r>
+              <a:rPr lang="en-US" altLang="zh-CN" dirty="0" smtClean="0">
+                <a:hlinkClick r:id="rId3"/>
+              </a:rPr>
+              <a:t>/n/</a:t>
+            </a:r>
+            <a:r>
+              <a:rPr lang="en-US" altLang="zh-CN" smtClean="0">
+                <a:hlinkClick r:id="rId3"/>
+              </a:rPr>
+              <a:t>11260b9431fb4ddbb15b4d8c7f252eb3</a:t>
+            </a:r>
+            <a:endParaRPr lang="zh-CN" altLang="en-US"/>
+          </a:p>
+        </p:txBody>
+      </p:sp>
+      <p:sp>
+        <p:nvSpPr>
+          <p:cNvPr id="4" name="灯片编号占位符 3"/>
+          <p:cNvSpPr>
+            <a:spLocks noGrp="1"/>
+          </p:cNvSpPr>
+          <p:nvPr>
+            <p:ph type="sldNum" sz="quarter" idx="10"/>
+          </p:nvPr>
+        </p:nvSpPr>
+        <p:spPr/>
+        <p:txBody>
+          <a:bodyPr/>
+          <a:lstStyle/>
+          <a:p>
+            <a:fld id="{8AF453D5-9B32-8F40-BF12-CF5772967439}" type="slidenum">
+              <a:rPr kumimoji="1" lang="zh-CN" altLang="en-US" smtClean="0"/>
+              <a:t>10</a:t>
             </a:fld>
             <a:endParaRPr kumimoji="1" lang="zh-CN" altLang="en-US"/>
           </a:p>
@@ -840,7 +1088,7 @@
     </p:spTree>
     <p:extLst>
       <p:ext uri="{BB962C8B-B14F-4D97-AF65-F5344CB8AC3E}">
-        <p14:creationId xmlns:p14="http://schemas.microsoft.com/office/powerpoint/2010/main" val="104482623"/>
+        <p14:creationId xmlns:p14="http://schemas.microsoft.com/office/powerpoint/2010/main" val="1397343925"/>
       </p:ext>
     </p:extLst>
   </p:cSld>
@@ -2698,8 +2946,7 @@
           <a:p>
             <a:fld id="{7BC3C6E0-25AE-8A44-A617-CADD813DE539}" type="datetime1">
               <a:rPr lang="zh-CN" altLang="en-US" smtClean="0"/>
-              <a:pPr/>
-              <a:t>2020/2/14</a:t>
+              <a:t>2020/2/19</a:t>
             </a:fld>
             <a:endParaRPr lang="zh-CN" altLang="en-US" dirty="0"/>
           </a:p>
@@ -3108,8 +3355,7 @@
           <a:p>
             <a:fld id="{B8DE94C4-0AC0-E74D-83DE-D1778C094258}" type="datetime1">
               <a:rPr lang="zh-CN" altLang="en-US" smtClean="0"/>
-              <a:pPr/>
-              <a:t>2020/2/14</a:t>
+              <a:t>2020/2/19</a:t>
             </a:fld>
             <a:endParaRPr lang="zh-CN" altLang="en-US" dirty="0"/>
           </a:p>
@@ -3187,7 +3433,6 @@
           <a:p>
             <a:fld id="{0C913308-F349-4B6D-A68A-DD1791B4A57B}" type="slidenum">
               <a:rPr lang="zh-CN" altLang="en-US" smtClean="0"/>
-              <a:pPr/>
               <a:t>‹#›</a:t>
             </a:fld>
             <a:endParaRPr lang="zh-CN" altLang="en-US"/>
@@ -3482,559 +3727,7 @@
 </file>
 
 <file path=ppt/slides/slide1.xml><?xml version="1.0" encoding="utf-8"?>
-<p:sld xmlns:a="http://schemas.openxmlformats.org/drawingml/2006/main" xmlns:r="http://schemas.openxmlformats.org/officeDocument/2006/relationships" xmlns:p="http://schemas.openxmlformats.org/presentationml/2006/main">
-  <p:cSld>
-    <p:spTree>
-      <p:nvGrpSpPr>
-        <p:cNvPr id="1" name=""/>
-        <p:cNvGrpSpPr/>
-        <p:nvPr/>
-      </p:nvGrpSpPr>
-      <p:grpSpPr>
-        <a:xfrm>
-          <a:off x="0" y="0"/>
-          <a:ext cx="0" cy="0"/>
-          <a:chOff x="0" y="0"/>
-          <a:chExt cx="0" cy="0"/>
-        </a:xfrm>
-      </p:grpSpPr>
-      <p:sp>
-        <p:nvSpPr>
-          <p:cNvPr id="5" name="副标题 4"/>
-          <p:cNvSpPr>
-            <a:spLocks noGrp="1"/>
-          </p:cNvSpPr>
-          <p:nvPr>
-            <p:ph type="subTitle" idx="4294967295"/>
-          </p:nvPr>
-        </p:nvSpPr>
-        <p:spPr>
-          <a:xfrm>
-            <a:off x="3851920" y="3003798"/>
-            <a:ext cx="3600400" cy="593204"/>
-          </a:xfrm>
-        </p:spPr>
-        <p:txBody>
-          <a:bodyPr>
-            <a:noAutofit/>
-          </a:bodyPr>
-          <a:lstStyle/>
-          <a:p>
-            <a:pPr marL="0" indent="0">
-              <a:buNone/>
-            </a:pPr>
-            <a:r>
-              <a:rPr lang="zh-CN" altLang="en-US" sz="2000" dirty="0" smtClean="0">
-                <a:solidFill>
-                  <a:schemeClr val="bg1">
-                    <a:lumMod val="95000"/>
-                  </a:schemeClr>
-                </a:solidFill>
-              </a:rPr>
-              <a:t>营销中心</a:t>
-            </a:r>
-          </a:p>
-        </p:txBody>
-      </p:sp>
-      <p:sp>
-        <p:nvSpPr>
-          <p:cNvPr id="4" name="标题 3"/>
-          <p:cNvSpPr>
-            <a:spLocks noGrp="1"/>
-          </p:cNvSpPr>
-          <p:nvPr>
-            <p:ph type="ctrTitle"/>
-          </p:nvPr>
-        </p:nvSpPr>
-        <p:spPr>
-          <a:xfrm>
-            <a:off x="616024" y="1469231"/>
-            <a:ext cx="7772400" cy="1102519"/>
-          </a:xfrm>
-        </p:spPr>
-        <p:txBody>
-          <a:bodyPr>
-            <a:noAutofit/>
-          </a:bodyPr>
-          <a:lstStyle/>
-          <a:p>
-            <a:r>
-              <a:rPr lang="zh-CN" altLang="en-US" sz="6000" dirty="0" smtClean="0">
-                <a:latin typeface="微软雅黑"/>
-                <a:ea typeface="微软雅黑"/>
-                <a:cs typeface="微软雅黑"/>
-              </a:rPr>
-              <a:t>国美互联网</a:t>
-            </a:r>
-            <a:r>
-              <a:rPr lang="en-US" altLang="zh-CN" sz="6000" dirty="0" smtClean="0">
-                <a:latin typeface="微软雅黑"/>
-                <a:ea typeface="微软雅黑"/>
-                <a:cs typeface="微软雅黑"/>
-              </a:rPr>
-              <a:t>PPT</a:t>
-            </a:r>
-            <a:endParaRPr lang="zh-CN" altLang="en-US" sz="6000" dirty="0">
-              <a:latin typeface="微软雅黑"/>
-              <a:ea typeface="微软雅黑"/>
-              <a:cs typeface="微软雅黑"/>
-            </a:endParaRPr>
-          </a:p>
-        </p:txBody>
-      </p:sp>
-    </p:spTree>
-  </p:cSld>
-  <p:clrMapOvr>
-    <a:masterClrMapping/>
-  </p:clrMapOvr>
-  <p:timing>
-    <p:tnLst>
-      <p:par>
-        <p:cTn id="1" dur="indefinite" restart="never" nodeType="tmRoot"/>
-      </p:par>
-    </p:tnLst>
-  </p:timing>
-</p:sld>
-</file>
-
-<file path=ppt/slides/slide10.xml><?xml version="1.0" encoding="utf-8"?>
-<p:sld xmlns:a="http://schemas.openxmlformats.org/drawingml/2006/main" xmlns:r="http://schemas.openxmlformats.org/officeDocument/2006/relationships" xmlns:p="http://schemas.openxmlformats.org/presentationml/2006/main">
-  <p:cSld>
-    <p:spTree>
-      <p:nvGrpSpPr>
-        <p:cNvPr id="1" name=""/>
-        <p:cNvGrpSpPr/>
-        <p:nvPr/>
-      </p:nvGrpSpPr>
-      <p:grpSpPr>
-        <a:xfrm>
-          <a:off x="0" y="0"/>
-          <a:ext cx="0" cy="0"/>
-          <a:chOff x="0" y="0"/>
-          <a:chExt cx="0" cy="0"/>
-        </a:xfrm>
-      </p:grpSpPr>
-      <p:sp>
-        <p:nvSpPr>
-          <p:cNvPr id="2" name="内容占位符 1"/>
-          <p:cNvSpPr>
-            <a:spLocks noGrp="1"/>
-          </p:cNvSpPr>
-          <p:nvPr>
-            <p:ph idx="1"/>
-          </p:nvPr>
-        </p:nvSpPr>
-        <p:spPr/>
-        <p:txBody>
-          <a:bodyPr/>
-          <a:lstStyle/>
-          <a:p>
-            <a:r>
-              <a:rPr lang="en-US" altLang="zh-CN" dirty="0"/>
-              <a:t>The base member</a:t>
-            </a:r>
-            <a:br>
-              <a:rPr lang="en-US" altLang="zh-CN" dirty="0"/>
-            </a:br>
-            <a:r>
-              <a:rPr lang="en-US" altLang="zh-CN" dirty="0"/>
-              <a:t>is hidden even if the functions have different parameter lists: </a:t>
-            </a:r>
-            <a:br>
-              <a:rPr lang="en-US" altLang="zh-CN" dirty="0"/>
-            </a:br>
-            <a:r>
-              <a:rPr lang="en-US" altLang="zh-CN" dirty="0" err="1" smtClean="0"/>
-              <a:t>764page</a:t>
-            </a:r>
-            <a:endParaRPr lang="zh-CN" altLang="en-US" dirty="0"/>
-          </a:p>
-        </p:txBody>
-      </p:sp>
-      <p:sp>
-        <p:nvSpPr>
-          <p:cNvPr id="3" name="标题 2"/>
-          <p:cNvSpPr>
-            <a:spLocks noGrp="1"/>
-          </p:cNvSpPr>
-          <p:nvPr>
-            <p:ph type="title"/>
-          </p:nvPr>
-        </p:nvSpPr>
-        <p:spPr/>
-        <p:txBody>
-          <a:bodyPr/>
-          <a:lstStyle/>
-          <a:p>
-            <a:r>
-              <a:rPr lang="en-US" altLang="zh-CN" dirty="0" err="1" smtClean="0"/>
-              <a:t>Virtal</a:t>
-            </a:r>
-            <a:endParaRPr lang="zh-CN" altLang="en-US" dirty="0"/>
-          </a:p>
-        </p:txBody>
-      </p:sp>
-      <p:pic>
-        <p:nvPicPr>
-          <p:cNvPr id="1026" name="Picture 2"/>
-          <p:cNvPicPr>
-            <a:picLocks noChangeAspect="1" noChangeArrowheads="1"/>
-          </p:cNvPicPr>
-          <p:nvPr/>
-        </p:nvPicPr>
-        <p:blipFill>
-          <a:blip r:embed="rId2">
-            <a:extLst>
-              <a:ext uri="{28A0092B-C50C-407E-A947-70E740481C1C}">
-                <a14:useLocalDpi xmlns:a14="http://schemas.microsoft.com/office/drawing/2010/main" val="0"/>
-              </a:ext>
-            </a:extLst>
-          </a:blip>
-          <a:srcRect/>
-          <a:stretch>
-            <a:fillRect/>
-          </a:stretch>
-        </p:blipFill>
-        <p:spPr bwMode="auto">
-          <a:xfrm>
-            <a:off x="34177" y="2211710"/>
-            <a:ext cx="8286750" cy="2781300"/>
-          </a:xfrm>
-          <a:prstGeom prst="rect">
-            <a:avLst/>
-          </a:prstGeom>
-          <a:noFill/>
-          <a:ln>
-            <a:noFill/>
-          </a:ln>
-          <a:extLst>
-            <a:ext uri="{909E8E84-426E-40DD-AFC4-6F175D3DCCD1}">
-              <a14:hiddenFill xmlns:a14="http://schemas.microsoft.com/office/drawing/2010/main">
-                <a:solidFill>
-                  <a:schemeClr val="accent1"/>
-                </a:solidFill>
-              </a14:hiddenFill>
-            </a:ext>
-            <a:ext uri="{91240B29-F687-4F45-9708-019B960494DF}">
-              <a14:hiddenLine xmlns:a14="http://schemas.microsoft.com/office/drawing/2010/main" w="9525">
-                <a:solidFill>
-                  <a:schemeClr val="tx1"/>
-                </a:solidFill>
-                <a:miter lim="800000"/>
-                <a:headEnd/>
-                <a:tailEnd/>
-              </a14:hiddenLine>
-            </a:ext>
-          </a:extLst>
-        </p:spPr>
-      </p:pic>
-    </p:spTree>
-    <p:extLst>
-      <p:ext uri="{BB962C8B-B14F-4D97-AF65-F5344CB8AC3E}">
-        <p14:creationId xmlns:p14="http://schemas.microsoft.com/office/powerpoint/2010/main" val="1128711855"/>
-      </p:ext>
-    </p:extLst>
-  </p:cSld>
-  <p:clrMapOvr>
-    <a:masterClrMapping/>
-  </p:clrMapOvr>
-</p:sld>
-</file>
-
-<file path=ppt/slides/slide11.xml><?xml version="1.0" encoding="utf-8"?>
-<p:sld xmlns:a="http://schemas.openxmlformats.org/drawingml/2006/main" xmlns:r="http://schemas.openxmlformats.org/officeDocument/2006/relationships" xmlns:p="http://schemas.openxmlformats.org/presentationml/2006/main">
-  <p:cSld>
-    <p:spTree>
-      <p:nvGrpSpPr>
-        <p:cNvPr id="1" name=""/>
-        <p:cNvGrpSpPr/>
-        <p:nvPr/>
-      </p:nvGrpSpPr>
-      <p:grpSpPr>
-        <a:xfrm>
-          <a:off x="0" y="0"/>
-          <a:ext cx="0" cy="0"/>
-          <a:chOff x="0" y="0"/>
-          <a:chExt cx="0" cy="0"/>
-        </a:xfrm>
-      </p:grpSpPr>
-    </p:spTree>
-  </p:cSld>
-  <p:clrMapOvr>
-    <a:masterClrMapping/>
-  </p:clrMapOvr>
-  <p:timing>
-    <p:tnLst>
-      <p:par>
-        <p:cTn id="1" dur="indefinite" restart="never" nodeType="tmRoot"/>
-      </p:par>
-    </p:tnLst>
-  </p:timing>
-</p:sld>
-</file>
-
-<file path=ppt/slides/slide2.xml><?xml version="1.0" encoding="utf-8"?>
-<p:sld xmlns:a="http://schemas.openxmlformats.org/drawingml/2006/main" xmlns:r="http://schemas.openxmlformats.org/officeDocument/2006/relationships" xmlns:p="http://schemas.openxmlformats.org/presentationml/2006/main">
-  <p:cSld>
-    <p:spTree>
-      <p:nvGrpSpPr>
-        <p:cNvPr id="1" name=""/>
-        <p:cNvGrpSpPr/>
-        <p:nvPr/>
-      </p:nvGrpSpPr>
-      <p:grpSpPr>
-        <a:xfrm>
-          <a:off x="0" y="0"/>
-          <a:ext cx="0" cy="0"/>
-          <a:chOff x="0" y="0"/>
-          <a:chExt cx="0" cy="0"/>
-        </a:xfrm>
-      </p:grpSpPr>
-      <p:sp>
-        <p:nvSpPr>
-          <p:cNvPr id="2" name="标题 1"/>
-          <p:cNvSpPr>
-            <a:spLocks noGrp="1"/>
-          </p:cNvSpPr>
-          <p:nvPr>
-            <p:ph type="title"/>
-          </p:nvPr>
-        </p:nvSpPr>
-        <p:spPr/>
-        <p:txBody>
-          <a:bodyPr/>
-          <a:lstStyle/>
-          <a:p>
-            <a:r>
-              <a:rPr lang="zh-CN" altLang="en-US" dirty="0"/>
-              <a:t>目录</a:t>
-            </a:r>
-            <a:r>
-              <a:rPr lang="zh-CN" altLang="en-US" sz="2000" dirty="0">
-                <a:solidFill>
-                  <a:schemeClr val="tx1"/>
-                </a:solidFill>
-              </a:rPr>
-              <a:t>（微软雅黑</a:t>
-            </a:r>
-            <a:r>
-              <a:rPr lang="en-US" altLang="zh-CN" sz="2000" dirty="0">
-                <a:solidFill>
-                  <a:schemeClr val="tx1"/>
-                </a:solidFill>
-              </a:rPr>
-              <a:t>28</a:t>
-            </a:r>
-            <a:r>
-              <a:rPr lang="zh-CN" altLang="en-US" sz="2000" dirty="0">
-                <a:solidFill>
-                  <a:schemeClr val="tx1"/>
-                </a:solidFill>
-              </a:rPr>
-              <a:t>）</a:t>
-            </a:r>
-          </a:p>
-        </p:txBody>
-      </p:sp>
-      <p:sp>
-        <p:nvSpPr>
-          <p:cNvPr id="3" name="内容占位符 2"/>
-          <p:cNvSpPr>
-            <a:spLocks noGrp="1"/>
-          </p:cNvSpPr>
-          <p:nvPr>
-            <p:ph idx="1"/>
-          </p:nvPr>
-        </p:nvSpPr>
-        <p:spPr/>
-        <p:txBody>
-          <a:bodyPr>
-            <a:noAutofit/>
-          </a:bodyPr>
-          <a:lstStyle/>
-          <a:p>
-            <a:pPr>
-              <a:buFont typeface="+mj-lt"/>
-              <a:buAutoNum type="arabicPeriod"/>
-            </a:pPr>
-            <a:r>
-              <a:rPr lang="zh-CN" altLang="en-US" dirty="0">
-                <a:solidFill>
-                  <a:srgbClr val="FF0000"/>
-                </a:solidFill>
-              </a:rPr>
-              <a:t>关于国美互联网</a:t>
-            </a:r>
-          </a:p>
-          <a:p>
-            <a:pPr>
-              <a:buFont typeface="+mj-lt"/>
-              <a:buAutoNum type="arabicPeriod"/>
-            </a:pPr>
-            <a:r>
-              <a:rPr lang="zh-CN" altLang="en-US" dirty="0">
-                <a:solidFill>
-                  <a:srgbClr val="FF0000"/>
-                </a:solidFill>
-              </a:rPr>
-              <a:t>关于国美互联网的发展</a:t>
-            </a:r>
-          </a:p>
-          <a:p>
-            <a:pPr>
-              <a:buFont typeface="+mj-lt"/>
-              <a:buAutoNum type="arabicPeriod"/>
-            </a:pPr>
-            <a:r>
-              <a:rPr lang="zh-CN" altLang="en-US" dirty="0">
-                <a:solidFill>
-                  <a:srgbClr val="FF0000"/>
-                </a:solidFill>
-              </a:rPr>
-              <a:t>原始数据的发掘</a:t>
-            </a:r>
-          </a:p>
-          <a:p>
-            <a:pPr>
-              <a:buFont typeface="+mj-lt"/>
-              <a:buAutoNum type="arabicPeriod"/>
-            </a:pPr>
-            <a:r>
-              <a:rPr lang="zh-CN" altLang="en-US" dirty="0">
-                <a:solidFill>
-                  <a:srgbClr val="FF0000"/>
-                </a:solidFill>
-              </a:rPr>
-              <a:t>总结</a:t>
-            </a:r>
-          </a:p>
-        </p:txBody>
-      </p:sp>
-      <p:sp>
-        <p:nvSpPr>
-          <p:cNvPr id="4" name="幻灯片编号占位符 3"/>
-          <p:cNvSpPr>
-            <a:spLocks noGrp="1"/>
-          </p:cNvSpPr>
-          <p:nvPr>
-            <p:ph type="sldNum" sz="quarter" idx="4294967295"/>
-          </p:nvPr>
-        </p:nvSpPr>
-        <p:spPr>
-          <a:xfrm>
-            <a:off x="8316416" y="4767263"/>
-            <a:ext cx="2133600" cy="273844"/>
-          </a:xfrm>
-        </p:spPr>
-        <p:txBody>
-          <a:bodyPr/>
-          <a:lstStyle/>
-          <a:p>
-            <a:fld id="{0C913308-F349-4B6D-A68A-DD1791B4A57B}" type="slidenum">
-              <a:rPr lang="zh-CN" altLang="en-US" smtClean="0"/>
-              <a:pPr/>
-              <a:t>1</a:t>
-            </a:fld>
-            <a:endParaRPr lang="zh-CN" altLang="en-US" dirty="0"/>
-          </a:p>
-        </p:txBody>
-      </p:sp>
-    </p:spTree>
-  </p:cSld>
-  <p:clrMapOvr>
-    <a:masterClrMapping/>
-  </p:clrMapOvr>
-  <p:timing>
-    <p:tnLst>
-      <p:par>
-        <p:cTn id="1" dur="indefinite" restart="never" nodeType="tmRoot"/>
-      </p:par>
-    </p:tnLst>
-  </p:timing>
-</p:sld>
-</file>
-
-<file path=ppt/slides/slide3.xml><?xml version="1.0" encoding="utf-8"?>
-<p:sld xmlns:a="http://schemas.openxmlformats.org/drawingml/2006/main" xmlns:r="http://schemas.openxmlformats.org/officeDocument/2006/relationships" xmlns:p="http://schemas.openxmlformats.org/presentationml/2006/main">
-  <p:cSld>
-    <p:spTree>
-      <p:nvGrpSpPr>
-        <p:cNvPr id="1" name=""/>
-        <p:cNvGrpSpPr/>
-        <p:nvPr/>
-      </p:nvGrpSpPr>
-      <p:grpSpPr>
-        <a:xfrm>
-          <a:off x="0" y="0"/>
-          <a:ext cx="0" cy="0"/>
-          <a:chOff x="0" y="0"/>
-          <a:chExt cx="0" cy="0"/>
-        </a:xfrm>
-      </p:grpSpPr>
-      <p:sp>
-        <p:nvSpPr>
-          <p:cNvPr id="3" name="标题 2"/>
-          <p:cNvSpPr>
-            <a:spLocks noGrp="1"/>
-          </p:cNvSpPr>
-          <p:nvPr>
-            <p:ph type="title"/>
-          </p:nvPr>
-        </p:nvSpPr>
-        <p:spPr/>
-        <p:txBody>
-          <a:bodyPr/>
-          <a:lstStyle/>
-          <a:p>
-            <a:endParaRPr lang="zh-CN" altLang="en-US" dirty="0"/>
-          </a:p>
-        </p:txBody>
-      </p:sp>
-      <p:pic>
-        <p:nvPicPr>
-          <p:cNvPr id="1027" name="Picture 3"/>
-          <p:cNvPicPr>
-            <a:picLocks noGrp="1" noChangeAspect="1" noChangeArrowheads="1"/>
-          </p:cNvPicPr>
-          <p:nvPr>
-            <p:ph idx="1"/>
-          </p:nvPr>
-        </p:nvPicPr>
-        <p:blipFill>
-          <a:blip r:embed="rId3"/>
-          <a:srcRect/>
-          <a:stretch>
-            <a:fillRect/>
-          </a:stretch>
-        </p:blipFill>
-        <p:spPr bwMode="auto">
-          <a:xfrm>
-            <a:off x="-142908" y="-428646"/>
-            <a:ext cx="8001056" cy="6286545"/>
-          </a:xfrm>
-          <a:prstGeom prst="rect">
-            <a:avLst/>
-          </a:prstGeom>
-          <a:noFill/>
-          <a:ln w="9525">
-            <a:noFill/>
-            <a:miter lim="800000"/>
-            <a:headEnd/>
-            <a:tailEnd/>
-          </a:ln>
-          <a:effectLst/>
-        </p:spPr>
-      </p:pic>
-    </p:spTree>
-  </p:cSld>
-  <p:clrMapOvr>
-    <a:masterClrMapping/>
-  </p:clrMapOvr>
-</p:sld>
-</file>
-
-<file path=ppt/slides/slide4.xml><?xml version="1.0" encoding="utf-8"?>
-<p:sld xmlns:a="http://schemas.openxmlformats.org/drawingml/2006/main" xmlns:r="http://schemas.openxmlformats.org/officeDocument/2006/relationships" xmlns:p="http://schemas.openxmlformats.org/presentationml/2006/main">
+<p:sld xmlns:a="http://schemas.openxmlformats.org/drawingml/2006/main" xmlns:r="http://schemas.openxmlformats.org/officeDocument/2006/relationships" xmlns:p="http://schemas.openxmlformats.org/presentationml/2006/main" show="0">
   <p:cSld>
     <p:spTree>
       <p:nvGrpSpPr>
@@ -4229,11 +3922,492 @@
   <p:clrMapOvr>
     <a:masterClrMapping/>
   </p:clrMapOvr>
+  <p:transition/>
 </p:sld>
 </file>
 
-<file path=ppt/slides/slide5.xml><?xml version="1.0" encoding="utf-8"?>
+<file path=ppt/slides/slide10.xml><?xml version="1.0" encoding="utf-8"?>
 <p:sld xmlns:a="http://schemas.openxmlformats.org/drawingml/2006/main" xmlns:r="http://schemas.openxmlformats.org/officeDocument/2006/relationships" xmlns:p="http://schemas.openxmlformats.org/presentationml/2006/main">
+  <p:cSld>
+    <p:spTree>
+      <p:nvGrpSpPr>
+        <p:cNvPr id="1" name=""/>
+        <p:cNvGrpSpPr/>
+        <p:nvPr/>
+      </p:nvGrpSpPr>
+      <p:grpSpPr>
+        <a:xfrm>
+          <a:off x="0" y="0"/>
+          <a:ext cx="0" cy="0"/>
+          <a:chOff x="0" y="0"/>
+          <a:chExt cx="0" cy="0"/>
+        </a:xfrm>
+      </p:grpSpPr>
+      <p:sp>
+        <p:nvSpPr>
+          <p:cNvPr id="2" name="内容占位符 1"/>
+          <p:cNvSpPr>
+            <a:spLocks noGrp="1"/>
+          </p:cNvSpPr>
+          <p:nvPr>
+            <p:ph idx="1"/>
+          </p:nvPr>
+        </p:nvSpPr>
+        <p:spPr/>
+        <p:txBody>
+          <a:bodyPr/>
+          <a:lstStyle/>
+          <a:p>
+            <a:endParaRPr lang="zh-CN" altLang="en-US" dirty="0"/>
+          </a:p>
+        </p:txBody>
+      </p:sp>
+      <p:sp>
+        <p:nvSpPr>
+          <p:cNvPr id="3" name="标题 2"/>
+          <p:cNvSpPr>
+            <a:spLocks noGrp="1"/>
+          </p:cNvSpPr>
+          <p:nvPr>
+            <p:ph type="title"/>
+          </p:nvPr>
+        </p:nvSpPr>
+        <p:spPr>
+          <a:xfrm>
+            <a:off x="539552" y="195486"/>
+            <a:ext cx="8229600" cy="857250"/>
+          </a:xfrm>
+        </p:spPr>
+        <p:style>
+          <a:lnRef idx="2">
+            <a:schemeClr val="dk1">
+              <a:shade val="50000"/>
+            </a:schemeClr>
+          </a:lnRef>
+          <a:fillRef idx="1">
+            <a:schemeClr val="dk1"/>
+          </a:fillRef>
+          <a:effectRef idx="0">
+            <a:schemeClr val="dk1"/>
+          </a:effectRef>
+          <a:fontRef idx="minor">
+            <a:schemeClr val="lt1"/>
+          </a:fontRef>
+        </p:style>
+        <p:txBody>
+          <a:bodyPr>
+            <a:normAutofit fontScale="90000"/>
+          </a:bodyPr>
+          <a:lstStyle/>
+          <a:p>
+            <a:r>
+              <a:rPr lang="zh-CN" altLang="en-US" dirty="0" smtClean="0"/>
+              <a:t>第五题：一个进程怎么变成</a:t>
+            </a:r>
+            <a:r>
+              <a:rPr lang="en-US" altLang="zh-CN" dirty="0"/>
+              <a:t>Daemon processes </a:t>
+            </a:r>
+            <a:br>
+              <a:rPr lang="en-US" altLang="zh-CN" dirty="0"/>
+            </a:br>
+            <a:endParaRPr lang="zh-CN" altLang="en-US" dirty="0"/>
+          </a:p>
+        </p:txBody>
+      </p:sp>
+    </p:spTree>
+  </p:cSld>
+  <p:clrMapOvr>
+    <a:masterClrMapping/>
+  </p:clrMapOvr>
+  <p:timing>
+    <p:tnLst>
+      <p:par>
+        <p:cTn id="1" dur="indefinite" restart="never" nodeType="tmRoot"/>
+      </p:par>
+    </p:tnLst>
+  </p:timing>
+</p:sld>
+</file>
+
+<file path=ppt/slides/slide11.xml><?xml version="1.0" encoding="utf-8"?>
+<p:sld xmlns:a="http://schemas.openxmlformats.org/drawingml/2006/main" xmlns:r="http://schemas.openxmlformats.org/officeDocument/2006/relationships" xmlns:p="http://schemas.openxmlformats.org/presentationml/2006/main">
+  <p:cSld>
+    <p:spTree>
+      <p:nvGrpSpPr>
+        <p:cNvPr id="1" name=""/>
+        <p:cNvGrpSpPr/>
+        <p:nvPr/>
+      </p:nvGrpSpPr>
+      <p:grpSpPr>
+        <a:xfrm>
+          <a:off x="0" y="0"/>
+          <a:ext cx="0" cy="0"/>
+          <a:chOff x="0" y="0"/>
+          <a:chExt cx="0" cy="0"/>
+        </a:xfrm>
+      </p:grpSpPr>
+      <p:sp>
+        <p:nvSpPr>
+          <p:cNvPr id="2" name="内容占位符 1"/>
+          <p:cNvSpPr>
+            <a:spLocks noGrp="1"/>
+          </p:cNvSpPr>
+          <p:nvPr>
+            <p:ph idx="1"/>
+          </p:nvPr>
+        </p:nvSpPr>
+        <p:spPr/>
+        <p:txBody>
+          <a:bodyPr>
+            <a:normAutofit lnSpcReduction="10000"/>
+          </a:bodyPr>
+          <a:lstStyle/>
+          <a:p>
+            <a:pPr marL="0" indent="0">
+              <a:buNone/>
+            </a:pPr>
+            <a:r>
+              <a:rPr lang="zh-CN" altLang="en-US" dirty="0"/>
+              <a:t/>
+            </a:r>
+            <a:br>
+              <a:rPr lang="zh-CN" altLang="en-US" dirty="0"/>
+            </a:br>
+            <a:r>
+              <a:rPr lang="zh-CN" altLang="en-US" sz="1800" dirty="0" smtClean="0"/>
+              <a:t>对</a:t>
+            </a:r>
+            <a:r>
+              <a:rPr lang="zh-CN" altLang="en-US" sz="1800" dirty="0"/>
+              <a:t>静态成员的不正确描述是（）？ </a:t>
+            </a:r>
+          </a:p>
+          <a:p>
+            <a:endParaRPr lang="en-US" altLang="zh-CN" sz="1800" dirty="0" smtClean="0"/>
+          </a:p>
+          <a:p>
+            <a:pPr marL="0" indent="0">
+              <a:buNone/>
+            </a:pPr>
+            <a:r>
+              <a:rPr lang="en-US" altLang="zh-CN" sz="1800" dirty="0" smtClean="0"/>
+              <a:t>A   </a:t>
+            </a:r>
+            <a:r>
+              <a:rPr lang="zh-CN" altLang="en-US" sz="1800" dirty="0" smtClean="0">
+                <a:solidFill>
+                  <a:srgbClr val="FF0000"/>
+                </a:solidFill>
+              </a:rPr>
+              <a:t>静</a:t>
+            </a:r>
+            <a:r>
+              <a:rPr lang="zh-CN" altLang="en-US" sz="1800" dirty="0">
+                <a:solidFill>
+                  <a:srgbClr val="FF0000"/>
+                </a:solidFill>
+              </a:rPr>
+              <a:t>态数据成员要在类外定义和初始</a:t>
+            </a:r>
+            <a:r>
+              <a:rPr lang="zh-CN" altLang="en-US" sz="1800" dirty="0" smtClean="0">
+                <a:solidFill>
+                  <a:srgbClr val="FF0000"/>
+                </a:solidFill>
+              </a:rPr>
+              <a:t>化</a:t>
+            </a:r>
+            <a:endParaRPr lang="en-US" altLang="zh-CN" sz="1800" dirty="0" smtClean="0">
+              <a:solidFill>
+                <a:srgbClr val="FF0000"/>
+              </a:solidFill>
+            </a:endParaRPr>
+          </a:p>
+          <a:p>
+            <a:pPr marL="0" indent="0">
+              <a:buNone/>
+            </a:pPr>
+            <a:r>
+              <a:rPr lang="zh-CN" altLang="en-US" sz="1800" smtClean="0"/>
+              <a:t>      初</a:t>
+            </a:r>
+            <a:r>
+              <a:rPr lang="zh-CN" altLang="en-US" sz="1800" dirty="0"/>
+              <a:t>始化的格式如下：数据类型  类名</a:t>
+            </a:r>
+            <a:r>
+              <a:rPr lang="en-US" altLang="zh-CN" sz="1800" dirty="0"/>
+              <a:t>::</a:t>
+            </a:r>
+            <a:r>
+              <a:rPr lang="zh-CN" altLang="en-US" sz="1800" dirty="0"/>
+              <a:t>静态成员变量名 </a:t>
+            </a:r>
+            <a:r>
+              <a:rPr lang="en-US" altLang="zh-CN" sz="1800" dirty="0"/>
+              <a:t>= </a:t>
+            </a:r>
+            <a:r>
+              <a:rPr lang="zh-CN" altLang="en-US" sz="1800" dirty="0"/>
+              <a:t>初值</a:t>
+            </a:r>
+            <a:endParaRPr lang="en-US" altLang="zh-CN" sz="1800" dirty="0" smtClean="0">
+              <a:solidFill>
+                <a:srgbClr val="FF0000"/>
+              </a:solidFill>
+            </a:endParaRPr>
+          </a:p>
+          <a:p>
+            <a:pPr marL="0" indent="0">
+              <a:buNone/>
+            </a:pPr>
+            <a:r>
+              <a:rPr lang="en-US" altLang="zh-CN" sz="1800" dirty="0" smtClean="0"/>
+              <a:t>B   </a:t>
+            </a:r>
+            <a:r>
+              <a:rPr lang="zh-CN" altLang="en-US" sz="1800" dirty="0" smtClean="0"/>
+              <a:t>非</a:t>
+            </a:r>
+            <a:r>
+              <a:rPr lang="zh-CN" altLang="en-US" sz="1800" dirty="0"/>
+              <a:t>静态成员函数也可以操作静态数据成员</a:t>
+            </a:r>
+          </a:p>
+          <a:p>
+            <a:pPr marL="0" indent="0">
+              <a:buNone/>
+            </a:pPr>
+            <a:r>
+              <a:rPr lang="en-US" altLang="zh-CN" sz="1800" dirty="0" smtClean="0"/>
+              <a:t>C   </a:t>
+            </a:r>
+            <a:r>
+              <a:rPr lang="zh-CN" altLang="en-US" sz="1800" dirty="0" smtClean="0"/>
+              <a:t>静</a:t>
+            </a:r>
+            <a:r>
+              <a:rPr lang="zh-CN" altLang="en-US" sz="1800" dirty="0"/>
+              <a:t>态成员变量可以为私有</a:t>
+            </a:r>
+            <a:r>
+              <a:rPr lang="zh-CN" altLang="en-US" sz="1800" dirty="0" smtClean="0"/>
+              <a:t>的</a:t>
+            </a:r>
+            <a:r>
+              <a:rPr lang="en-US" altLang="zh-CN" sz="1800" dirty="0" smtClean="0"/>
+              <a:t>.</a:t>
+            </a:r>
+          </a:p>
+          <a:p>
+            <a:pPr marL="0" indent="0">
+              <a:buNone/>
+            </a:pPr>
+            <a:r>
+              <a:rPr lang="en-US" altLang="zh-CN" sz="1800" dirty="0" smtClean="0"/>
+              <a:t>D  </a:t>
+            </a:r>
+            <a:r>
+              <a:rPr lang="zh-CN" altLang="en-US" sz="1800" dirty="0" smtClean="0"/>
+              <a:t>静</a:t>
+            </a:r>
+            <a:r>
+              <a:rPr lang="zh-CN" altLang="en-US" sz="1800" dirty="0"/>
+              <a:t>态成员存在于内存，非静态成员需要实例化才会分配内存</a:t>
+            </a:r>
+          </a:p>
+          <a:p>
+            <a:pPr marL="0" indent="0">
+              <a:buNone/>
+            </a:pPr>
+            <a:r>
+              <a:rPr lang="en-US" altLang="zh-CN" sz="1800" dirty="0"/>
+              <a:t>E</a:t>
+            </a:r>
+            <a:r>
+              <a:rPr lang="en-US" altLang="zh-CN" sz="1800" dirty="0" smtClean="0"/>
+              <a:t>  </a:t>
+            </a:r>
+            <a:r>
+              <a:rPr lang="zh-CN" altLang="en-US" sz="1800" dirty="0" smtClean="0"/>
+              <a:t>调</a:t>
+            </a:r>
+            <a:r>
+              <a:rPr lang="zh-CN" altLang="en-US" sz="1800" dirty="0"/>
+              <a:t>用静态成员函数时要通过类或对象激活，所以静态成员函数拥有</a:t>
+            </a:r>
+            <a:r>
+              <a:rPr lang="en-US" altLang="zh-CN" sz="1800" dirty="0"/>
+              <a:t>this</a:t>
+            </a:r>
+            <a:r>
+              <a:rPr lang="zh-CN" altLang="en-US" sz="1800" dirty="0"/>
+              <a:t>指</a:t>
+            </a:r>
+            <a:r>
+              <a:rPr lang="zh-CN" altLang="en-US" sz="1800" dirty="0" smtClean="0"/>
+              <a:t>针</a:t>
+            </a:r>
+            <a:endParaRPr lang="en-US" altLang="zh-CN" sz="1800" dirty="0" smtClean="0"/>
+          </a:p>
+          <a:p>
+            <a:pPr marL="0" indent="0">
+              <a:buNone/>
+            </a:pPr>
+            <a:endParaRPr lang="zh-CN" altLang="en-US" sz="1800" dirty="0"/>
+          </a:p>
+          <a:p>
+            <a:endParaRPr lang="zh-CN" altLang="en-US" dirty="0"/>
+          </a:p>
+        </p:txBody>
+      </p:sp>
+      <p:sp>
+        <p:nvSpPr>
+          <p:cNvPr id="3" name="标题 2"/>
+          <p:cNvSpPr>
+            <a:spLocks noGrp="1"/>
+          </p:cNvSpPr>
+          <p:nvPr>
+            <p:ph type="title"/>
+          </p:nvPr>
+        </p:nvSpPr>
+        <p:spPr/>
+        <p:style>
+          <a:lnRef idx="2">
+            <a:schemeClr val="accent1">
+              <a:shade val="50000"/>
+            </a:schemeClr>
+          </a:lnRef>
+          <a:fillRef idx="1">
+            <a:schemeClr val="accent1"/>
+          </a:fillRef>
+          <a:effectRef idx="0">
+            <a:schemeClr val="accent1"/>
+          </a:effectRef>
+          <a:fontRef idx="minor">
+            <a:schemeClr val="lt1"/>
+          </a:fontRef>
+        </p:style>
+        <p:txBody>
+          <a:bodyPr>
+            <a:normAutofit fontScale="90000"/>
+          </a:bodyPr>
+          <a:lstStyle/>
+          <a:p>
+            <a:r>
+              <a:rPr lang="zh-CN" altLang="en-US" b="1" dirty="0"/>
+              <a:t>第六</a:t>
+            </a:r>
+            <a:r>
+              <a:rPr lang="zh-CN" altLang="en-US" b="1" dirty="0" smtClean="0"/>
+              <a:t>题 </a:t>
+            </a:r>
+            <a:r>
+              <a:rPr lang="en-US" altLang="zh-CN" b="1" dirty="0" smtClean="0"/>
+              <a:t>C</a:t>
+            </a:r>
+            <a:r>
+              <a:rPr lang="en-US" altLang="zh-CN" b="1" dirty="0"/>
+              <a:t>++ </a:t>
+            </a:r>
+            <a:r>
+              <a:rPr lang="zh-CN" altLang="en-US" b="1" dirty="0"/>
+              <a:t>类的静态成</a:t>
+            </a:r>
+            <a:r>
+              <a:rPr lang="zh-CN" altLang="en-US" b="1" dirty="0" smtClean="0"/>
+              <a:t>员 </a:t>
+            </a:r>
+            <a:r>
+              <a:rPr lang="en-US" altLang="zh-CN" b="1" dirty="0" smtClean="0"/>
+              <a:t>2020</a:t>
+            </a:r>
+            <a:r>
+              <a:rPr lang="zh-CN" altLang="en-US" b="1" dirty="0" smtClean="0"/>
+              <a:t>年</a:t>
+            </a:r>
+            <a:r>
+              <a:rPr lang="en-US" altLang="zh-CN" b="1" dirty="0" smtClean="0"/>
+              <a:t>2</a:t>
+            </a:r>
+            <a:r>
+              <a:rPr lang="zh-CN" altLang="en-US" b="1" dirty="0" smtClean="0"/>
+              <a:t>月</a:t>
+            </a:r>
+            <a:r>
+              <a:rPr lang="en-US" altLang="zh-CN" b="1" dirty="0" smtClean="0"/>
+              <a:t>19</a:t>
+            </a:r>
+            <a:r>
+              <a:rPr lang="zh-CN" altLang="en-US" b="1" dirty="0" smtClean="0"/>
+              <a:t>日</a:t>
+            </a:r>
+            <a:r>
+              <a:rPr lang="zh-CN" altLang="en-US" b="1" dirty="0"/>
+              <a:t/>
+            </a:r>
+            <a:br>
+              <a:rPr lang="zh-CN" altLang="en-US" b="1" dirty="0"/>
+            </a:br>
+            <a:endParaRPr lang="zh-CN" altLang="en-US" dirty="0"/>
+          </a:p>
+        </p:txBody>
+      </p:sp>
+    </p:spTree>
+    <p:extLst>
+      <p:ext uri="{BB962C8B-B14F-4D97-AF65-F5344CB8AC3E}">
+        <p14:creationId xmlns:p14="http://schemas.microsoft.com/office/powerpoint/2010/main" val="315575763"/>
+      </p:ext>
+    </p:extLst>
+  </p:cSld>
+  <p:clrMapOvr>
+    <a:masterClrMapping/>
+  </p:clrMapOvr>
+  <p:timing>
+    <p:tnLst>
+      <p:par>
+        <p:cTn id="1" dur="indefinite" restart="never" nodeType="tmRoot"/>
+      </p:par>
+    </p:tnLst>
+  </p:timing>
+</p:sld>
+</file>
+
+<file path=ppt/slides/slide12.xml><?xml version="1.0" encoding="utf-8"?>
+<p:sld xmlns:a="http://schemas.openxmlformats.org/drawingml/2006/main" xmlns:r="http://schemas.openxmlformats.org/officeDocument/2006/relationships" xmlns:p="http://schemas.openxmlformats.org/presentationml/2006/main">
+  <p:cSld>
+    <p:spTree>
+      <p:nvGrpSpPr>
+        <p:cNvPr id="1" name=""/>
+        <p:cNvGrpSpPr/>
+        <p:nvPr/>
+      </p:nvGrpSpPr>
+      <p:grpSpPr>
+        <a:xfrm>
+          <a:off x="0" y="0"/>
+          <a:ext cx="0" cy="0"/>
+          <a:chOff x="0" y="0"/>
+          <a:chExt cx="0" cy="0"/>
+        </a:xfrm>
+      </p:grpSpPr>
+    </p:spTree>
+  </p:cSld>
+  <p:clrMapOvr>
+    <a:masterClrMapping/>
+  </p:clrMapOvr>
+  <p:timing>
+    <p:tnLst>
+      <p:par>
+        <p:cTn id="1" dur="indefinite" restart="never" nodeType="tmRoot"/>
+      </p:par>
+    </p:tnLst>
+  </p:timing>
+</p:sld>
+</file>
+
+<file path=ppt/slides/slide2.xml><?xml version="1.0" encoding="utf-8"?>
+<p:sld xmlns:a="http://schemas.openxmlformats.org/drawingml/2006/main" xmlns:r="http://schemas.openxmlformats.org/officeDocument/2006/relationships" xmlns:p="http://schemas.openxmlformats.org/presentationml/2006/main" show="0">
   <p:cSld>
     <p:spTree>
       <p:nvGrpSpPr>
@@ -4347,11 +4521,12 @@
   <p:clrMapOvr>
     <a:masterClrMapping/>
   </p:clrMapOvr>
+  <p:transition/>
 </p:sld>
 </file>
 
-<file path=ppt/slides/slide6.xml><?xml version="1.0" encoding="utf-8"?>
-<p:sld xmlns:a="http://schemas.openxmlformats.org/drawingml/2006/main" xmlns:r="http://schemas.openxmlformats.org/officeDocument/2006/relationships" xmlns:p="http://schemas.openxmlformats.org/presentationml/2006/main">
+<file path=ppt/slides/slide3.xml><?xml version="1.0" encoding="utf-8"?>
+<p:sld xmlns:a="http://schemas.openxmlformats.org/drawingml/2006/main" xmlns:r="http://schemas.openxmlformats.org/officeDocument/2006/relationships" xmlns:p="http://schemas.openxmlformats.org/presentationml/2006/main" show="0">
   <p:cSld>
     <p:spTree>
       <p:nvGrpSpPr>
@@ -4438,11 +4613,12 @@
   <p:clrMapOvr>
     <a:masterClrMapping/>
   </p:clrMapOvr>
+  <p:transition/>
 </p:sld>
 </file>
 
-<file path=ppt/slides/slide7.xml><?xml version="1.0" encoding="utf-8"?>
-<p:sld xmlns:a="http://schemas.openxmlformats.org/drawingml/2006/main" xmlns:r="http://schemas.openxmlformats.org/officeDocument/2006/relationships" xmlns:p="http://schemas.openxmlformats.org/presentationml/2006/main">
+<file path=ppt/slides/slide4.xml><?xml version="1.0" encoding="utf-8"?>
+<p:sld xmlns:a="http://schemas.openxmlformats.org/drawingml/2006/main" xmlns:r="http://schemas.openxmlformats.org/officeDocument/2006/relationships" xmlns:p="http://schemas.openxmlformats.org/presentationml/2006/main" show="0">
   <p:cSld>
     <p:spTree>
       <p:nvGrpSpPr>
@@ -4534,11 +4710,19 @@
   <p:clrMapOvr>
     <a:masterClrMapping/>
   </p:clrMapOvr>
+  <p:transition/>
+  <p:timing>
+    <p:tnLst>
+      <p:par>
+        <p:cTn id="1" dur="indefinite" restart="never" nodeType="tmRoot"/>
+      </p:par>
+    </p:tnLst>
+  </p:timing>
 </p:sld>
 </file>
 
-<file path=ppt/slides/slide8.xml><?xml version="1.0" encoding="utf-8"?>
-<p:sld xmlns:a="http://schemas.openxmlformats.org/drawingml/2006/main" xmlns:r="http://schemas.openxmlformats.org/officeDocument/2006/relationships" xmlns:p="http://schemas.openxmlformats.org/presentationml/2006/main">
+<file path=ppt/slides/slide5.xml><?xml version="1.0" encoding="utf-8"?>
+<p:sld xmlns:a="http://schemas.openxmlformats.org/drawingml/2006/main" xmlns:r="http://schemas.openxmlformats.org/officeDocument/2006/relationships" xmlns:p="http://schemas.openxmlformats.org/presentationml/2006/main" show="0">
   <p:cSld>
     <p:spTree>
       <p:nvGrpSpPr>
@@ -4612,15 +4796,699 @@
         </p:txBody>
       </p:sp>
     </p:spTree>
-    <p:extLst>
-      <p:ext uri="{BB962C8B-B14F-4D97-AF65-F5344CB8AC3E}">
-        <p14:creationId xmlns:p14="http://schemas.microsoft.com/office/powerpoint/2010/main" val="1593175686"/>
-      </p:ext>
-    </p:extLst>
   </p:cSld>
   <p:clrMapOvr>
     <a:masterClrMapping/>
   </p:clrMapOvr>
+  <p:transition/>
+</p:sld>
+</file>
+
+<file path=ppt/slides/slide6.xml><?xml version="1.0" encoding="utf-8"?>
+<p:sld xmlns:a="http://schemas.openxmlformats.org/drawingml/2006/main" xmlns:r="http://schemas.openxmlformats.org/officeDocument/2006/relationships" xmlns:p="http://schemas.openxmlformats.org/presentationml/2006/main" show="0">
+  <p:cSld>
+    <p:spTree>
+      <p:nvGrpSpPr>
+        <p:cNvPr id="1" name=""/>
+        <p:cNvGrpSpPr/>
+        <p:nvPr/>
+      </p:nvGrpSpPr>
+      <p:grpSpPr>
+        <a:xfrm>
+          <a:off x="0" y="0"/>
+          <a:ext cx="0" cy="0"/>
+          <a:chOff x="0" y="0"/>
+          <a:chExt cx="0" cy="0"/>
+        </a:xfrm>
+      </p:grpSpPr>
+      <p:sp>
+        <p:nvSpPr>
+          <p:cNvPr id="2" name="内容占位符 1"/>
+          <p:cNvSpPr>
+            <a:spLocks noGrp="1"/>
+          </p:cNvSpPr>
+          <p:nvPr>
+            <p:ph idx="1"/>
+          </p:nvPr>
+        </p:nvSpPr>
+        <p:spPr/>
+        <p:txBody>
+          <a:bodyPr/>
+          <a:lstStyle/>
+          <a:p>
+            <a:endParaRPr lang="zh-CN" altLang="en-US" dirty="0"/>
+          </a:p>
+        </p:txBody>
+      </p:sp>
+      <p:sp>
+        <p:nvSpPr>
+          <p:cNvPr id="3" name="标题 2"/>
+          <p:cNvSpPr>
+            <a:spLocks noGrp="1"/>
+          </p:cNvSpPr>
+          <p:nvPr>
+            <p:ph type="title"/>
+          </p:nvPr>
+        </p:nvSpPr>
+        <p:spPr/>
+        <p:txBody>
+          <a:bodyPr>
+            <a:normAutofit/>
+          </a:bodyPr>
+          <a:lstStyle/>
+          <a:p>
+            <a:r>
+              <a:rPr lang="en-US" altLang="zh-CN" b="1" dirty="0" smtClean="0"/>
+              <a:t>Overloading </a:t>
+            </a:r>
+            <a:r>
+              <a:rPr lang="zh-CN" altLang="en-US" b="1" smtClean="0"/>
+              <a:t>重载</a:t>
+            </a:r>
+            <a:endParaRPr lang="zh-CN" altLang="en-US" dirty="0"/>
+          </a:p>
+        </p:txBody>
+      </p:sp>
+    </p:spTree>
+  </p:cSld>
+  <p:clrMapOvr>
+    <a:masterClrMapping/>
+  </p:clrMapOvr>
+  <p:transition/>
+</p:sld>
+</file>
+
+<file path=ppt/slides/slide7.xml><?xml version="1.0" encoding="utf-8"?>
+<p:sld xmlns:a="http://schemas.openxmlformats.org/drawingml/2006/main" xmlns:r="http://schemas.openxmlformats.org/officeDocument/2006/relationships" xmlns:p="http://schemas.openxmlformats.org/presentationml/2006/main" show="0">
+  <p:cSld>
+    <p:spTree>
+      <p:nvGrpSpPr>
+        <p:cNvPr id="1" name=""/>
+        <p:cNvGrpSpPr/>
+        <p:nvPr/>
+      </p:nvGrpSpPr>
+      <p:grpSpPr>
+        <a:xfrm>
+          <a:off x="0" y="0"/>
+          <a:ext cx="0" cy="0"/>
+          <a:chOff x="0" y="0"/>
+          <a:chExt cx="0" cy="0"/>
+        </a:xfrm>
+      </p:grpSpPr>
+      <p:sp>
+        <p:nvSpPr>
+          <p:cNvPr id="2" name="内容占位符 1"/>
+          <p:cNvSpPr>
+            <a:spLocks noGrp="1"/>
+          </p:cNvSpPr>
+          <p:nvPr>
+            <p:ph idx="1"/>
+          </p:nvPr>
+        </p:nvSpPr>
+        <p:spPr/>
+        <p:txBody>
+          <a:bodyPr/>
+          <a:lstStyle/>
+          <a:p>
+            <a:r>
+              <a:rPr lang="en-US" altLang="zh-CN" dirty="0"/>
+              <a:t>The base member</a:t>
+            </a:r>
+            <a:br>
+              <a:rPr lang="en-US" altLang="zh-CN" dirty="0"/>
+            </a:br>
+            <a:r>
+              <a:rPr lang="en-US" altLang="zh-CN" dirty="0"/>
+              <a:t>is hidden even if the functions have different parameter lists: </a:t>
+            </a:r>
+            <a:br>
+              <a:rPr lang="en-US" altLang="zh-CN" dirty="0"/>
+            </a:br>
+            <a:r>
+              <a:rPr lang="en-US" altLang="zh-CN" dirty="0" err="1" smtClean="0"/>
+              <a:t>764page</a:t>
+            </a:r>
+            <a:endParaRPr lang="zh-CN" altLang="en-US" dirty="0"/>
+          </a:p>
+        </p:txBody>
+      </p:sp>
+      <p:sp>
+        <p:nvSpPr>
+          <p:cNvPr id="3" name="标题 2"/>
+          <p:cNvSpPr>
+            <a:spLocks noGrp="1"/>
+          </p:cNvSpPr>
+          <p:nvPr>
+            <p:ph type="title"/>
+          </p:nvPr>
+        </p:nvSpPr>
+        <p:spPr/>
+        <p:txBody>
+          <a:bodyPr/>
+          <a:lstStyle/>
+          <a:p>
+            <a:r>
+              <a:rPr lang="en-US" altLang="zh-CN" dirty="0" err="1" smtClean="0"/>
+              <a:t>Virtal</a:t>
+            </a:r>
+            <a:endParaRPr lang="zh-CN" altLang="en-US" dirty="0"/>
+          </a:p>
+        </p:txBody>
+      </p:sp>
+      <p:pic>
+        <p:nvPicPr>
+          <p:cNvPr id="1026" name="Picture 2"/>
+          <p:cNvPicPr>
+            <a:picLocks noChangeAspect="1" noChangeArrowheads="1"/>
+          </p:cNvPicPr>
+          <p:nvPr/>
+        </p:nvPicPr>
+        <p:blipFill>
+          <a:blip r:embed="rId2">
+            <a:extLst>
+              <a:ext uri="{28A0092B-C50C-407E-A947-70E740481C1C}">
+                <a14:useLocalDpi xmlns:a14="http://schemas.microsoft.com/office/drawing/2010/main" val="0"/>
+              </a:ext>
+            </a:extLst>
+          </a:blip>
+          <a:srcRect/>
+          <a:stretch>
+            <a:fillRect/>
+          </a:stretch>
+        </p:blipFill>
+        <p:spPr bwMode="auto">
+          <a:xfrm>
+            <a:off x="34177" y="2211710"/>
+            <a:ext cx="8286750" cy="2781300"/>
+          </a:xfrm>
+          <a:prstGeom prst="rect">
+            <a:avLst/>
+          </a:prstGeom>
+          <a:noFill/>
+          <a:ln>
+            <a:noFill/>
+          </a:ln>
+          <a:extLst>
+            <a:ext uri="{909E8E84-426E-40DD-AFC4-6F175D3DCCD1}">
+              <a14:hiddenFill xmlns:a14="http://schemas.microsoft.com/office/drawing/2010/main">
+                <a:solidFill>
+                  <a:schemeClr val="accent1"/>
+                </a:solidFill>
+              </a14:hiddenFill>
+            </a:ext>
+            <a:ext uri="{91240B29-F687-4F45-9708-019B960494DF}">
+              <a14:hiddenLine xmlns:a14="http://schemas.microsoft.com/office/drawing/2010/main" w="9525">
+                <a:solidFill>
+                  <a:schemeClr val="tx1"/>
+                </a:solidFill>
+                <a:miter lim="800000"/>
+                <a:headEnd/>
+                <a:tailEnd/>
+              </a14:hiddenLine>
+            </a:ext>
+          </a:extLst>
+        </p:spPr>
+      </p:pic>
+    </p:spTree>
+  </p:cSld>
+  <p:clrMapOvr>
+    <a:masterClrMapping/>
+  </p:clrMapOvr>
+  <p:transition/>
+  <p:timing>
+    <p:tnLst>
+      <p:par>
+        <p:cTn id="1" dur="indefinite" restart="never" nodeType="tmRoot"/>
+      </p:par>
+    </p:tnLst>
+  </p:timing>
+</p:sld>
+</file>
+
+<file path=ppt/slides/slide8.xml><?xml version="1.0" encoding="utf-8"?>
+<p:sld xmlns:a="http://schemas.openxmlformats.org/drawingml/2006/main" xmlns:r="http://schemas.openxmlformats.org/officeDocument/2006/relationships" xmlns:p="http://schemas.openxmlformats.org/presentationml/2006/main" show="0">
+  <p:cSld>
+    <p:spTree>
+      <p:nvGrpSpPr>
+        <p:cNvPr id="1" name=""/>
+        <p:cNvGrpSpPr/>
+        <p:nvPr/>
+      </p:nvGrpSpPr>
+      <p:grpSpPr>
+        <a:xfrm>
+          <a:off x="0" y="0"/>
+          <a:ext cx="0" cy="0"/>
+          <a:chOff x="0" y="0"/>
+          <a:chExt cx="0" cy="0"/>
+        </a:xfrm>
+      </p:grpSpPr>
+      <p:sp>
+        <p:nvSpPr>
+          <p:cNvPr id="2" name="内容占位符 1"/>
+          <p:cNvSpPr>
+            <a:spLocks noGrp="1"/>
+          </p:cNvSpPr>
+          <p:nvPr>
+            <p:ph idx="1"/>
+          </p:nvPr>
+        </p:nvSpPr>
+        <p:spPr>
+          <a:xfrm>
+            <a:off x="416744" y="1347614"/>
+            <a:ext cx="8229600" cy="3312368"/>
+          </a:xfrm>
+        </p:spPr>
+        <p:txBody>
+          <a:bodyPr>
+            <a:normAutofit fontScale="85000" lnSpcReduction="20000"/>
+          </a:bodyPr>
+          <a:lstStyle/>
+          <a:p>
+            <a:pPr marL="0" indent="0">
+              <a:buNone/>
+            </a:pPr>
+            <a:r>
+              <a:rPr lang="zh-CN" altLang="en-US" dirty="0" smtClean="0"/>
+              <a:t>堆</a:t>
+            </a:r>
+            <a:r>
+              <a:rPr lang="zh-CN" altLang="en-US" dirty="0"/>
+              <a:t>和</a:t>
+            </a:r>
+            <a:r>
+              <a:rPr lang="zh-CN" altLang="en-US" dirty="0" smtClean="0"/>
+              <a:t>栈都是内存分配</a:t>
+            </a:r>
+            <a:r>
+              <a:rPr lang="en-US" altLang="zh-CN" dirty="0" smtClean="0"/>
+              <a:t>2</a:t>
+            </a:r>
+            <a:r>
+              <a:rPr lang="zh-CN" altLang="en-US" dirty="0" smtClean="0"/>
+              <a:t>个形式</a:t>
+            </a:r>
+            <a:endParaRPr lang="en-US" altLang="zh-CN" dirty="0" smtClean="0"/>
+          </a:p>
+          <a:p>
+            <a:pPr>
+              <a:buFont typeface="Wingdings" panose="05000000000000000000" pitchFamily="2" charset="2"/>
+              <a:buChar char="p"/>
+            </a:pPr>
+            <a:r>
+              <a:rPr lang="zh-CN" altLang="en-US" dirty="0" smtClean="0"/>
+              <a:t>存储什么样数据，为什么存储？</a:t>
+            </a:r>
+            <a:endParaRPr lang="en-US" altLang="zh-CN" dirty="0" smtClean="0"/>
+          </a:p>
+          <a:p>
+            <a:pPr marL="0" indent="0">
+              <a:buNone/>
+            </a:pPr>
+            <a:r>
+              <a:rPr lang="zh-CN" altLang="en-US" dirty="0"/>
+              <a:t>堆：为动态分配预留的内存空间</a:t>
+            </a:r>
+            <a:r>
+              <a:rPr lang="zh-CN" altLang="en-US" dirty="0" smtClean="0"/>
+              <a:t>，</a:t>
+            </a:r>
+            <a:r>
+              <a:rPr lang="zh-CN" altLang="en-US" dirty="0"/>
+              <a:t>存</a:t>
+            </a:r>
+            <a:r>
+              <a:rPr lang="zh-CN" altLang="en-US" dirty="0" smtClean="0"/>
+              <a:t>储的是 </a:t>
+            </a:r>
+            <a:r>
+              <a:rPr lang="en-US" altLang="zh-CN" dirty="0"/>
+              <a:t>new </a:t>
+            </a:r>
+            <a:r>
+              <a:rPr lang="zh-CN" altLang="en-US" dirty="0" smtClean="0"/>
+              <a:t>出来的运行时基本对</a:t>
+            </a:r>
+            <a:r>
+              <a:rPr lang="zh-CN" altLang="en-US" dirty="0"/>
+              <a:t>象</a:t>
+            </a:r>
+          </a:p>
+          <a:p>
+            <a:pPr marL="0" indent="0">
+              <a:buNone/>
+            </a:pPr>
+            <a:r>
+              <a:rPr lang="zh-CN" altLang="en-US" dirty="0"/>
+              <a:t>栈是：</a:t>
+            </a:r>
+            <a:r>
+              <a:rPr lang="zh-CN" altLang="en-US" dirty="0">
+                <a:solidFill>
+                  <a:srgbClr val="FF0000"/>
+                </a:solidFill>
+              </a:rPr>
+              <a:t>为执行线程留出的内存空间，在线程创建是必须分配</a:t>
+            </a:r>
+            <a:r>
+              <a:rPr lang="zh-CN" altLang="en-US" dirty="0"/>
+              <a:t>。</a:t>
+            </a:r>
+          </a:p>
+          <a:p>
+            <a:pPr marL="0" indent="0">
+              <a:buNone/>
+            </a:pPr>
+            <a:r>
+              <a:rPr lang="zh-CN" altLang="en-US" dirty="0"/>
+              <a:t>栈 除去 基本对象外， 还有存储 函数参数，返回值 控制函数调</a:t>
+            </a:r>
+            <a:r>
+              <a:rPr lang="zh-CN" altLang="en-US" dirty="0" smtClean="0"/>
+              <a:t>用</a:t>
+            </a:r>
+            <a:endParaRPr lang="en-US" altLang="zh-CN" dirty="0" smtClean="0"/>
+          </a:p>
+          <a:p>
+            <a:pPr>
+              <a:buFont typeface="Wingdings" panose="05000000000000000000" pitchFamily="2" charset="2"/>
+              <a:buChar char="p"/>
+            </a:pPr>
+            <a:r>
+              <a:rPr lang="zh-CN" altLang="en-US" dirty="0" smtClean="0"/>
+              <a:t>对象申请一定成功吗？</a:t>
+            </a:r>
+            <a:endParaRPr lang="en-US" altLang="zh-CN" dirty="0" smtClean="0"/>
+          </a:p>
+          <a:p>
+            <a:pPr marL="0" indent="0">
+              <a:buNone/>
+            </a:pPr>
+            <a:r>
+              <a:rPr lang="zh-CN" altLang="en-US" dirty="0"/>
+              <a:t>在栈上申</a:t>
+            </a:r>
+            <a:r>
+              <a:rPr lang="zh-CN" altLang="en-US" dirty="0" smtClean="0"/>
+              <a:t>请</a:t>
+            </a:r>
+            <a:r>
+              <a:rPr lang="zh-CN" altLang="en-US" dirty="0"/>
+              <a:t>成功</a:t>
+            </a:r>
+            <a:r>
+              <a:rPr lang="zh-CN" altLang="en-US" dirty="0" smtClean="0"/>
+              <a:t>，</a:t>
+            </a:r>
+            <a:r>
+              <a:rPr lang="zh-CN" altLang="en-US" dirty="0"/>
+              <a:t>在堆上不一定申请成</a:t>
+            </a:r>
+            <a:r>
+              <a:rPr lang="zh-CN" altLang="en-US" dirty="0" smtClean="0"/>
+              <a:t>功</a:t>
+            </a:r>
+            <a:r>
+              <a:rPr lang="zh-CN" altLang="en-US" dirty="0"/>
+              <a:t>。</a:t>
+            </a:r>
+            <a:r>
+              <a:rPr lang="zh-CN" altLang="en-US" dirty="0" smtClean="0"/>
+              <a:t>栈</a:t>
+            </a:r>
+            <a:r>
+              <a:rPr lang="zh-CN" altLang="en-US" dirty="0"/>
+              <a:t>的空大小确定，线程独享</a:t>
+            </a:r>
+          </a:p>
+          <a:p>
+            <a:pPr marL="0" indent="0">
+              <a:buNone/>
+            </a:pPr>
+            <a:r>
+              <a:rPr lang="zh-CN" altLang="en-US" dirty="0"/>
+              <a:t>堆上可用空间大小，动态变化的，进程内共</a:t>
+            </a:r>
+            <a:r>
+              <a:rPr lang="zh-CN" altLang="en-US" dirty="0" smtClean="0"/>
+              <a:t>享。</a:t>
+            </a:r>
+            <a:r>
+              <a:rPr lang="zh-CN" altLang="en-US" dirty="0" smtClean="0">
+                <a:solidFill>
+                  <a:srgbClr val="FF0000"/>
+                </a:solidFill>
+              </a:rPr>
+              <a:t>栈申请失败进程必须退出</a:t>
+            </a:r>
+            <a:r>
+              <a:rPr lang="zh-CN" altLang="en-US" dirty="0" smtClean="0"/>
+              <a:t>，</a:t>
+            </a:r>
+            <a:r>
+              <a:rPr lang="en-US" altLang="zh-CN" dirty="0" smtClean="0">
+                <a:solidFill>
+                  <a:srgbClr val="FF0000"/>
+                </a:solidFill>
+              </a:rPr>
+              <a:t>heap</a:t>
+            </a:r>
+            <a:r>
+              <a:rPr lang="zh-CN" altLang="en-US" dirty="0" smtClean="0">
+                <a:solidFill>
+                  <a:srgbClr val="FF0000"/>
+                </a:solidFill>
+              </a:rPr>
+              <a:t>依靠重载的</a:t>
+            </a:r>
+            <a:r>
+              <a:rPr lang="en-US" altLang="zh-CN" dirty="0" smtClean="0">
+                <a:solidFill>
+                  <a:srgbClr val="FF0000"/>
+                </a:solidFill>
+              </a:rPr>
+              <a:t>new</a:t>
+            </a:r>
+            <a:r>
+              <a:rPr lang="zh-CN" altLang="en-US" dirty="0">
+                <a:solidFill>
+                  <a:srgbClr val="FF0000"/>
+                </a:solidFill>
+              </a:rPr>
+              <a:t>接口</a:t>
+            </a:r>
+            <a:endParaRPr lang="en-US" altLang="zh-CN" dirty="0" smtClean="0">
+              <a:solidFill>
+                <a:srgbClr val="FF0000"/>
+              </a:solidFill>
+            </a:endParaRPr>
+          </a:p>
+          <a:p>
+            <a:pPr>
+              <a:buFont typeface="Wingdings" panose="05000000000000000000" pitchFamily="2" charset="2"/>
+              <a:buChar char="p"/>
+            </a:pPr>
+            <a:r>
+              <a:rPr lang="zh-CN" altLang="en-US" dirty="0" smtClean="0"/>
+              <a:t>对象什么时候释放，</a:t>
+            </a:r>
+            <a:r>
+              <a:rPr lang="zh-CN" altLang="en-US" dirty="0"/>
+              <a:t>一定释放吗</a:t>
+            </a:r>
+            <a:r>
+              <a:rPr lang="zh-CN" altLang="en-US" dirty="0" smtClean="0"/>
+              <a:t>？</a:t>
+            </a:r>
+            <a:endParaRPr lang="en-US" altLang="zh-CN" dirty="0" smtClean="0"/>
+          </a:p>
+          <a:p>
+            <a:pPr marL="0" indent="0">
+              <a:buNone/>
+            </a:pPr>
+            <a:r>
+              <a:rPr lang="en-US" altLang="zh-CN" dirty="0"/>
+              <a:t> </a:t>
+            </a:r>
+            <a:r>
+              <a:rPr lang="en-US" altLang="zh-CN" dirty="0" smtClean="0"/>
+              <a:t>  </a:t>
+            </a:r>
+            <a:r>
+              <a:rPr lang="zh-CN" altLang="en-US" dirty="0" smtClean="0"/>
+              <a:t>栈上数据自动释放没有任何问题。栈 在线程退出被释放</a:t>
+            </a:r>
+            <a:endParaRPr lang="en-US" altLang="zh-CN" dirty="0" smtClean="0"/>
+          </a:p>
+          <a:p>
+            <a:pPr marL="0" indent="0">
+              <a:buNone/>
+            </a:pPr>
+            <a:r>
+              <a:rPr lang="en-US" altLang="zh-CN" dirty="0"/>
+              <a:t> </a:t>
+            </a:r>
+            <a:r>
+              <a:rPr lang="en-US" altLang="zh-CN" dirty="0" smtClean="0"/>
+              <a:t>  Heap</a:t>
+            </a:r>
+            <a:r>
+              <a:rPr lang="zh-CN" altLang="en-US" dirty="0" smtClean="0"/>
+              <a:t>上 借助垃圾机制，智能指针等来释放。</a:t>
+            </a:r>
+            <a:r>
+              <a:rPr lang="zh-CN" altLang="en-US" dirty="0" smtClean="0">
+                <a:solidFill>
+                  <a:srgbClr val="FF0000"/>
+                </a:solidFill>
+              </a:rPr>
+              <a:t>进程结束 </a:t>
+            </a:r>
+            <a:r>
+              <a:rPr lang="en-US" altLang="zh-CN" dirty="0" smtClean="0">
+                <a:solidFill>
+                  <a:srgbClr val="FF0000"/>
+                </a:solidFill>
+              </a:rPr>
+              <a:t>heap</a:t>
+            </a:r>
+            <a:r>
+              <a:rPr lang="zh-CN" altLang="en-US" dirty="0" smtClean="0">
+                <a:solidFill>
+                  <a:srgbClr val="FF0000"/>
+                </a:solidFill>
+              </a:rPr>
+              <a:t>才会被系统释放</a:t>
+            </a:r>
+            <a:endParaRPr lang="en-US" altLang="zh-CN" dirty="0" smtClean="0">
+              <a:solidFill>
+                <a:srgbClr val="FF0000"/>
+              </a:solidFill>
+            </a:endParaRPr>
+          </a:p>
+          <a:p>
+            <a:pPr>
+              <a:buFont typeface="Wingdings" panose="05000000000000000000" pitchFamily="2" charset="2"/>
+              <a:buChar char="p"/>
+            </a:pPr>
+            <a:r>
+              <a:rPr lang="zh-CN" altLang="en-US" dirty="0" smtClean="0"/>
+              <a:t>那个更快？</a:t>
+            </a:r>
+            <a:endParaRPr lang="en-US" altLang="zh-CN" dirty="0" smtClean="0"/>
+          </a:p>
+          <a:p>
+            <a:pPr marL="0" indent="0">
+              <a:buNone/>
+            </a:pPr>
+            <a:endParaRPr lang="en-US" altLang="zh-CN" dirty="0"/>
+          </a:p>
+          <a:p>
+            <a:pPr marL="0" indent="0">
+              <a:buNone/>
+            </a:pPr>
+            <a:r>
+              <a:rPr lang="en-US" altLang="zh-CN" dirty="0" smtClean="0"/>
+              <a:t>  </a:t>
+            </a:r>
+            <a:r>
+              <a:rPr lang="zh-CN" altLang="en-US" dirty="0" smtClean="0"/>
+              <a:t>栈</a:t>
+            </a:r>
+            <a:r>
+              <a:rPr lang="zh-CN" altLang="en-US" dirty="0"/>
+              <a:t>比堆要快</a:t>
+            </a:r>
+            <a:endParaRPr lang="en-US" altLang="zh-CN" dirty="0" smtClean="0"/>
+          </a:p>
+          <a:p>
+            <a:pPr marL="0" indent="0">
+              <a:buNone/>
+            </a:pPr>
+            <a:endParaRPr lang="en-US" altLang="zh-CN" dirty="0" smtClean="0"/>
+          </a:p>
+        </p:txBody>
+      </p:sp>
+      <p:sp>
+        <p:nvSpPr>
+          <p:cNvPr id="3" name="标题 2"/>
+          <p:cNvSpPr>
+            <a:spLocks noGrp="1"/>
+          </p:cNvSpPr>
+          <p:nvPr>
+            <p:ph type="title"/>
+          </p:nvPr>
+        </p:nvSpPr>
+        <p:spPr>
+          <a:xfrm>
+            <a:off x="417600" y="230400"/>
+            <a:ext cx="8402872" cy="857250"/>
+          </a:xfrm>
+        </p:spPr>
+        <p:style>
+          <a:lnRef idx="2">
+            <a:schemeClr val="accent1">
+              <a:shade val="50000"/>
+            </a:schemeClr>
+          </a:lnRef>
+          <a:fillRef idx="1">
+            <a:schemeClr val="accent1"/>
+          </a:fillRef>
+          <a:effectRef idx="0">
+            <a:schemeClr val="accent1"/>
+          </a:effectRef>
+          <a:fontRef idx="minor">
+            <a:schemeClr val="lt1"/>
+          </a:fontRef>
+        </p:style>
+        <p:txBody>
+          <a:bodyPr/>
+          <a:lstStyle/>
+          <a:p>
+            <a:r>
+              <a:rPr lang="zh-CN" altLang="en-US" dirty="0" smtClean="0"/>
+              <a:t>第三题 ：堆栈的区别？</a:t>
+            </a:r>
+            <a:r>
+              <a:rPr lang="en-US" altLang="zh-CN" dirty="0" smtClean="0"/>
+              <a:t>2020</a:t>
+            </a:r>
+            <a:r>
+              <a:rPr lang="zh-CN" altLang="en-US" dirty="0" smtClean="0"/>
+              <a:t>年</a:t>
+            </a:r>
+            <a:r>
+              <a:rPr lang="en-US" altLang="zh-CN" dirty="0" smtClean="0"/>
+              <a:t>2</a:t>
+            </a:r>
+            <a:r>
+              <a:rPr lang="zh-CN" altLang="en-US" dirty="0" smtClean="0"/>
+              <a:t>月</a:t>
+            </a:r>
+            <a:r>
+              <a:rPr lang="en-US" altLang="zh-CN" dirty="0" smtClean="0"/>
+              <a:t>18</a:t>
+            </a:r>
+            <a:r>
+              <a:rPr lang="zh-CN" altLang="en-US" dirty="0" smtClean="0"/>
+              <a:t>日 </a:t>
+            </a:r>
+            <a:endParaRPr lang="zh-CN" altLang="en-US" dirty="0"/>
+          </a:p>
+        </p:txBody>
+      </p:sp>
+    </p:spTree>
+  </p:cSld>
+  <p:clrMapOvr>
+    <a:masterClrMapping/>
+  </p:clrMapOvr>
+  <p:transition/>
+  <p:timing>
+    <p:tnLst>
+      <p:par>
+        <p:cTn id="1" dur="indefinite" restart="never" nodeType="tmRoot"/>
+      </p:par>
+    </p:tnLst>
+  </p:timing>
 </p:sld>
 </file>
 
@@ -4653,10 +5521,284 @@
         </p:nvSpPr>
         <p:spPr/>
         <p:txBody>
-          <a:bodyPr/>
+          <a:bodyPr>
+            <a:normAutofit/>
+          </a:bodyPr>
           <a:lstStyle/>
           <a:p>
-            <a:endParaRPr lang="zh-CN" altLang="en-US" dirty="0"/>
+            <a:pPr marL="0" indent="0">
+              <a:buNone/>
+            </a:pPr>
+            <a:endParaRPr lang="en-US" altLang="zh-CN" dirty="0"/>
+          </a:p>
+          <a:p>
+            <a:pPr>
+              <a:buFont typeface="Wingdings" panose="05000000000000000000" pitchFamily="2" charset="2"/>
+              <a:buChar char="ü"/>
+            </a:pPr>
+            <a:r>
+              <a:rPr lang="en-US" altLang="zh-CN" dirty="0" smtClean="0"/>
+              <a:t> </a:t>
+            </a:r>
+            <a:r>
+              <a:rPr lang="zh-CN" altLang="en-US" b="1" dirty="0" smtClean="0"/>
+              <a:t>如果不想父子通信，用</a:t>
+            </a:r>
+            <a:r>
+              <a:rPr lang="en-US" altLang="zh-CN" b="1" dirty="0" smtClean="0"/>
+              <a:t>exec </a:t>
+            </a:r>
+            <a:r>
+              <a:rPr lang="zh-CN" altLang="en-US" b="1" dirty="0"/>
+              <a:t>清空</a:t>
+            </a:r>
+            <a:r>
+              <a:rPr lang="en-US" altLang="zh-CN" b="1" dirty="0" smtClean="0"/>
+              <a:t>fork</a:t>
+            </a:r>
+            <a:r>
+              <a:rPr lang="zh-CN" altLang="en-US" b="1" dirty="0" smtClean="0"/>
+              <a:t>之后信息，因为在多线程</a:t>
+            </a:r>
+            <a:r>
+              <a:rPr lang="zh-CN" altLang="en-US" b="1" smtClean="0"/>
+              <a:t>同步问题。</a:t>
+            </a:r>
+            <a:endParaRPr lang="en-US" altLang="zh-CN" b="1" dirty="0" smtClean="0"/>
+          </a:p>
+          <a:p>
+            <a:pPr>
+              <a:buFont typeface="Wingdings" panose="05000000000000000000" pitchFamily="2" charset="2"/>
+              <a:buChar char="l"/>
+            </a:pPr>
+            <a:r>
+              <a:rPr lang="zh-CN" altLang="en-US" dirty="0" smtClean="0"/>
+              <a:t>子线程不会被</a:t>
+            </a:r>
+            <a:r>
+              <a:rPr lang="en-US" altLang="zh-CN" dirty="0" smtClean="0"/>
+              <a:t>fork</a:t>
+            </a:r>
+            <a:r>
+              <a:rPr lang="zh-CN" altLang="en-US" dirty="0" smtClean="0"/>
+              <a:t>，因此</a:t>
+            </a:r>
+            <a:r>
+              <a:rPr lang="en-US" altLang="zh-CN" dirty="0" smtClean="0"/>
+              <a:t>mutex</a:t>
+            </a:r>
+            <a:r>
+              <a:rPr lang="en-US" altLang="zh-CN" dirty="0"/>
+              <a:t>, reader–writer lock, and condition variable </a:t>
+            </a:r>
+            <a:r>
+              <a:rPr lang="en-US" altLang="zh-CN" dirty="0" smtClean="0"/>
+              <a:t> </a:t>
+            </a:r>
+            <a:r>
+              <a:rPr lang="zh-CN" altLang="en-US" dirty="0" smtClean="0"/>
+              <a:t>需要被清理。 （</a:t>
+            </a:r>
+            <a:r>
+              <a:rPr lang="en-US" altLang="zh-CN" dirty="0"/>
+              <a:t> </a:t>
+            </a:r>
+            <a:r>
+              <a:rPr lang="en-US" altLang="zh-CN" dirty="0">
+                <a:solidFill>
+                  <a:srgbClr val="FF0000"/>
+                </a:solidFill>
+              </a:rPr>
+              <a:t>clean up the lock </a:t>
+            </a:r>
+            <a:r>
+              <a:rPr lang="en-US" altLang="zh-CN" dirty="0" smtClean="0">
+                <a:solidFill>
+                  <a:srgbClr val="FF0000"/>
+                </a:solidFill>
+              </a:rPr>
+              <a:t>state </a:t>
+            </a:r>
+            <a:r>
+              <a:rPr lang="en-US" altLang="zh-CN" dirty="0"/>
+              <a:t>exec functions </a:t>
+            </a:r>
+            <a:r>
+              <a:rPr lang="zh-CN" altLang="en-US" dirty="0" smtClean="0"/>
+              <a:t>）</a:t>
+            </a:r>
+            <a:endParaRPr lang="en-US" altLang="zh-CN" dirty="0" smtClean="0"/>
+          </a:p>
+          <a:p>
+            <a:pPr>
+              <a:buFont typeface="Wingdings" panose="05000000000000000000" pitchFamily="2" charset="2"/>
+              <a:buChar char="l"/>
+            </a:pPr>
+            <a:r>
+              <a:rPr lang="en-US" altLang="zh-CN" dirty="0" smtClean="0"/>
+              <a:t>pthread_atfork </a:t>
+            </a:r>
+            <a:r>
+              <a:rPr lang="zh-CN" altLang="en-US" dirty="0" smtClean="0"/>
+              <a:t>不推荐使用</a:t>
+            </a:r>
+            <a:endParaRPr lang="en-US" altLang="zh-CN" dirty="0" smtClean="0"/>
+          </a:p>
+          <a:p>
+            <a:pPr marL="0" indent="0">
+              <a:buNone/>
+            </a:pPr>
+            <a:r>
+              <a:rPr lang="zh-CN" altLang="en-US" dirty="0"/>
+              <a:t>说</a:t>
+            </a:r>
+            <a:r>
+              <a:rPr lang="zh-CN" altLang="en-US" dirty="0" smtClean="0"/>
+              <a:t>明：</a:t>
+            </a:r>
+            <a:r>
+              <a:rPr lang="en-US" altLang="zh-CN" dirty="0" smtClean="0"/>
+              <a:t>1  </a:t>
+            </a:r>
+            <a:r>
+              <a:rPr lang="en-US" altLang="zh-CN" dirty="0"/>
+              <a:t>detached </a:t>
+            </a:r>
+            <a:r>
+              <a:rPr lang="en-US" altLang="zh-CN" dirty="0" smtClean="0"/>
+              <a:t>state</a:t>
+            </a:r>
+            <a:r>
+              <a:rPr lang="zh-CN" altLang="en-US" dirty="0" smtClean="0"/>
+              <a:t>线程 主函数通过</a:t>
+            </a:r>
+            <a:r>
+              <a:rPr lang="en-US" altLang="zh-CN" dirty="0" smtClean="0"/>
+              <a:t>pthread_exit() </a:t>
+            </a:r>
+            <a:r>
+              <a:rPr lang="zh-CN" altLang="en-US" dirty="0" smtClean="0"/>
+              <a:t>离开</a:t>
+            </a:r>
+            <a:r>
+              <a:rPr lang="en-US" altLang="zh-CN" dirty="0"/>
+              <a:t/>
+            </a:r>
+            <a:br>
+              <a:rPr lang="en-US" altLang="zh-CN" dirty="0"/>
+            </a:br>
+            <a:r>
+              <a:rPr lang="en-US" altLang="zh-CN" dirty="0" smtClean="0"/>
+              <a:t>          2  </a:t>
+            </a:r>
+            <a:r>
+              <a:rPr lang="zh-CN" altLang="en-US" dirty="0" smtClean="0"/>
+              <a:t>产品 </a:t>
+            </a:r>
+            <a:r>
+              <a:rPr lang="en-US" altLang="zh-CN" dirty="0" smtClean="0"/>
+              <a:t>Nginx –s </a:t>
+            </a:r>
+            <a:r>
+              <a:rPr lang="en-US" altLang="zh-CN" dirty="0" err="1" smtClean="0"/>
+              <a:t>user2</a:t>
+            </a:r>
+            <a:endParaRPr lang="en-US" altLang="zh-CN" dirty="0" smtClean="0"/>
+          </a:p>
+          <a:p>
+            <a:pPr>
+              <a:buFont typeface="Wingdings" panose="05000000000000000000" pitchFamily="2" charset="2"/>
+              <a:buChar char="ü"/>
+            </a:pPr>
+            <a:r>
+              <a:rPr lang="en-US" altLang="zh-CN" dirty="0"/>
+              <a:t>  </a:t>
+            </a:r>
+            <a:r>
+              <a:rPr lang="en-US" altLang="zh-CN" b="1" dirty="0"/>
+              <a:t> exec </a:t>
+            </a:r>
+            <a:r>
+              <a:rPr lang="zh-CN" altLang="en-US" b="1" dirty="0"/>
+              <a:t>无</a:t>
+            </a:r>
+            <a:r>
+              <a:rPr lang="zh-CN" altLang="en-US" b="1" dirty="0" smtClean="0"/>
+              <a:t>法清理内核资源的，</a:t>
+            </a:r>
+            <a:r>
+              <a:rPr lang="en-US" altLang="zh-CN" b="1" dirty="0" smtClean="0"/>
+              <a:t>close-on-exec</a:t>
+            </a:r>
+            <a:r>
+              <a:rPr lang="zh-CN" altLang="en-US" b="1" dirty="0"/>
+              <a:t>机制</a:t>
+            </a:r>
+            <a:r>
+              <a:rPr lang="zh-CN" altLang="en-US" dirty="0"/>
+              <a:t>：</a:t>
+            </a:r>
+            <a:endParaRPr lang="en-US" altLang="zh-CN" dirty="0"/>
+          </a:p>
+          <a:p>
+            <a:r>
+              <a:rPr lang="en-US" altLang="zh-CN" dirty="0"/>
+              <a:t>SOCK_CLOEXEC</a:t>
+            </a:r>
+            <a:r>
+              <a:rPr lang="zh-CN" altLang="en-US" dirty="0"/>
+              <a:t> 在 </a:t>
+            </a:r>
+            <a:r>
+              <a:rPr lang="en-US" altLang="zh-CN" dirty="0"/>
+              <a:t>fork </a:t>
+            </a:r>
+            <a:r>
+              <a:rPr lang="zh-CN" altLang="en-US" dirty="0"/>
+              <a:t>子进程中执行 </a:t>
+            </a:r>
+            <a:r>
+              <a:rPr lang="en-US" altLang="zh-CN" dirty="0"/>
+              <a:t>exec </a:t>
+            </a:r>
+            <a:r>
+              <a:rPr lang="zh-CN" altLang="en-US" dirty="0"/>
+              <a:t>的时候，会清理掉父进程创建的 </a:t>
+            </a:r>
+            <a:r>
+              <a:rPr lang="en-US" altLang="zh-CN" dirty="0"/>
+              <a:t>socket</a:t>
+            </a:r>
+            <a:r>
+              <a:rPr lang="zh-CN" altLang="en-US" dirty="0"/>
+              <a:t>。</a:t>
+            </a:r>
+          </a:p>
+          <a:p>
+            <a:r>
+              <a:rPr lang="en-US" altLang="zh-CN" dirty="0"/>
+              <a:t>O_CLOEXEC </a:t>
+            </a:r>
+            <a:r>
+              <a:rPr lang="zh-CN" altLang="en-US" dirty="0"/>
+              <a:t>在</a:t>
+            </a:r>
+            <a:r>
+              <a:rPr lang="en-US" altLang="zh-CN" dirty="0"/>
+              <a:t>fork</a:t>
+            </a:r>
+            <a:r>
+              <a:rPr lang="zh-CN" altLang="en-US" dirty="0"/>
+              <a:t>子进程后执行</a:t>
+            </a:r>
+            <a:r>
+              <a:rPr lang="en-US" altLang="zh-CN" dirty="0"/>
+              <a:t>exec</a:t>
+            </a:r>
+            <a:r>
+              <a:rPr lang="zh-CN" altLang="en-US" dirty="0"/>
+              <a:t>时就关闭，会清理掉父进程创建的 文件</a:t>
+            </a:r>
           </a:p>
         </p:txBody>
       </p:sp>
@@ -4670,35 +5812,815 @@
             <p:ph type="title"/>
           </p:nvPr>
         </p:nvSpPr>
-        <p:spPr/>
+        <p:spPr>
+          <a:xfrm>
+            <a:off x="417600" y="230400"/>
+            <a:ext cx="8546888" cy="857250"/>
+          </a:xfrm>
+        </p:spPr>
+        <p:style>
+          <a:lnRef idx="2">
+            <a:schemeClr val="dk1">
+              <a:shade val="50000"/>
+            </a:schemeClr>
+          </a:lnRef>
+          <a:fillRef idx="1">
+            <a:schemeClr val="dk1"/>
+          </a:fillRef>
+          <a:effectRef idx="0">
+            <a:schemeClr val="dk1"/>
+          </a:effectRef>
+          <a:fontRef idx="minor">
+            <a:schemeClr val="lt1"/>
+          </a:fontRef>
+        </p:style>
         <p:txBody>
-          <a:bodyPr>
-            <a:normAutofit/>
-          </a:bodyPr>
+          <a:bodyPr/>
           <a:lstStyle/>
           <a:p>
             <a:r>
-              <a:rPr lang="en-US" altLang="zh-CN" b="1" dirty="0" smtClean="0"/>
-              <a:t>Overloading </a:t>
-            </a:r>
-            <a:r>
-              <a:rPr lang="zh-CN" altLang="en-US" b="1" smtClean="0"/>
-              <a:t>重载</a:t>
-            </a:r>
-            <a:endParaRPr lang="zh-CN" altLang="en-US" dirty="0"/>
+              <a:rPr lang="en-US" altLang="zh-CN" dirty="0"/>
+              <a:t> </a:t>
+            </a:r>
+            <a:r>
+              <a:rPr lang="zh-CN" altLang="en-US" dirty="0" smtClean="0"/>
+              <a:t>第四题：谈谈你对</a:t>
+            </a:r>
+            <a:r>
+              <a:rPr lang="en-US" altLang="zh-CN" dirty="0" smtClean="0"/>
+              <a:t>fork</a:t>
+            </a:r>
+            <a:r>
+              <a:rPr lang="zh-CN" altLang="en-US" dirty="0" smtClean="0"/>
+              <a:t>的理解？思路 </a:t>
+            </a:r>
+            <a:r>
+              <a:rPr lang="en-US" altLang="zh-CN" dirty="0" smtClean="0"/>
+              <a:t>3</a:t>
+            </a:r>
+            <a:r>
+              <a:rPr lang="zh-CN" altLang="en-US" dirty="0" smtClean="0"/>
+              <a:t>个用法上</a:t>
+            </a:r>
           </a:p>
         </p:txBody>
       </p:sp>
     </p:spTree>
-    <p:extLst>
-      <p:ext uri="{BB962C8B-B14F-4D97-AF65-F5344CB8AC3E}">
-        <p14:creationId xmlns:p14="http://schemas.microsoft.com/office/powerpoint/2010/main" val="686696926"/>
-      </p:ext>
-    </p:extLst>
   </p:cSld>
   <p:clrMapOvr>
     <a:masterClrMapping/>
   </p:clrMapOvr>
+  <p:timing>
+    <p:tnLst>
+      <p:par>
+        <p:cTn id="1" dur="indefinite" restart="never" nodeType="tmRoot">
+          <p:childTnLst>
+            <p:seq concurrent="1" nextAc="seek">
+              <p:cTn id="2" dur="indefinite" nodeType="mainSeq">
+                <p:childTnLst>
+                  <p:par>
+                    <p:cTn id="3" fill="hold">
+                      <p:stCondLst>
+                        <p:cond delay="indefinite"/>
+                      </p:stCondLst>
+                      <p:childTnLst>
+                        <p:par>
+                          <p:cTn id="4" fill="hold">
+                            <p:stCondLst>
+                              <p:cond delay="0"/>
+                            </p:stCondLst>
+                            <p:childTnLst>
+                              <p:par>
+                                <p:cTn id="5" presetID="2" presetClass="entr" presetSubtype="4" fill="hold" nodeType="clickEffect">
+                                  <p:stCondLst>
+                                    <p:cond delay="0"/>
+                                  </p:stCondLst>
+                                  <p:childTnLst>
+                                    <p:set>
+                                      <p:cBhvr>
+                                        <p:cTn id="6" dur="1" fill="hold">
+                                          <p:stCondLst>
+                                            <p:cond delay="0"/>
+                                          </p:stCondLst>
+                                        </p:cTn>
+                                        <p:tgtEl>
+                                          <p:spTgt spid="2">
+                                            <p:txEl>
+                                              <p:pRg st="1" end="1"/>
+                                            </p:txEl>
+                                          </p:spTgt>
+                                        </p:tgtEl>
+                                        <p:attrNameLst>
+                                          <p:attrName>style.visibility</p:attrName>
+                                        </p:attrNameLst>
+                                      </p:cBhvr>
+                                      <p:to>
+                                        <p:strVal val="visible"/>
+                                      </p:to>
+                                    </p:set>
+                                    <p:anim calcmode="lin" valueType="num">
+                                      <p:cBhvr additive="base">
+                                        <p:cTn id="7" dur="500" fill="hold"/>
+                                        <p:tgtEl>
+                                          <p:spTgt spid="2">
+                                            <p:txEl>
+                                              <p:pRg st="1" end="1"/>
+                                            </p:txEl>
+                                          </p:spTgt>
+                                        </p:tgtEl>
+                                        <p:attrNameLst>
+                                          <p:attrName>ppt_x</p:attrName>
+                                        </p:attrNameLst>
+                                      </p:cBhvr>
+                                      <p:tavLst>
+                                        <p:tav tm="0">
+                                          <p:val>
+                                            <p:strVal val="#ppt_x"/>
+                                          </p:val>
+                                        </p:tav>
+                                        <p:tav tm="100000">
+                                          <p:val>
+                                            <p:strVal val="#ppt_x"/>
+                                          </p:val>
+                                        </p:tav>
+                                      </p:tavLst>
+                                    </p:anim>
+                                    <p:anim calcmode="lin" valueType="num">
+                                      <p:cBhvr additive="base">
+                                        <p:cTn id="8" dur="500" fill="hold"/>
+                                        <p:tgtEl>
+                                          <p:spTgt spid="2">
+                                            <p:txEl>
+                                              <p:pRg st="1" end="1"/>
+                                            </p:txEl>
+                                          </p:spTgt>
+                                        </p:tgtEl>
+                                        <p:attrNameLst>
+                                          <p:attrName>ppt_y</p:attrName>
+                                        </p:attrNameLst>
+                                      </p:cBhvr>
+                                      <p:tavLst>
+                                        <p:tav tm="0">
+                                          <p:val>
+                                            <p:strVal val="1+#ppt_h/2"/>
+                                          </p:val>
+                                        </p:tav>
+                                        <p:tav tm="100000">
+                                          <p:val>
+                                            <p:strVal val="#ppt_y"/>
+                                          </p:val>
+                                        </p:tav>
+                                      </p:tavLst>
+                                    </p:anim>
+                                  </p:childTnLst>
+                                </p:cTn>
+                              </p:par>
+                            </p:childTnLst>
+                          </p:cTn>
+                        </p:par>
+                      </p:childTnLst>
+                    </p:cTn>
+                  </p:par>
+                  <p:par>
+                    <p:cTn id="9" fill="hold">
+                      <p:stCondLst>
+                        <p:cond delay="indefinite"/>
+                      </p:stCondLst>
+                      <p:childTnLst>
+                        <p:par>
+                          <p:cTn id="10" fill="hold">
+                            <p:stCondLst>
+                              <p:cond delay="0"/>
+                            </p:stCondLst>
+                            <p:childTnLst>
+                              <p:par>
+                                <p:cTn id="11" presetID="2" presetClass="entr" presetSubtype="4" fill="hold" nodeType="clickEffect">
+                                  <p:stCondLst>
+                                    <p:cond delay="0"/>
+                                  </p:stCondLst>
+                                  <p:childTnLst>
+                                    <p:set>
+                                      <p:cBhvr>
+                                        <p:cTn id="12" dur="1" fill="hold">
+                                          <p:stCondLst>
+                                            <p:cond delay="0"/>
+                                          </p:stCondLst>
+                                        </p:cTn>
+                                        <p:tgtEl>
+                                          <p:spTgt spid="2">
+                                            <p:txEl>
+                                              <p:pRg st="2" end="2"/>
+                                            </p:txEl>
+                                          </p:spTgt>
+                                        </p:tgtEl>
+                                        <p:attrNameLst>
+                                          <p:attrName>style.visibility</p:attrName>
+                                        </p:attrNameLst>
+                                      </p:cBhvr>
+                                      <p:to>
+                                        <p:strVal val="visible"/>
+                                      </p:to>
+                                    </p:set>
+                                    <p:anim calcmode="lin" valueType="num">
+                                      <p:cBhvr additive="base">
+                                        <p:cTn id="13" dur="500" fill="hold"/>
+                                        <p:tgtEl>
+                                          <p:spTgt spid="2">
+                                            <p:txEl>
+                                              <p:pRg st="2" end="2"/>
+                                            </p:txEl>
+                                          </p:spTgt>
+                                        </p:tgtEl>
+                                        <p:attrNameLst>
+                                          <p:attrName>ppt_x</p:attrName>
+                                        </p:attrNameLst>
+                                      </p:cBhvr>
+                                      <p:tavLst>
+                                        <p:tav tm="0">
+                                          <p:val>
+                                            <p:strVal val="#ppt_x"/>
+                                          </p:val>
+                                        </p:tav>
+                                        <p:tav tm="100000">
+                                          <p:val>
+                                            <p:strVal val="#ppt_x"/>
+                                          </p:val>
+                                        </p:tav>
+                                      </p:tavLst>
+                                    </p:anim>
+                                    <p:anim calcmode="lin" valueType="num">
+                                      <p:cBhvr additive="base">
+                                        <p:cTn id="14" dur="500" fill="hold"/>
+                                        <p:tgtEl>
+                                          <p:spTgt spid="2">
+                                            <p:txEl>
+                                              <p:pRg st="2" end="2"/>
+                                            </p:txEl>
+                                          </p:spTgt>
+                                        </p:tgtEl>
+                                        <p:attrNameLst>
+                                          <p:attrName>ppt_y</p:attrName>
+                                        </p:attrNameLst>
+                                      </p:cBhvr>
+                                      <p:tavLst>
+                                        <p:tav tm="0">
+                                          <p:val>
+                                            <p:strVal val="1+#ppt_h/2"/>
+                                          </p:val>
+                                        </p:tav>
+                                        <p:tav tm="100000">
+                                          <p:val>
+                                            <p:strVal val="#ppt_y"/>
+                                          </p:val>
+                                        </p:tav>
+                                      </p:tavLst>
+                                    </p:anim>
+                                  </p:childTnLst>
+                                </p:cTn>
+                              </p:par>
+                            </p:childTnLst>
+                          </p:cTn>
+                        </p:par>
+                      </p:childTnLst>
+                    </p:cTn>
+                  </p:par>
+                  <p:par>
+                    <p:cTn id="15" fill="hold">
+                      <p:stCondLst>
+                        <p:cond delay="indefinite"/>
+                      </p:stCondLst>
+                      <p:childTnLst>
+                        <p:par>
+                          <p:cTn id="16" fill="hold">
+                            <p:stCondLst>
+                              <p:cond delay="0"/>
+                            </p:stCondLst>
+                            <p:childTnLst>
+                              <p:par>
+                                <p:cTn id="17" presetID="2" presetClass="entr" presetSubtype="4" fill="hold" nodeType="clickEffect">
+                                  <p:stCondLst>
+                                    <p:cond delay="0"/>
+                                  </p:stCondLst>
+                                  <p:childTnLst>
+                                    <p:set>
+                                      <p:cBhvr>
+                                        <p:cTn id="18" dur="1" fill="hold">
+                                          <p:stCondLst>
+                                            <p:cond delay="0"/>
+                                          </p:stCondLst>
+                                        </p:cTn>
+                                        <p:tgtEl>
+                                          <p:spTgt spid="2">
+                                            <p:txEl>
+                                              <p:pRg st="3" end="3"/>
+                                            </p:txEl>
+                                          </p:spTgt>
+                                        </p:tgtEl>
+                                        <p:attrNameLst>
+                                          <p:attrName>style.visibility</p:attrName>
+                                        </p:attrNameLst>
+                                      </p:cBhvr>
+                                      <p:to>
+                                        <p:strVal val="visible"/>
+                                      </p:to>
+                                    </p:set>
+                                    <p:anim calcmode="lin" valueType="num">
+                                      <p:cBhvr additive="base">
+                                        <p:cTn id="19" dur="500" fill="hold"/>
+                                        <p:tgtEl>
+                                          <p:spTgt spid="2">
+                                            <p:txEl>
+                                              <p:pRg st="3" end="3"/>
+                                            </p:txEl>
+                                          </p:spTgt>
+                                        </p:tgtEl>
+                                        <p:attrNameLst>
+                                          <p:attrName>ppt_x</p:attrName>
+                                        </p:attrNameLst>
+                                      </p:cBhvr>
+                                      <p:tavLst>
+                                        <p:tav tm="0">
+                                          <p:val>
+                                            <p:strVal val="#ppt_x"/>
+                                          </p:val>
+                                        </p:tav>
+                                        <p:tav tm="100000">
+                                          <p:val>
+                                            <p:strVal val="#ppt_x"/>
+                                          </p:val>
+                                        </p:tav>
+                                      </p:tavLst>
+                                    </p:anim>
+                                    <p:anim calcmode="lin" valueType="num">
+                                      <p:cBhvr additive="base">
+                                        <p:cTn id="20" dur="500" fill="hold"/>
+                                        <p:tgtEl>
+                                          <p:spTgt spid="2">
+                                            <p:txEl>
+                                              <p:pRg st="3" end="3"/>
+                                            </p:txEl>
+                                          </p:spTgt>
+                                        </p:tgtEl>
+                                        <p:attrNameLst>
+                                          <p:attrName>ppt_y</p:attrName>
+                                        </p:attrNameLst>
+                                      </p:cBhvr>
+                                      <p:tavLst>
+                                        <p:tav tm="0">
+                                          <p:val>
+                                            <p:strVal val="1+#ppt_h/2"/>
+                                          </p:val>
+                                        </p:tav>
+                                        <p:tav tm="100000">
+                                          <p:val>
+                                            <p:strVal val="#ppt_y"/>
+                                          </p:val>
+                                        </p:tav>
+                                      </p:tavLst>
+                                    </p:anim>
+                                  </p:childTnLst>
+                                </p:cTn>
+                              </p:par>
+                            </p:childTnLst>
+                          </p:cTn>
+                        </p:par>
+                      </p:childTnLst>
+                    </p:cTn>
+                  </p:par>
+                  <p:par>
+                    <p:cTn id="21" fill="hold">
+                      <p:stCondLst>
+                        <p:cond delay="indefinite"/>
+                      </p:stCondLst>
+                      <p:childTnLst>
+                        <p:par>
+                          <p:cTn id="22" fill="hold">
+                            <p:stCondLst>
+                              <p:cond delay="0"/>
+                            </p:stCondLst>
+                            <p:childTnLst>
+                              <p:par>
+                                <p:cTn id="23" presetID="2" presetClass="entr" presetSubtype="4" fill="hold" nodeType="clickEffect">
+                                  <p:stCondLst>
+                                    <p:cond delay="0"/>
+                                  </p:stCondLst>
+                                  <p:childTnLst>
+                                    <p:set>
+                                      <p:cBhvr>
+                                        <p:cTn id="24" dur="1" fill="hold">
+                                          <p:stCondLst>
+                                            <p:cond delay="0"/>
+                                          </p:stCondLst>
+                                        </p:cTn>
+                                        <p:tgtEl>
+                                          <p:spTgt spid="2">
+                                            <p:txEl>
+                                              <p:pRg st="4" end="4"/>
+                                            </p:txEl>
+                                          </p:spTgt>
+                                        </p:tgtEl>
+                                        <p:attrNameLst>
+                                          <p:attrName>style.visibility</p:attrName>
+                                        </p:attrNameLst>
+                                      </p:cBhvr>
+                                      <p:to>
+                                        <p:strVal val="visible"/>
+                                      </p:to>
+                                    </p:set>
+                                    <p:anim calcmode="lin" valueType="num">
+                                      <p:cBhvr additive="base">
+                                        <p:cTn id="25" dur="500" fill="hold"/>
+                                        <p:tgtEl>
+                                          <p:spTgt spid="2">
+                                            <p:txEl>
+                                              <p:pRg st="4" end="4"/>
+                                            </p:txEl>
+                                          </p:spTgt>
+                                        </p:tgtEl>
+                                        <p:attrNameLst>
+                                          <p:attrName>ppt_x</p:attrName>
+                                        </p:attrNameLst>
+                                      </p:cBhvr>
+                                      <p:tavLst>
+                                        <p:tav tm="0">
+                                          <p:val>
+                                            <p:strVal val="#ppt_x"/>
+                                          </p:val>
+                                        </p:tav>
+                                        <p:tav tm="100000">
+                                          <p:val>
+                                            <p:strVal val="#ppt_x"/>
+                                          </p:val>
+                                        </p:tav>
+                                      </p:tavLst>
+                                    </p:anim>
+                                    <p:anim calcmode="lin" valueType="num">
+                                      <p:cBhvr additive="base">
+                                        <p:cTn id="26" dur="500" fill="hold"/>
+                                        <p:tgtEl>
+                                          <p:spTgt spid="2">
+                                            <p:txEl>
+                                              <p:pRg st="4" end="4"/>
+                                            </p:txEl>
+                                          </p:spTgt>
+                                        </p:tgtEl>
+                                        <p:attrNameLst>
+                                          <p:attrName>ppt_y</p:attrName>
+                                        </p:attrNameLst>
+                                      </p:cBhvr>
+                                      <p:tavLst>
+                                        <p:tav tm="0">
+                                          <p:val>
+                                            <p:strVal val="1+#ppt_h/2"/>
+                                          </p:val>
+                                        </p:tav>
+                                        <p:tav tm="100000">
+                                          <p:val>
+                                            <p:strVal val="#ppt_y"/>
+                                          </p:val>
+                                        </p:tav>
+                                      </p:tavLst>
+                                    </p:anim>
+                                  </p:childTnLst>
+                                </p:cTn>
+                              </p:par>
+                            </p:childTnLst>
+                          </p:cTn>
+                        </p:par>
+                      </p:childTnLst>
+                    </p:cTn>
+                  </p:par>
+                  <p:par>
+                    <p:cTn id="27" fill="hold">
+                      <p:stCondLst>
+                        <p:cond delay="indefinite"/>
+                      </p:stCondLst>
+                      <p:childTnLst>
+                        <p:par>
+                          <p:cTn id="28" fill="hold">
+                            <p:stCondLst>
+                              <p:cond delay="0"/>
+                            </p:stCondLst>
+                            <p:childTnLst>
+                              <p:par>
+                                <p:cTn id="29" presetID="2" presetClass="entr" presetSubtype="4" fill="hold" nodeType="clickEffect">
+                                  <p:stCondLst>
+                                    <p:cond delay="0"/>
+                                  </p:stCondLst>
+                                  <p:childTnLst>
+                                    <p:set>
+                                      <p:cBhvr>
+                                        <p:cTn id="30" dur="1" fill="hold">
+                                          <p:stCondLst>
+                                            <p:cond delay="0"/>
+                                          </p:stCondLst>
+                                        </p:cTn>
+                                        <p:tgtEl>
+                                          <p:spTgt spid="2">
+                                            <p:txEl>
+                                              <p:pRg st="7" end="7"/>
+                                            </p:txEl>
+                                          </p:spTgt>
+                                        </p:tgtEl>
+                                        <p:attrNameLst>
+                                          <p:attrName>style.visibility</p:attrName>
+                                        </p:attrNameLst>
+                                      </p:cBhvr>
+                                      <p:to>
+                                        <p:strVal val="visible"/>
+                                      </p:to>
+                                    </p:set>
+                                    <p:anim calcmode="lin" valueType="num">
+                                      <p:cBhvr additive="base">
+                                        <p:cTn id="31" dur="500" fill="hold"/>
+                                        <p:tgtEl>
+                                          <p:spTgt spid="2">
+                                            <p:txEl>
+                                              <p:pRg st="7" end="7"/>
+                                            </p:txEl>
+                                          </p:spTgt>
+                                        </p:tgtEl>
+                                        <p:attrNameLst>
+                                          <p:attrName>ppt_x</p:attrName>
+                                        </p:attrNameLst>
+                                      </p:cBhvr>
+                                      <p:tavLst>
+                                        <p:tav tm="0">
+                                          <p:val>
+                                            <p:strVal val="#ppt_x"/>
+                                          </p:val>
+                                        </p:tav>
+                                        <p:tav tm="100000">
+                                          <p:val>
+                                            <p:strVal val="#ppt_x"/>
+                                          </p:val>
+                                        </p:tav>
+                                      </p:tavLst>
+                                    </p:anim>
+                                    <p:anim calcmode="lin" valueType="num">
+                                      <p:cBhvr additive="base">
+                                        <p:cTn id="32" dur="500" fill="hold"/>
+                                        <p:tgtEl>
+                                          <p:spTgt spid="2">
+                                            <p:txEl>
+                                              <p:pRg st="7" end="7"/>
+                                            </p:txEl>
+                                          </p:spTgt>
+                                        </p:tgtEl>
+                                        <p:attrNameLst>
+                                          <p:attrName>ppt_y</p:attrName>
+                                        </p:attrNameLst>
+                                      </p:cBhvr>
+                                      <p:tavLst>
+                                        <p:tav tm="0">
+                                          <p:val>
+                                            <p:strVal val="1+#ppt_h/2"/>
+                                          </p:val>
+                                        </p:tav>
+                                        <p:tav tm="100000">
+                                          <p:val>
+                                            <p:strVal val="#ppt_y"/>
+                                          </p:val>
+                                        </p:tav>
+                                      </p:tavLst>
+                                    </p:anim>
+                                  </p:childTnLst>
+                                </p:cTn>
+                              </p:par>
+                            </p:childTnLst>
+                          </p:cTn>
+                        </p:par>
+                      </p:childTnLst>
+                    </p:cTn>
+                  </p:par>
+                  <p:par>
+                    <p:cTn id="33" fill="hold">
+                      <p:stCondLst>
+                        <p:cond delay="indefinite"/>
+                      </p:stCondLst>
+                      <p:childTnLst>
+                        <p:par>
+                          <p:cTn id="34" fill="hold">
+                            <p:stCondLst>
+                              <p:cond delay="0"/>
+                            </p:stCondLst>
+                            <p:childTnLst>
+                              <p:par>
+                                <p:cTn id="35" presetID="2" presetClass="entr" presetSubtype="4" fill="hold" nodeType="clickEffect">
+                                  <p:stCondLst>
+                                    <p:cond delay="0"/>
+                                  </p:stCondLst>
+                                  <p:childTnLst>
+                                    <p:set>
+                                      <p:cBhvr>
+                                        <p:cTn id="36" dur="1" fill="hold">
+                                          <p:stCondLst>
+                                            <p:cond delay="0"/>
+                                          </p:stCondLst>
+                                        </p:cTn>
+                                        <p:tgtEl>
+                                          <p:spTgt spid="2">
+                                            <p:txEl>
+                                              <p:pRg st="5" end="5"/>
+                                            </p:txEl>
+                                          </p:spTgt>
+                                        </p:tgtEl>
+                                        <p:attrNameLst>
+                                          <p:attrName>style.visibility</p:attrName>
+                                        </p:attrNameLst>
+                                      </p:cBhvr>
+                                      <p:to>
+                                        <p:strVal val="visible"/>
+                                      </p:to>
+                                    </p:set>
+                                    <p:anim calcmode="lin" valueType="num">
+                                      <p:cBhvr additive="base">
+                                        <p:cTn id="37" dur="500" fill="hold"/>
+                                        <p:tgtEl>
+                                          <p:spTgt spid="2">
+                                            <p:txEl>
+                                              <p:pRg st="5" end="5"/>
+                                            </p:txEl>
+                                          </p:spTgt>
+                                        </p:tgtEl>
+                                        <p:attrNameLst>
+                                          <p:attrName>ppt_x</p:attrName>
+                                        </p:attrNameLst>
+                                      </p:cBhvr>
+                                      <p:tavLst>
+                                        <p:tav tm="0">
+                                          <p:val>
+                                            <p:strVal val="#ppt_x"/>
+                                          </p:val>
+                                        </p:tav>
+                                        <p:tav tm="100000">
+                                          <p:val>
+                                            <p:strVal val="#ppt_x"/>
+                                          </p:val>
+                                        </p:tav>
+                                      </p:tavLst>
+                                    </p:anim>
+                                    <p:anim calcmode="lin" valueType="num">
+                                      <p:cBhvr additive="base">
+                                        <p:cTn id="38" dur="500" fill="hold"/>
+                                        <p:tgtEl>
+                                          <p:spTgt spid="2">
+                                            <p:txEl>
+                                              <p:pRg st="5" end="5"/>
+                                            </p:txEl>
+                                          </p:spTgt>
+                                        </p:tgtEl>
+                                        <p:attrNameLst>
+                                          <p:attrName>ppt_y</p:attrName>
+                                        </p:attrNameLst>
+                                      </p:cBhvr>
+                                      <p:tavLst>
+                                        <p:tav tm="0">
+                                          <p:val>
+                                            <p:strVal val="1+#ppt_h/2"/>
+                                          </p:val>
+                                        </p:tav>
+                                        <p:tav tm="100000">
+                                          <p:val>
+                                            <p:strVal val="#ppt_y"/>
+                                          </p:val>
+                                        </p:tav>
+                                      </p:tavLst>
+                                    </p:anim>
+                                  </p:childTnLst>
+                                </p:cTn>
+                              </p:par>
+                            </p:childTnLst>
+                          </p:cTn>
+                        </p:par>
+                      </p:childTnLst>
+                    </p:cTn>
+                  </p:par>
+                  <p:par>
+                    <p:cTn id="39" fill="hold">
+                      <p:stCondLst>
+                        <p:cond delay="indefinite"/>
+                      </p:stCondLst>
+                      <p:childTnLst>
+                        <p:par>
+                          <p:cTn id="40" fill="hold">
+                            <p:stCondLst>
+                              <p:cond delay="0"/>
+                            </p:stCondLst>
+                            <p:childTnLst>
+                              <p:par>
+                                <p:cTn id="41" presetID="2" presetClass="entr" presetSubtype="4" fill="hold" nodeType="clickEffect">
+                                  <p:stCondLst>
+                                    <p:cond delay="0"/>
+                                  </p:stCondLst>
+                                  <p:childTnLst>
+                                    <p:set>
+                                      <p:cBhvr>
+                                        <p:cTn id="42" dur="1" fill="hold">
+                                          <p:stCondLst>
+                                            <p:cond delay="0"/>
+                                          </p:stCondLst>
+                                        </p:cTn>
+                                        <p:tgtEl>
+                                          <p:spTgt spid="2">
+                                            <p:txEl>
+                                              <p:pRg st="6" end="6"/>
+                                            </p:txEl>
+                                          </p:spTgt>
+                                        </p:tgtEl>
+                                        <p:attrNameLst>
+                                          <p:attrName>style.visibility</p:attrName>
+                                        </p:attrNameLst>
+                                      </p:cBhvr>
+                                      <p:to>
+                                        <p:strVal val="visible"/>
+                                      </p:to>
+                                    </p:set>
+                                    <p:anim calcmode="lin" valueType="num">
+                                      <p:cBhvr additive="base">
+                                        <p:cTn id="43" dur="500" fill="hold"/>
+                                        <p:tgtEl>
+                                          <p:spTgt spid="2">
+                                            <p:txEl>
+                                              <p:pRg st="6" end="6"/>
+                                            </p:txEl>
+                                          </p:spTgt>
+                                        </p:tgtEl>
+                                        <p:attrNameLst>
+                                          <p:attrName>ppt_x</p:attrName>
+                                        </p:attrNameLst>
+                                      </p:cBhvr>
+                                      <p:tavLst>
+                                        <p:tav tm="0">
+                                          <p:val>
+                                            <p:strVal val="#ppt_x"/>
+                                          </p:val>
+                                        </p:tav>
+                                        <p:tav tm="100000">
+                                          <p:val>
+                                            <p:strVal val="#ppt_x"/>
+                                          </p:val>
+                                        </p:tav>
+                                      </p:tavLst>
+                                    </p:anim>
+                                    <p:anim calcmode="lin" valueType="num">
+                                      <p:cBhvr additive="base">
+                                        <p:cTn id="44" dur="500" fill="hold"/>
+                                        <p:tgtEl>
+                                          <p:spTgt spid="2">
+                                            <p:txEl>
+                                              <p:pRg st="6" end="6"/>
+                                            </p:txEl>
+                                          </p:spTgt>
+                                        </p:tgtEl>
+                                        <p:attrNameLst>
+                                          <p:attrName>ppt_y</p:attrName>
+                                        </p:attrNameLst>
+                                      </p:cBhvr>
+                                      <p:tavLst>
+                                        <p:tav tm="0">
+                                          <p:val>
+                                            <p:strVal val="1+#ppt_h/2"/>
+                                          </p:val>
+                                        </p:tav>
+                                        <p:tav tm="100000">
+                                          <p:val>
+                                            <p:strVal val="#ppt_y"/>
+                                          </p:val>
+                                        </p:tav>
+                                      </p:tavLst>
+                                    </p:anim>
+                                  </p:childTnLst>
+                                </p:cTn>
+                              </p:par>
+                            </p:childTnLst>
+                          </p:cTn>
+                        </p:par>
+                      </p:childTnLst>
+                    </p:cTn>
+                  </p:par>
+                </p:childTnLst>
+              </p:cTn>
+              <p:prevCondLst>
+                <p:cond evt="onPrev" delay="0">
+                  <p:tgtEl>
+                    <p:sldTgt/>
+                  </p:tgtEl>
+                </p:cond>
+              </p:prevCondLst>
+              <p:nextCondLst>
+                <p:cond evt="onNext" delay="0">
+                  <p:tgtEl>
+                    <p:sldTgt/>
+                  </p:tgtEl>
+                </p:cond>
+              </p:nextCondLst>
+            </p:seq>
+          </p:childTnLst>
+        </p:cTn>
+      </p:par>
+    </p:tnLst>
+  </p:timing>
 </p:sld>
 </file>
 
@@ -5034,7 +6956,7 @@
   <a:extraClrSchemeLst/>
   <a:extLst>
     <a:ext uri="{05A4C25C-085E-4340-85A3-A5531E510DB2}">
-      <thm15:themeFamily xmlns="" xmlns:thm15="http://schemas.microsoft.com/office/thememl/2012/main" name="Office Theme" id="{62F939B6-93AF-4DB8-9C6B-D6C7DFDC589F}" vid="{4A3C46E8-61CC-4603-A589-7422A47A8E4A}"/>
+      <thm15:themeFamily xmlns:thm15="http://schemas.microsoft.com/office/thememl/2012/main" xmlns="" name="Office Theme" id="{62F939B6-93AF-4DB8-9C6B-D6C7DFDC589F}" vid="{4A3C46E8-61CC-4603-A589-7422A47A8E4A}"/>
     </a:ext>
   </a:extLst>
 </a:theme>
@@ -5295,7 +7217,7 @@
   <a:extraClrSchemeLst/>
   <a:extLst>
     <a:ext uri="{05A4C25C-085E-4340-85A3-A5531E510DB2}">
-      <thm15:themeFamily xmlns="" xmlns:thm15="http://schemas.microsoft.com/office/thememl/2012/main" name="Office Theme" id="{62F939B6-93AF-4DB8-9C6B-D6C7DFDC589F}" vid="{4A3C46E8-61CC-4603-A589-7422A47A8E4A}"/>
+      <thm15:themeFamily xmlns:thm15="http://schemas.microsoft.com/office/thememl/2012/main" xmlns="" name="Office Theme" id="{62F939B6-93AF-4DB8-9C6B-D6C7DFDC589F}" vid="{4A3C46E8-61CC-4603-A589-7422A47A8E4A}"/>
     </a:ext>
   </a:extLst>
 </a:theme>
@@ -5618,5 +7540,10 @@
     </a:lnDef>
   </a:objectDefaults>
   <a:extraClrSchemeLst/>
+  <a:extLst>
+    <a:ext uri="{05A4C25C-085E-4340-85A3-A5531E510DB2}">
+      <thm15:themeFamily xmlns:thm15="http://schemas.microsoft.com/office/thememl/2012/main" xmlns="" name="Office Theme" id="{62F939B6-93AF-4DB8-9C6B-D6C7DFDC589F}" vid="{4A3C46E8-61CC-4603-A589-7422A47A8E4A}"/>
+    </a:ext>
+  </a:extLst>
 </a:theme>
 </file>
--- a/ppt/2019_c++_full.pptx
+++ b/ppt/2019_c++_full.pptx
@@ -5,24 +5,22 @@
     <p:sldMasterId id="2147483648" r:id="rId1"/>
   </p:sldMasterIdLst>
   <p:notesMasterIdLst>
-    <p:notesMasterId r:id="rId14"/>
+    <p:notesMasterId r:id="rId12"/>
   </p:notesMasterIdLst>
   <p:handoutMasterIdLst>
-    <p:handoutMasterId r:id="rId15"/>
+    <p:handoutMasterId r:id="rId13"/>
   </p:handoutMasterIdLst>
   <p:sldIdLst>
     <p:sldId id="280" r:id="rId2"/>
-    <p:sldId id="281" r:id="rId3"/>
-    <p:sldId id="282" r:id="rId4"/>
-    <p:sldId id="283" r:id="rId5"/>
-    <p:sldId id="284" r:id="rId6"/>
-    <p:sldId id="286" r:id="rId7"/>
-    <p:sldId id="285" r:id="rId8"/>
-    <p:sldId id="287" r:id="rId9"/>
-    <p:sldId id="288" r:id="rId10"/>
-    <p:sldId id="289" r:id="rId11"/>
-    <p:sldId id="290" r:id="rId12"/>
-    <p:sldId id="277" r:id="rId13"/>
+    <p:sldId id="284" r:id="rId3"/>
+    <p:sldId id="286" r:id="rId4"/>
+    <p:sldId id="287" r:id="rId5"/>
+    <p:sldId id="288" r:id="rId6"/>
+    <p:sldId id="289" r:id="rId7"/>
+    <p:sldId id="290" r:id="rId8"/>
+    <p:sldId id="291" r:id="rId9"/>
+    <p:sldId id="292" r:id="rId10"/>
+    <p:sldId id="277" r:id="rId11"/>
   </p:sldIdLst>
   <p:sldSz cx="9144000" cy="5143500" type="screen16x9"/>
   <p:notesSz cx="6858000" cy="9144000"/>
@@ -206,7 +204,7 @@
           <a:p>
             <a:fld id="{5F920F0F-0E56-2B45-B1BF-268524318682}" type="datetimeFigureOut">
               <a:rPr kumimoji="1" lang="zh-CN" altLang="en-US" smtClean="0"/>
-              <a:t>2020/2/19</a:t>
+              <a:t>2020/3/5</a:t>
             </a:fld>
             <a:endParaRPr kumimoji="1" lang="zh-CN" altLang="en-US"/>
           </a:p>
@@ -372,7 +370,7 @@
           <a:p>
             <a:fld id="{FB86081A-1E41-D34E-AC33-11FD77CCCD8D}" type="datetimeFigureOut">
               <a:rPr kumimoji="1" lang="zh-CN" altLang="en-US" smtClean="0"/>
-              <a:t>2020/2/19</a:t>
+              <a:t>2020/3/5</a:t>
             </a:fld>
             <a:endParaRPr kumimoji="1" lang="zh-CN" altLang="en-US"/>
           </a:p>
@@ -724,7 +722,7 @@
           <a:p>
             <a:fld id="{8AF453D5-9B32-8F40-BF12-CF5772967439}" type="slidenum">
               <a:rPr kumimoji="1" lang="zh-CN" altLang="en-US" smtClean="0"/>
-              <a:t>4</a:t>
+              <a:t>1</a:t>
             </a:fld>
             <a:endParaRPr kumimoji="1" lang="zh-CN" altLang="en-US"/>
           </a:p>
@@ -828,7 +826,7 @@
           <a:p>
             <a:fld id="{8AF453D5-9B32-8F40-BF12-CF5772967439}" type="slidenum">
               <a:rPr kumimoji="1" lang="zh-CN" altLang="en-US" smtClean="0"/>
-              <a:t>7</a:t>
+              <a:t>3</a:t>
             </a:fld>
             <a:endParaRPr kumimoji="1" lang="zh-CN" altLang="en-US"/>
           </a:p>
@@ -976,7 +974,7 @@
           <a:p>
             <a:fld id="{8AF453D5-9B32-8F40-BF12-CF5772967439}" type="slidenum">
               <a:rPr kumimoji="1" lang="zh-CN" altLang="en-US" smtClean="0"/>
-              <a:t>8</a:t>
+              <a:t>4</a:t>
             </a:fld>
             <a:endParaRPr kumimoji="1" lang="zh-CN" altLang="en-US"/>
           </a:p>
@@ -1079,7 +1077,7 @@
           <a:p>
             <a:fld id="{8AF453D5-9B32-8F40-BF12-CF5772967439}" type="slidenum">
               <a:rPr kumimoji="1" lang="zh-CN" altLang="en-US" smtClean="0"/>
-              <a:t>10</a:t>
+              <a:t>6</a:t>
             </a:fld>
             <a:endParaRPr kumimoji="1" lang="zh-CN" altLang="en-US"/>
           </a:p>
@@ -2946,7 +2944,7 @@
           <a:p>
             <a:fld id="{7BC3C6E0-25AE-8A44-A617-CADD813DE539}" type="datetime1">
               <a:rPr lang="zh-CN" altLang="en-US" smtClean="0"/>
-              <a:t>2020/2/19</a:t>
+              <a:t>2020/3/5</a:t>
             </a:fld>
             <a:endParaRPr lang="zh-CN" altLang="en-US" dirty="0"/>
           </a:p>
@@ -3355,7 +3353,7 @@
           <a:p>
             <a:fld id="{B8DE94C4-0AC0-E74D-83DE-D1778C094258}" type="datetime1">
               <a:rPr lang="zh-CN" altLang="en-US" smtClean="0"/>
-              <a:t>2020/2/19</a:t>
+              <a:t>2020/3/5</a:t>
             </a:fld>
             <a:endParaRPr lang="zh-CN" altLang="en-US" dirty="0"/>
           </a:p>
@@ -3943,454 +3941,6 @@
           <a:chExt cx="0" cy="0"/>
         </a:xfrm>
       </p:grpSpPr>
-      <p:sp>
-        <p:nvSpPr>
-          <p:cNvPr id="2" name="内容占位符 1"/>
-          <p:cNvSpPr>
-            <a:spLocks noGrp="1"/>
-          </p:cNvSpPr>
-          <p:nvPr>
-            <p:ph idx="1"/>
-          </p:nvPr>
-        </p:nvSpPr>
-        <p:spPr/>
-        <p:txBody>
-          <a:bodyPr/>
-          <a:lstStyle/>
-          <a:p>
-            <a:endParaRPr lang="zh-CN" altLang="en-US" dirty="0"/>
-          </a:p>
-        </p:txBody>
-      </p:sp>
-      <p:sp>
-        <p:nvSpPr>
-          <p:cNvPr id="3" name="标题 2"/>
-          <p:cNvSpPr>
-            <a:spLocks noGrp="1"/>
-          </p:cNvSpPr>
-          <p:nvPr>
-            <p:ph type="title"/>
-          </p:nvPr>
-        </p:nvSpPr>
-        <p:spPr>
-          <a:xfrm>
-            <a:off x="539552" y="195486"/>
-            <a:ext cx="8229600" cy="857250"/>
-          </a:xfrm>
-        </p:spPr>
-        <p:style>
-          <a:lnRef idx="2">
-            <a:schemeClr val="dk1">
-              <a:shade val="50000"/>
-            </a:schemeClr>
-          </a:lnRef>
-          <a:fillRef idx="1">
-            <a:schemeClr val="dk1"/>
-          </a:fillRef>
-          <a:effectRef idx="0">
-            <a:schemeClr val="dk1"/>
-          </a:effectRef>
-          <a:fontRef idx="minor">
-            <a:schemeClr val="lt1"/>
-          </a:fontRef>
-        </p:style>
-        <p:txBody>
-          <a:bodyPr>
-            <a:normAutofit fontScale="90000"/>
-          </a:bodyPr>
-          <a:lstStyle/>
-          <a:p>
-            <a:r>
-              <a:rPr lang="zh-CN" altLang="en-US" dirty="0" smtClean="0"/>
-              <a:t>第五题：一个进程怎么变成</a:t>
-            </a:r>
-            <a:r>
-              <a:rPr lang="en-US" altLang="zh-CN" dirty="0"/>
-              <a:t>Daemon processes </a:t>
-            </a:r>
-            <a:br>
-              <a:rPr lang="en-US" altLang="zh-CN" dirty="0"/>
-            </a:br>
-            <a:endParaRPr lang="zh-CN" altLang="en-US" dirty="0"/>
-          </a:p>
-        </p:txBody>
-      </p:sp>
-    </p:spTree>
-  </p:cSld>
-  <p:clrMapOvr>
-    <a:masterClrMapping/>
-  </p:clrMapOvr>
-  <p:timing>
-    <p:tnLst>
-      <p:par>
-        <p:cTn id="1" dur="indefinite" restart="never" nodeType="tmRoot"/>
-      </p:par>
-    </p:tnLst>
-  </p:timing>
-</p:sld>
-</file>
-
-<file path=ppt/slides/slide11.xml><?xml version="1.0" encoding="utf-8"?>
-<p:sld xmlns:a="http://schemas.openxmlformats.org/drawingml/2006/main" xmlns:r="http://schemas.openxmlformats.org/officeDocument/2006/relationships" xmlns:p="http://schemas.openxmlformats.org/presentationml/2006/main">
-  <p:cSld>
-    <p:spTree>
-      <p:nvGrpSpPr>
-        <p:cNvPr id="1" name=""/>
-        <p:cNvGrpSpPr/>
-        <p:nvPr/>
-      </p:nvGrpSpPr>
-      <p:grpSpPr>
-        <a:xfrm>
-          <a:off x="0" y="0"/>
-          <a:ext cx="0" cy="0"/>
-          <a:chOff x="0" y="0"/>
-          <a:chExt cx="0" cy="0"/>
-        </a:xfrm>
-      </p:grpSpPr>
-      <p:sp>
-        <p:nvSpPr>
-          <p:cNvPr id="2" name="内容占位符 1"/>
-          <p:cNvSpPr>
-            <a:spLocks noGrp="1"/>
-          </p:cNvSpPr>
-          <p:nvPr>
-            <p:ph idx="1"/>
-          </p:nvPr>
-        </p:nvSpPr>
-        <p:spPr/>
-        <p:txBody>
-          <a:bodyPr>
-            <a:normAutofit lnSpcReduction="10000"/>
-          </a:bodyPr>
-          <a:lstStyle/>
-          <a:p>
-            <a:pPr marL="0" indent="0">
-              <a:buNone/>
-            </a:pPr>
-            <a:r>
-              <a:rPr lang="zh-CN" altLang="en-US" dirty="0"/>
-              <a:t/>
-            </a:r>
-            <a:br>
-              <a:rPr lang="zh-CN" altLang="en-US" dirty="0"/>
-            </a:br>
-            <a:r>
-              <a:rPr lang="zh-CN" altLang="en-US" sz="1800" dirty="0" smtClean="0"/>
-              <a:t>对</a:t>
-            </a:r>
-            <a:r>
-              <a:rPr lang="zh-CN" altLang="en-US" sz="1800" dirty="0"/>
-              <a:t>静态成员的不正确描述是（）？ </a:t>
-            </a:r>
-          </a:p>
-          <a:p>
-            <a:endParaRPr lang="en-US" altLang="zh-CN" sz="1800" dirty="0" smtClean="0"/>
-          </a:p>
-          <a:p>
-            <a:pPr marL="0" indent="0">
-              <a:buNone/>
-            </a:pPr>
-            <a:r>
-              <a:rPr lang="en-US" altLang="zh-CN" sz="1800" dirty="0" smtClean="0"/>
-              <a:t>A   </a:t>
-            </a:r>
-            <a:r>
-              <a:rPr lang="zh-CN" altLang="en-US" sz="1800" dirty="0" smtClean="0">
-                <a:solidFill>
-                  <a:srgbClr val="FF0000"/>
-                </a:solidFill>
-              </a:rPr>
-              <a:t>静</a:t>
-            </a:r>
-            <a:r>
-              <a:rPr lang="zh-CN" altLang="en-US" sz="1800" dirty="0">
-                <a:solidFill>
-                  <a:srgbClr val="FF0000"/>
-                </a:solidFill>
-              </a:rPr>
-              <a:t>态数据成员要在类外定义和初始</a:t>
-            </a:r>
-            <a:r>
-              <a:rPr lang="zh-CN" altLang="en-US" sz="1800" dirty="0" smtClean="0">
-                <a:solidFill>
-                  <a:srgbClr val="FF0000"/>
-                </a:solidFill>
-              </a:rPr>
-              <a:t>化</a:t>
-            </a:r>
-            <a:endParaRPr lang="en-US" altLang="zh-CN" sz="1800" dirty="0" smtClean="0">
-              <a:solidFill>
-                <a:srgbClr val="FF0000"/>
-              </a:solidFill>
-            </a:endParaRPr>
-          </a:p>
-          <a:p>
-            <a:pPr marL="0" indent="0">
-              <a:buNone/>
-            </a:pPr>
-            <a:r>
-              <a:rPr lang="zh-CN" altLang="en-US" sz="1800" smtClean="0"/>
-              <a:t>      初</a:t>
-            </a:r>
-            <a:r>
-              <a:rPr lang="zh-CN" altLang="en-US" sz="1800" dirty="0"/>
-              <a:t>始化的格式如下：数据类型  类名</a:t>
-            </a:r>
-            <a:r>
-              <a:rPr lang="en-US" altLang="zh-CN" sz="1800" dirty="0"/>
-              <a:t>::</a:t>
-            </a:r>
-            <a:r>
-              <a:rPr lang="zh-CN" altLang="en-US" sz="1800" dirty="0"/>
-              <a:t>静态成员变量名 </a:t>
-            </a:r>
-            <a:r>
-              <a:rPr lang="en-US" altLang="zh-CN" sz="1800" dirty="0"/>
-              <a:t>= </a:t>
-            </a:r>
-            <a:r>
-              <a:rPr lang="zh-CN" altLang="en-US" sz="1800" dirty="0"/>
-              <a:t>初值</a:t>
-            </a:r>
-            <a:endParaRPr lang="en-US" altLang="zh-CN" sz="1800" dirty="0" smtClean="0">
-              <a:solidFill>
-                <a:srgbClr val="FF0000"/>
-              </a:solidFill>
-            </a:endParaRPr>
-          </a:p>
-          <a:p>
-            <a:pPr marL="0" indent="0">
-              <a:buNone/>
-            </a:pPr>
-            <a:r>
-              <a:rPr lang="en-US" altLang="zh-CN" sz="1800" dirty="0" smtClean="0"/>
-              <a:t>B   </a:t>
-            </a:r>
-            <a:r>
-              <a:rPr lang="zh-CN" altLang="en-US" sz="1800" dirty="0" smtClean="0"/>
-              <a:t>非</a:t>
-            </a:r>
-            <a:r>
-              <a:rPr lang="zh-CN" altLang="en-US" sz="1800" dirty="0"/>
-              <a:t>静态成员函数也可以操作静态数据成员</a:t>
-            </a:r>
-          </a:p>
-          <a:p>
-            <a:pPr marL="0" indent="0">
-              <a:buNone/>
-            </a:pPr>
-            <a:r>
-              <a:rPr lang="en-US" altLang="zh-CN" sz="1800" dirty="0" smtClean="0"/>
-              <a:t>C   </a:t>
-            </a:r>
-            <a:r>
-              <a:rPr lang="zh-CN" altLang="en-US" sz="1800" dirty="0" smtClean="0"/>
-              <a:t>静</a:t>
-            </a:r>
-            <a:r>
-              <a:rPr lang="zh-CN" altLang="en-US" sz="1800" dirty="0"/>
-              <a:t>态成员变量可以为私有</a:t>
-            </a:r>
-            <a:r>
-              <a:rPr lang="zh-CN" altLang="en-US" sz="1800" dirty="0" smtClean="0"/>
-              <a:t>的</a:t>
-            </a:r>
-            <a:r>
-              <a:rPr lang="en-US" altLang="zh-CN" sz="1800" dirty="0" smtClean="0"/>
-              <a:t>.</a:t>
-            </a:r>
-          </a:p>
-          <a:p>
-            <a:pPr marL="0" indent="0">
-              <a:buNone/>
-            </a:pPr>
-            <a:r>
-              <a:rPr lang="en-US" altLang="zh-CN" sz="1800" dirty="0" smtClean="0"/>
-              <a:t>D  </a:t>
-            </a:r>
-            <a:r>
-              <a:rPr lang="zh-CN" altLang="en-US" sz="1800" dirty="0" smtClean="0"/>
-              <a:t>静</a:t>
-            </a:r>
-            <a:r>
-              <a:rPr lang="zh-CN" altLang="en-US" sz="1800" dirty="0"/>
-              <a:t>态成员存在于内存，非静态成员需要实例化才会分配内存</a:t>
-            </a:r>
-          </a:p>
-          <a:p>
-            <a:pPr marL="0" indent="0">
-              <a:buNone/>
-            </a:pPr>
-            <a:r>
-              <a:rPr lang="en-US" altLang="zh-CN" sz="1800" dirty="0"/>
-              <a:t>E</a:t>
-            </a:r>
-            <a:r>
-              <a:rPr lang="en-US" altLang="zh-CN" sz="1800" dirty="0" smtClean="0"/>
-              <a:t>  </a:t>
-            </a:r>
-            <a:r>
-              <a:rPr lang="zh-CN" altLang="en-US" sz="1800" dirty="0" smtClean="0"/>
-              <a:t>调</a:t>
-            </a:r>
-            <a:r>
-              <a:rPr lang="zh-CN" altLang="en-US" sz="1800" dirty="0"/>
-              <a:t>用静态成员函数时要通过类或对象激活，所以静态成员函数拥有</a:t>
-            </a:r>
-            <a:r>
-              <a:rPr lang="en-US" altLang="zh-CN" sz="1800" dirty="0"/>
-              <a:t>this</a:t>
-            </a:r>
-            <a:r>
-              <a:rPr lang="zh-CN" altLang="en-US" sz="1800" dirty="0"/>
-              <a:t>指</a:t>
-            </a:r>
-            <a:r>
-              <a:rPr lang="zh-CN" altLang="en-US" sz="1800" dirty="0" smtClean="0"/>
-              <a:t>针</a:t>
-            </a:r>
-            <a:endParaRPr lang="en-US" altLang="zh-CN" sz="1800" dirty="0" smtClean="0"/>
-          </a:p>
-          <a:p>
-            <a:pPr marL="0" indent="0">
-              <a:buNone/>
-            </a:pPr>
-            <a:endParaRPr lang="zh-CN" altLang="en-US" sz="1800" dirty="0"/>
-          </a:p>
-          <a:p>
-            <a:endParaRPr lang="zh-CN" altLang="en-US" dirty="0"/>
-          </a:p>
-        </p:txBody>
-      </p:sp>
-      <p:sp>
-        <p:nvSpPr>
-          <p:cNvPr id="3" name="标题 2"/>
-          <p:cNvSpPr>
-            <a:spLocks noGrp="1"/>
-          </p:cNvSpPr>
-          <p:nvPr>
-            <p:ph type="title"/>
-          </p:nvPr>
-        </p:nvSpPr>
-        <p:spPr/>
-        <p:style>
-          <a:lnRef idx="2">
-            <a:schemeClr val="accent1">
-              <a:shade val="50000"/>
-            </a:schemeClr>
-          </a:lnRef>
-          <a:fillRef idx="1">
-            <a:schemeClr val="accent1"/>
-          </a:fillRef>
-          <a:effectRef idx="0">
-            <a:schemeClr val="accent1"/>
-          </a:effectRef>
-          <a:fontRef idx="minor">
-            <a:schemeClr val="lt1"/>
-          </a:fontRef>
-        </p:style>
-        <p:txBody>
-          <a:bodyPr>
-            <a:normAutofit fontScale="90000"/>
-          </a:bodyPr>
-          <a:lstStyle/>
-          <a:p>
-            <a:r>
-              <a:rPr lang="zh-CN" altLang="en-US" b="1" dirty="0"/>
-              <a:t>第六</a:t>
-            </a:r>
-            <a:r>
-              <a:rPr lang="zh-CN" altLang="en-US" b="1" dirty="0" smtClean="0"/>
-              <a:t>题 </a:t>
-            </a:r>
-            <a:r>
-              <a:rPr lang="en-US" altLang="zh-CN" b="1" dirty="0" smtClean="0"/>
-              <a:t>C</a:t>
-            </a:r>
-            <a:r>
-              <a:rPr lang="en-US" altLang="zh-CN" b="1" dirty="0"/>
-              <a:t>++ </a:t>
-            </a:r>
-            <a:r>
-              <a:rPr lang="zh-CN" altLang="en-US" b="1" dirty="0"/>
-              <a:t>类的静态成</a:t>
-            </a:r>
-            <a:r>
-              <a:rPr lang="zh-CN" altLang="en-US" b="1" dirty="0" smtClean="0"/>
-              <a:t>员 </a:t>
-            </a:r>
-            <a:r>
-              <a:rPr lang="en-US" altLang="zh-CN" b="1" dirty="0" smtClean="0"/>
-              <a:t>2020</a:t>
-            </a:r>
-            <a:r>
-              <a:rPr lang="zh-CN" altLang="en-US" b="1" dirty="0" smtClean="0"/>
-              <a:t>年</a:t>
-            </a:r>
-            <a:r>
-              <a:rPr lang="en-US" altLang="zh-CN" b="1" dirty="0" smtClean="0"/>
-              <a:t>2</a:t>
-            </a:r>
-            <a:r>
-              <a:rPr lang="zh-CN" altLang="en-US" b="1" dirty="0" smtClean="0"/>
-              <a:t>月</a:t>
-            </a:r>
-            <a:r>
-              <a:rPr lang="en-US" altLang="zh-CN" b="1" dirty="0" smtClean="0"/>
-              <a:t>19</a:t>
-            </a:r>
-            <a:r>
-              <a:rPr lang="zh-CN" altLang="en-US" b="1" dirty="0" smtClean="0"/>
-              <a:t>日</a:t>
-            </a:r>
-            <a:r>
-              <a:rPr lang="zh-CN" altLang="en-US" b="1" dirty="0"/>
-              <a:t/>
-            </a:r>
-            <a:br>
-              <a:rPr lang="zh-CN" altLang="en-US" b="1" dirty="0"/>
-            </a:br>
-            <a:endParaRPr lang="zh-CN" altLang="en-US" dirty="0"/>
-          </a:p>
-        </p:txBody>
-      </p:sp>
-    </p:spTree>
-    <p:extLst>
-      <p:ext uri="{BB962C8B-B14F-4D97-AF65-F5344CB8AC3E}">
-        <p14:creationId xmlns:p14="http://schemas.microsoft.com/office/powerpoint/2010/main" val="315575763"/>
-      </p:ext>
-    </p:extLst>
-  </p:cSld>
-  <p:clrMapOvr>
-    <a:masterClrMapping/>
-  </p:clrMapOvr>
-  <p:timing>
-    <p:tnLst>
-      <p:par>
-        <p:cTn id="1" dur="indefinite" restart="never" nodeType="tmRoot"/>
-      </p:par>
-    </p:tnLst>
-  </p:timing>
-</p:sld>
-</file>
-
-<file path=ppt/slides/slide12.xml><?xml version="1.0" encoding="utf-8"?>
-<p:sld xmlns:a="http://schemas.openxmlformats.org/drawingml/2006/main" xmlns:r="http://schemas.openxmlformats.org/officeDocument/2006/relationships" xmlns:p="http://schemas.openxmlformats.org/presentationml/2006/main">
-  <p:cSld>
-    <p:spTree>
-      <p:nvGrpSpPr>
-        <p:cNvPr id="1" name=""/>
-        <p:cNvGrpSpPr/>
-        <p:nvPr/>
-      </p:nvGrpSpPr>
-      <p:grpSpPr>
-        <a:xfrm>
-          <a:off x="0" y="0"/>
-          <a:ext cx="0" cy="0"/>
-          <a:chOff x="0" y="0"/>
-          <a:chExt cx="0" cy="0"/>
-        </a:xfrm>
-      </p:grpSpPr>
     </p:spTree>
   </p:cSld>
   <p:clrMapOvr>
@@ -4438,23 +3988,13 @@
           <a:bodyPr/>
           <a:lstStyle/>
           <a:p>
-            <a:endParaRPr lang="en-US" altLang="zh-CN" dirty="0" smtClean="0"/>
-          </a:p>
-          <a:p>
-            <a:pPr>
-              <a:buNone/>
-            </a:pPr>
             <a:r>
               <a:rPr lang="en-US" altLang="zh-CN" dirty="0"/>
-              <a:t>- Segmentation </a:t>
+              <a:t>virtual </a:t>
             </a:r>
             <a:r>
               <a:rPr lang="en-US" altLang="zh-CN" dirty="0" smtClean="0"/>
-              <a:t>fault  new </a:t>
-            </a:r>
-            <a:r>
-              <a:rPr dirty="0" smtClean="0"/>
-              <a:t>可以捕获，栈导致进程之间推出</a:t>
+              <a:t>functions </a:t>
             </a:r>
             <a:endParaRPr lang="zh-CN" altLang="en-US" dirty="0"/>
           </a:p>
@@ -4476,46 +4016,20 @@
           <a:lstStyle/>
           <a:p>
             <a:r>
-              <a:rPr lang="zh-CN" altLang="en-US" dirty="0" smtClean="0"/>
-              <a:t>堆栈区别是什么？</a:t>
-            </a:r>
-            <a:endParaRPr lang="zh-CN" altLang="en-US" dirty="0"/>
+              <a:rPr lang="en-US" altLang="zh-CN" dirty="0" err="1"/>
+              <a:t>c++</a:t>
+            </a:r>
+            <a:r>
+              <a:rPr lang="en-US" altLang="zh-CN" dirty="0"/>
+              <a:t>.class.</a:t>
+            </a:r>
+            <a:r>
+              <a:rPr lang="zh-CN" altLang="en-US" dirty="0"/>
+              <a:t>虚析构函数</a:t>
+            </a:r>
           </a:p>
         </p:txBody>
       </p:sp>
-      <p:pic>
-        <p:nvPicPr>
-          <p:cNvPr id="3074" name="Picture 2"/>
-          <p:cNvPicPr>
-            <a:picLocks noChangeAspect="1" noChangeArrowheads="1"/>
-          </p:cNvPicPr>
-          <p:nvPr/>
-        </p:nvPicPr>
-        <p:blipFill>
-          <a:blip r:embed="rId2"/>
-          <a:srcRect/>
-          <a:stretch>
-            <a:fillRect/>
-          </a:stretch>
-        </p:blipFill>
-        <p:spPr bwMode="auto">
-          <a:xfrm>
-            <a:off x="1428728" y="1071552"/>
-            <a:ext cx="4200525" cy="2762250"/>
-          </a:xfrm>
-          <a:prstGeom prst="rect">
-            <a:avLst/>
-          </a:prstGeom>
-          <a:noFill/>
-          <a:ln w="9525">
-            <a:noFill/>
-            <a:miter lim="800000"/>
-            <a:headEnd/>
-            <a:tailEnd/>
-          </a:ln>
-          <a:effectLst/>
-        </p:spPr>
-      </p:pic>
     </p:spTree>
   </p:cSld>
   <p:clrMapOvr>
@@ -4526,202 +4040,6 @@
 </file>
 
 <file path=ppt/slides/slide3.xml><?xml version="1.0" encoding="utf-8"?>
-<p:sld xmlns:a="http://schemas.openxmlformats.org/drawingml/2006/main" xmlns:r="http://schemas.openxmlformats.org/officeDocument/2006/relationships" xmlns:p="http://schemas.openxmlformats.org/presentationml/2006/main" show="0">
-  <p:cSld>
-    <p:spTree>
-      <p:nvGrpSpPr>
-        <p:cNvPr id="1" name=""/>
-        <p:cNvGrpSpPr/>
-        <p:nvPr/>
-      </p:nvGrpSpPr>
-      <p:grpSpPr>
-        <a:xfrm>
-          <a:off x="0" y="0"/>
-          <a:ext cx="0" cy="0"/>
-          <a:chOff x="0" y="0"/>
-          <a:chExt cx="0" cy="0"/>
-        </a:xfrm>
-      </p:grpSpPr>
-      <p:sp>
-        <p:nvSpPr>
-          <p:cNvPr id="3" name="标题 2"/>
-          <p:cNvSpPr>
-            <a:spLocks noGrp="1"/>
-          </p:cNvSpPr>
-          <p:nvPr>
-            <p:ph type="title"/>
-          </p:nvPr>
-        </p:nvSpPr>
-        <p:spPr/>
-        <p:txBody>
-          <a:bodyPr/>
-          <a:lstStyle/>
-          <a:p>
-            <a:r>
-              <a:rPr lang="zh-CN" altLang="en-US" dirty="0" smtClean="0"/>
-              <a:t>进程（</a:t>
-            </a:r>
-            <a:r>
-              <a:rPr lang="en-US" altLang="zh-CN" dirty="0" smtClean="0"/>
-              <a:t>1</a:t>
-            </a:r>
-            <a:r>
-              <a:rPr lang="zh-CN" altLang="en-US" dirty="0" smtClean="0"/>
-              <a:t>）</a:t>
-            </a:r>
-            <a:endParaRPr lang="zh-CN" altLang="en-US" dirty="0"/>
-          </a:p>
-        </p:txBody>
-      </p:sp>
-      <p:pic>
-        <p:nvPicPr>
-          <p:cNvPr id="4098" name="Picture 2"/>
-          <p:cNvPicPr>
-            <a:picLocks noGrp="1" noChangeAspect="1" noChangeArrowheads="1"/>
-          </p:cNvPicPr>
-          <p:nvPr>
-            <p:ph idx="1"/>
-          </p:nvPr>
-        </p:nvPicPr>
-        <p:blipFill>
-          <a:blip r:embed="rId2"/>
-          <a:srcRect/>
-          <a:stretch>
-            <a:fillRect/>
-          </a:stretch>
-        </p:blipFill>
-        <p:spPr bwMode="auto">
-          <a:xfrm>
-            <a:off x="714348" y="285733"/>
-            <a:ext cx="7072362" cy="5321183"/>
-          </a:xfrm>
-          <a:prstGeom prst="rect">
-            <a:avLst/>
-          </a:prstGeom>
-          <a:noFill/>
-          <a:ln w="9525">
-            <a:noFill/>
-            <a:miter lim="800000"/>
-            <a:headEnd/>
-            <a:tailEnd/>
-          </a:ln>
-          <a:effectLst/>
-        </p:spPr>
-      </p:pic>
-    </p:spTree>
-  </p:cSld>
-  <p:clrMapOvr>
-    <a:masterClrMapping/>
-  </p:clrMapOvr>
-  <p:transition/>
-</p:sld>
-</file>
-
-<file path=ppt/slides/slide4.xml><?xml version="1.0" encoding="utf-8"?>
-<p:sld xmlns:a="http://schemas.openxmlformats.org/drawingml/2006/main" xmlns:r="http://schemas.openxmlformats.org/officeDocument/2006/relationships" xmlns:p="http://schemas.openxmlformats.org/presentationml/2006/main" show="0">
-  <p:cSld>
-    <p:spTree>
-      <p:nvGrpSpPr>
-        <p:cNvPr id="1" name=""/>
-        <p:cNvGrpSpPr/>
-        <p:nvPr/>
-      </p:nvGrpSpPr>
-      <p:grpSpPr>
-        <a:xfrm>
-          <a:off x="0" y="0"/>
-          <a:ext cx="0" cy="0"/>
-          <a:chOff x="0" y="0"/>
-          <a:chExt cx="0" cy="0"/>
-        </a:xfrm>
-      </p:grpSpPr>
-      <p:sp>
-        <p:nvSpPr>
-          <p:cNvPr id="3" name="标题 2"/>
-          <p:cNvSpPr>
-            <a:spLocks noGrp="1"/>
-          </p:cNvSpPr>
-          <p:nvPr>
-            <p:ph type="title"/>
-          </p:nvPr>
-        </p:nvSpPr>
-        <p:spPr/>
-        <p:txBody>
-          <a:bodyPr/>
-          <a:lstStyle/>
-          <a:p>
-            <a:endParaRPr lang="zh-CN" altLang="en-US"/>
-          </a:p>
-        </p:txBody>
-      </p:sp>
-      <p:sp>
-        <p:nvSpPr>
-          <p:cNvPr id="8" name="内容占位符 7"/>
-          <p:cNvSpPr>
-            <a:spLocks noGrp="1"/>
-          </p:cNvSpPr>
-          <p:nvPr>
-            <p:ph idx="1"/>
-          </p:nvPr>
-        </p:nvSpPr>
-        <p:spPr/>
-        <p:txBody>
-          <a:bodyPr/>
-          <a:lstStyle/>
-          <a:p>
-            <a:endParaRPr lang="zh-CN" altLang="en-US"/>
-          </a:p>
-        </p:txBody>
-      </p:sp>
-      <p:pic>
-        <p:nvPicPr>
-          <p:cNvPr id="5124" name="Picture 4"/>
-          <p:cNvPicPr>
-            <a:picLocks noChangeAspect="1" noChangeArrowheads="1"/>
-          </p:cNvPicPr>
-          <p:nvPr/>
-        </p:nvPicPr>
-        <p:blipFill>
-          <a:blip r:embed="rId2"/>
-          <a:srcRect/>
-          <a:stretch>
-            <a:fillRect/>
-          </a:stretch>
-        </p:blipFill>
-        <p:spPr bwMode="auto">
-          <a:xfrm>
-            <a:off x="285720" y="428610"/>
-            <a:ext cx="7153275" cy="4038600"/>
-          </a:xfrm>
-          <a:prstGeom prst="rect">
-            <a:avLst/>
-          </a:prstGeom>
-          <a:noFill/>
-          <a:ln w="9525">
-            <a:noFill/>
-            <a:miter lim="800000"/>
-            <a:headEnd/>
-            <a:tailEnd/>
-          </a:ln>
-          <a:effectLst/>
-        </p:spPr>
-      </p:pic>
-    </p:spTree>
-  </p:cSld>
-  <p:clrMapOvr>
-    <a:masterClrMapping/>
-  </p:clrMapOvr>
-  <p:transition/>
-  <p:timing>
-    <p:tnLst>
-      <p:par>
-        <p:cTn id="1" dur="indefinite" restart="never" nodeType="tmRoot"/>
-      </p:par>
-    </p:tnLst>
-  </p:timing>
-</p:sld>
-</file>
-
-<file path=ppt/slides/slide5.xml><?xml version="1.0" encoding="utf-8"?>
 <p:sld xmlns:a="http://schemas.openxmlformats.org/drawingml/2006/main" xmlns:r="http://schemas.openxmlformats.org/officeDocument/2006/relationships" xmlns:p="http://schemas.openxmlformats.org/presentationml/2006/main" show="0">
   <p:cSld>
     <p:spTree>
@@ -4753,89 +4071,6 @@
           <a:bodyPr/>
           <a:lstStyle/>
           <a:p>
-            <a:r>
-              <a:rPr lang="en-US" altLang="zh-CN" dirty="0"/>
-              <a:t>virtual </a:t>
-            </a:r>
-            <a:r>
-              <a:rPr lang="en-US" altLang="zh-CN" dirty="0" smtClean="0"/>
-              <a:t>functions </a:t>
-            </a:r>
-            <a:endParaRPr lang="zh-CN" altLang="en-US" dirty="0"/>
-          </a:p>
-        </p:txBody>
-      </p:sp>
-      <p:sp>
-        <p:nvSpPr>
-          <p:cNvPr id="3" name="标题 2"/>
-          <p:cNvSpPr>
-            <a:spLocks noGrp="1"/>
-          </p:cNvSpPr>
-          <p:nvPr>
-            <p:ph type="title"/>
-          </p:nvPr>
-        </p:nvSpPr>
-        <p:spPr/>
-        <p:txBody>
-          <a:bodyPr/>
-          <a:lstStyle/>
-          <a:p>
-            <a:r>
-              <a:rPr lang="en-US" altLang="zh-CN" dirty="0" err="1"/>
-              <a:t>c++</a:t>
-            </a:r>
-            <a:r>
-              <a:rPr lang="en-US" altLang="zh-CN" dirty="0"/>
-              <a:t>.class.</a:t>
-            </a:r>
-            <a:r>
-              <a:rPr lang="zh-CN" altLang="en-US" dirty="0"/>
-              <a:t>虚析构函数</a:t>
-            </a:r>
-          </a:p>
-        </p:txBody>
-      </p:sp>
-    </p:spTree>
-  </p:cSld>
-  <p:clrMapOvr>
-    <a:masterClrMapping/>
-  </p:clrMapOvr>
-  <p:transition/>
-</p:sld>
-</file>
-
-<file path=ppt/slides/slide6.xml><?xml version="1.0" encoding="utf-8"?>
-<p:sld xmlns:a="http://schemas.openxmlformats.org/drawingml/2006/main" xmlns:r="http://schemas.openxmlformats.org/officeDocument/2006/relationships" xmlns:p="http://schemas.openxmlformats.org/presentationml/2006/main" show="0">
-  <p:cSld>
-    <p:spTree>
-      <p:nvGrpSpPr>
-        <p:cNvPr id="1" name=""/>
-        <p:cNvGrpSpPr/>
-        <p:nvPr/>
-      </p:nvGrpSpPr>
-      <p:grpSpPr>
-        <a:xfrm>
-          <a:off x="0" y="0"/>
-          <a:ext cx="0" cy="0"/>
-          <a:chOff x="0" y="0"/>
-          <a:chExt cx="0" cy="0"/>
-        </a:xfrm>
-      </p:grpSpPr>
-      <p:sp>
-        <p:nvSpPr>
-          <p:cNvPr id="2" name="内容占位符 1"/>
-          <p:cNvSpPr>
-            <a:spLocks noGrp="1"/>
-          </p:cNvSpPr>
-          <p:nvPr>
-            <p:ph idx="1"/>
-          </p:nvPr>
-        </p:nvSpPr>
-        <p:spPr/>
-        <p:txBody>
-          <a:bodyPr/>
-          <a:lstStyle/>
-          <a:p>
             <a:endParaRPr lang="zh-CN" altLang="en-US" dirty="0"/>
           </a:p>
         </p:txBody>
@@ -4878,154 +4113,7 @@
 </p:sld>
 </file>
 
-<file path=ppt/slides/slide7.xml><?xml version="1.0" encoding="utf-8"?>
-<p:sld xmlns:a="http://schemas.openxmlformats.org/drawingml/2006/main" xmlns:r="http://schemas.openxmlformats.org/officeDocument/2006/relationships" xmlns:p="http://schemas.openxmlformats.org/presentationml/2006/main" show="0">
-  <p:cSld>
-    <p:spTree>
-      <p:nvGrpSpPr>
-        <p:cNvPr id="1" name=""/>
-        <p:cNvGrpSpPr/>
-        <p:nvPr/>
-      </p:nvGrpSpPr>
-      <p:grpSpPr>
-        <a:xfrm>
-          <a:off x="0" y="0"/>
-          <a:ext cx="0" cy="0"/>
-          <a:chOff x="0" y="0"/>
-          <a:chExt cx="0" cy="0"/>
-        </a:xfrm>
-      </p:grpSpPr>
-      <p:sp>
-        <p:nvSpPr>
-          <p:cNvPr id="2" name="内容占位符 1"/>
-          <p:cNvSpPr>
-            <a:spLocks noGrp="1"/>
-          </p:cNvSpPr>
-          <p:nvPr>
-            <p:ph idx="1"/>
-          </p:nvPr>
-        </p:nvSpPr>
-        <p:spPr/>
-        <p:txBody>
-          <a:bodyPr/>
-          <a:lstStyle/>
-          <a:p>
-            <a:r>
-              <a:rPr lang="en-US" altLang="zh-CN" dirty="0"/>
-              <a:t>The base member</a:t>
-            </a:r>
-            <a:br>
-              <a:rPr lang="en-US" altLang="zh-CN" dirty="0"/>
-            </a:br>
-            <a:r>
-              <a:rPr lang="en-US" altLang="zh-CN" dirty="0"/>
-              <a:t>is hidden even if the functions have different parameter lists: </a:t>
-            </a:r>
-            <a:br>
-              <a:rPr lang="en-US" altLang="zh-CN" dirty="0"/>
-            </a:br>
-            <a:r>
-              <a:rPr lang="en-US" altLang="zh-CN" dirty="0" err="1" smtClean="0"/>
-              <a:t>764page</a:t>
-            </a:r>
-            <a:endParaRPr lang="zh-CN" altLang="en-US" dirty="0"/>
-          </a:p>
-        </p:txBody>
-      </p:sp>
-      <p:sp>
-        <p:nvSpPr>
-          <p:cNvPr id="3" name="标题 2"/>
-          <p:cNvSpPr>
-            <a:spLocks noGrp="1"/>
-          </p:cNvSpPr>
-          <p:nvPr>
-            <p:ph type="title"/>
-          </p:nvPr>
-        </p:nvSpPr>
-        <p:spPr/>
-        <p:txBody>
-          <a:bodyPr/>
-          <a:lstStyle/>
-          <a:p>
-            <a:r>
-              <a:rPr lang="en-US" altLang="zh-CN" dirty="0" err="1" smtClean="0"/>
-              <a:t>Virtal</a:t>
-            </a:r>
-            <a:endParaRPr lang="zh-CN" altLang="en-US" dirty="0"/>
-          </a:p>
-        </p:txBody>
-      </p:sp>
-      <p:pic>
-        <p:nvPicPr>
-          <p:cNvPr id="1026" name="Picture 2"/>
-          <p:cNvPicPr>
-            <a:picLocks noChangeAspect="1" noChangeArrowheads="1"/>
-          </p:cNvPicPr>
-          <p:nvPr/>
-        </p:nvPicPr>
-        <p:blipFill>
-          <a:blip r:embed="rId2">
-            <a:extLst>
-              <a:ext uri="{28A0092B-C50C-407E-A947-70E740481C1C}">
-                <a14:useLocalDpi xmlns:a14="http://schemas.microsoft.com/office/drawing/2010/main" val="0"/>
-              </a:ext>
-            </a:extLst>
-          </a:blip>
-          <a:srcRect/>
-          <a:stretch>
-            <a:fillRect/>
-          </a:stretch>
-        </p:blipFill>
-        <p:spPr bwMode="auto">
-          <a:xfrm>
-            <a:off x="34177" y="2211710"/>
-            <a:ext cx="8286750" cy="2781300"/>
-          </a:xfrm>
-          <a:prstGeom prst="rect">
-            <a:avLst/>
-          </a:prstGeom>
-          <a:noFill/>
-          <a:ln>
-            <a:noFill/>
-          </a:ln>
-          <a:extLst>
-            <a:ext uri="{909E8E84-426E-40DD-AFC4-6F175D3DCCD1}">
-              <a14:hiddenFill xmlns:a14="http://schemas.microsoft.com/office/drawing/2010/main">
-                <a:solidFill>
-                  <a:schemeClr val="accent1"/>
-                </a:solidFill>
-              </a14:hiddenFill>
-            </a:ext>
-            <a:ext uri="{91240B29-F687-4F45-9708-019B960494DF}">
-              <a14:hiddenLine xmlns:a14="http://schemas.microsoft.com/office/drawing/2010/main" w="9525">
-                <a:solidFill>
-                  <a:schemeClr val="tx1"/>
-                </a:solidFill>
-                <a:miter lim="800000"/>
-                <a:headEnd/>
-                <a:tailEnd/>
-              </a14:hiddenLine>
-            </a:ext>
-          </a:extLst>
-        </p:spPr>
-      </p:pic>
-    </p:spTree>
-  </p:cSld>
-  <p:clrMapOvr>
-    <a:masterClrMapping/>
-  </p:clrMapOvr>
-  <p:transition/>
-  <p:timing>
-    <p:tnLst>
-      <p:par>
-        <p:cTn id="1" dur="indefinite" restart="never" nodeType="tmRoot"/>
-      </p:par>
-    </p:tnLst>
-  </p:timing>
-</p:sld>
-</file>
-
-<file path=ppt/slides/slide8.xml><?xml version="1.0" encoding="utf-8"?>
+<file path=ppt/slides/slide4.xml><?xml version="1.0" encoding="utf-8"?>
 <p:sld xmlns:a="http://schemas.openxmlformats.org/drawingml/2006/main" xmlns:r="http://schemas.openxmlformats.org/officeDocument/2006/relationships" xmlns:p="http://schemas.openxmlformats.org/presentationml/2006/main" show="0">
   <p:cSld>
     <p:spTree>
@@ -5404,6 +4492,10 @@
             <a:pPr marL="0" indent="0">
               <a:buNone/>
             </a:pPr>
+            <a:r>
+              <a:rPr lang="en-US" altLang="zh-CN" smtClean="0"/>
+              <a:t>1</a:t>
+            </a:r>
             <a:endParaRPr lang="en-US" altLang="zh-CN" dirty="0" smtClean="0"/>
           </a:p>
         </p:txBody>
@@ -5492,7 +4584,7 @@
 </p:sld>
 </file>
 
-<file path=ppt/slides/slide9.xml><?xml version="1.0" encoding="utf-8"?>
+<file path=ppt/slides/slide5.xml><?xml version="1.0" encoding="utf-8"?>
 <p:sld xmlns:a="http://schemas.openxmlformats.org/drawingml/2006/main" xmlns:r="http://schemas.openxmlformats.org/officeDocument/2006/relationships" xmlns:p="http://schemas.openxmlformats.org/presentationml/2006/main">
   <p:cSld>
     <p:spTree>
@@ -6624,6 +5716,753 @@
 </p:sld>
 </file>
 
+<file path=ppt/slides/slide6.xml><?xml version="1.0" encoding="utf-8"?>
+<p:sld xmlns:a="http://schemas.openxmlformats.org/drawingml/2006/main" xmlns:r="http://schemas.openxmlformats.org/officeDocument/2006/relationships" xmlns:p="http://schemas.openxmlformats.org/presentationml/2006/main">
+  <p:cSld>
+    <p:spTree>
+      <p:nvGrpSpPr>
+        <p:cNvPr id="1" name=""/>
+        <p:cNvGrpSpPr/>
+        <p:nvPr/>
+      </p:nvGrpSpPr>
+      <p:grpSpPr>
+        <a:xfrm>
+          <a:off x="0" y="0"/>
+          <a:ext cx="0" cy="0"/>
+          <a:chOff x="0" y="0"/>
+          <a:chExt cx="0" cy="0"/>
+        </a:xfrm>
+      </p:grpSpPr>
+      <p:sp>
+        <p:nvSpPr>
+          <p:cNvPr id="2" name="内容占位符 1"/>
+          <p:cNvSpPr>
+            <a:spLocks noGrp="1"/>
+          </p:cNvSpPr>
+          <p:nvPr>
+            <p:ph idx="1"/>
+          </p:nvPr>
+        </p:nvSpPr>
+        <p:spPr/>
+        <p:txBody>
+          <a:bodyPr/>
+          <a:lstStyle/>
+          <a:p>
+            <a:endParaRPr lang="zh-CN" altLang="en-US" dirty="0"/>
+          </a:p>
+        </p:txBody>
+      </p:sp>
+      <p:sp>
+        <p:nvSpPr>
+          <p:cNvPr id="3" name="标题 2"/>
+          <p:cNvSpPr>
+            <a:spLocks noGrp="1"/>
+          </p:cNvSpPr>
+          <p:nvPr>
+            <p:ph type="title"/>
+          </p:nvPr>
+        </p:nvSpPr>
+        <p:spPr>
+          <a:xfrm>
+            <a:off x="539552" y="195486"/>
+            <a:ext cx="8229600" cy="857250"/>
+          </a:xfrm>
+        </p:spPr>
+        <p:style>
+          <a:lnRef idx="2">
+            <a:schemeClr val="dk1">
+              <a:shade val="50000"/>
+            </a:schemeClr>
+          </a:lnRef>
+          <a:fillRef idx="1">
+            <a:schemeClr val="dk1"/>
+          </a:fillRef>
+          <a:effectRef idx="0">
+            <a:schemeClr val="dk1"/>
+          </a:effectRef>
+          <a:fontRef idx="minor">
+            <a:schemeClr val="lt1"/>
+          </a:fontRef>
+        </p:style>
+        <p:txBody>
+          <a:bodyPr>
+            <a:normAutofit fontScale="90000"/>
+          </a:bodyPr>
+          <a:lstStyle/>
+          <a:p>
+            <a:r>
+              <a:rPr lang="zh-CN" altLang="en-US" dirty="0" smtClean="0"/>
+              <a:t>第五题：一个进程怎么变成</a:t>
+            </a:r>
+            <a:r>
+              <a:rPr lang="en-US" altLang="zh-CN" dirty="0"/>
+              <a:t>Daemon processes </a:t>
+            </a:r>
+            <a:br>
+              <a:rPr lang="en-US" altLang="zh-CN" dirty="0"/>
+            </a:br>
+            <a:endParaRPr lang="zh-CN" altLang="en-US" dirty="0"/>
+          </a:p>
+        </p:txBody>
+      </p:sp>
+    </p:spTree>
+  </p:cSld>
+  <p:clrMapOvr>
+    <a:masterClrMapping/>
+  </p:clrMapOvr>
+  <p:timing>
+    <p:tnLst>
+      <p:par>
+        <p:cTn id="1" dur="indefinite" restart="never" nodeType="tmRoot"/>
+      </p:par>
+    </p:tnLst>
+  </p:timing>
+</p:sld>
+</file>
+
+<file path=ppt/slides/slide7.xml><?xml version="1.0" encoding="utf-8"?>
+<p:sld xmlns:a="http://schemas.openxmlformats.org/drawingml/2006/main" xmlns:r="http://schemas.openxmlformats.org/officeDocument/2006/relationships" xmlns:p="http://schemas.openxmlformats.org/presentationml/2006/main">
+  <p:cSld>
+    <p:spTree>
+      <p:nvGrpSpPr>
+        <p:cNvPr id="1" name=""/>
+        <p:cNvGrpSpPr/>
+        <p:nvPr/>
+      </p:nvGrpSpPr>
+      <p:grpSpPr>
+        <a:xfrm>
+          <a:off x="0" y="0"/>
+          <a:ext cx="0" cy="0"/>
+          <a:chOff x="0" y="0"/>
+          <a:chExt cx="0" cy="0"/>
+        </a:xfrm>
+      </p:grpSpPr>
+      <p:sp>
+        <p:nvSpPr>
+          <p:cNvPr id="2" name="内容占位符 1"/>
+          <p:cNvSpPr>
+            <a:spLocks noGrp="1"/>
+          </p:cNvSpPr>
+          <p:nvPr>
+            <p:ph idx="1"/>
+          </p:nvPr>
+        </p:nvSpPr>
+        <p:spPr/>
+        <p:txBody>
+          <a:bodyPr>
+            <a:normAutofit lnSpcReduction="10000"/>
+          </a:bodyPr>
+          <a:lstStyle/>
+          <a:p>
+            <a:pPr marL="0" indent="0">
+              <a:buNone/>
+            </a:pPr>
+            <a:r>
+              <a:rPr lang="zh-CN" altLang="en-US" dirty="0"/>
+              <a:t/>
+            </a:r>
+            <a:br>
+              <a:rPr lang="zh-CN" altLang="en-US" dirty="0"/>
+            </a:br>
+            <a:r>
+              <a:rPr lang="zh-CN" altLang="en-US" sz="1800" dirty="0" smtClean="0"/>
+              <a:t>对</a:t>
+            </a:r>
+            <a:r>
+              <a:rPr lang="zh-CN" altLang="en-US" sz="1800" dirty="0"/>
+              <a:t>静态成员的不正确描述是（）？ </a:t>
+            </a:r>
+          </a:p>
+          <a:p>
+            <a:endParaRPr lang="en-US" altLang="zh-CN" sz="1800" dirty="0" smtClean="0"/>
+          </a:p>
+          <a:p>
+            <a:pPr marL="0" indent="0">
+              <a:buNone/>
+            </a:pPr>
+            <a:r>
+              <a:rPr lang="en-US" altLang="zh-CN" sz="1800" dirty="0" smtClean="0"/>
+              <a:t>A   </a:t>
+            </a:r>
+            <a:r>
+              <a:rPr lang="zh-CN" altLang="en-US" sz="1800" dirty="0" smtClean="0">
+                <a:solidFill>
+                  <a:srgbClr val="FF0000"/>
+                </a:solidFill>
+              </a:rPr>
+              <a:t>静</a:t>
+            </a:r>
+            <a:r>
+              <a:rPr lang="zh-CN" altLang="en-US" sz="1800" dirty="0">
+                <a:solidFill>
+                  <a:srgbClr val="FF0000"/>
+                </a:solidFill>
+              </a:rPr>
+              <a:t>态数据成员要在类外定义和初始</a:t>
+            </a:r>
+            <a:r>
+              <a:rPr lang="zh-CN" altLang="en-US" sz="1800" dirty="0" smtClean="0">
+                <a:solidFill>
+                  <a:srgbClr val="FF0000"/>
+                </a:solidFill>
+              </a:rPr>
+              <a:t>化</a:t>
+            </a:r>
+            <a:endParaRPr lang="en-US" altLang="zh-CN" sz="1800" dirty="0" smtClean="0">
+              <a:solidFill>
+                <a:srgbClr val="FF0000"/>
+              </a:solidFill>
+            </a:endParaRPr>
+          </a:p>
+          <a:p>
+            <a:pPr marL="0" indent="0">
+              <a:buNone/>
+            </a:pPr>
+            <a:r>
+              <a:rPr lang="zh-CN" altLang="en-US" sz="1800" smtClean="0"/>
+              <a:t>      初</a:t>
+            </a:r>
+            <a:r>
+              <a:rPr lang="zh-CN" altLang="en-US" sz="1800" dirty="0"/>
+              <a:t>始化的格式如下：数据类型  类名</a:t>
+            </a:r>
+            <a:r>
+              <a:rPr lang="en-US" altLang="zh-CN" sz="1800" dirty="0"/>
+              <a:t>::</a:t>
+            </a:r>
+            <a:r>
+              <a:rPr lang="zh-CN" altLang="en-US" sz="1800" dirty="0"/>
+              <a:t>静态成员变量名 </a:t>
+            </a:r>
+            <a:r>
+              <a:rPr lang="en-US" altLang="zh-CN" sz="1800" dirty="0"/>
+              <a:t>= </a:t>
+            </a:r>
+            <a:r>
+              <a:rPr lang="zh-CN" altLang="en-US" sz="1800" dirty="0"/>
+              <a:t>初值</a:t>
+            </a:r>
+            <a:endParaRPr lang="en-US" altLang="zh-CN" sz="1800" dirty="0" smtClean="0">
+              <a:solidFill>
+                <a:srgbClr val="FF0000"/>
+              </a:solidFill>
+            </a:endParaRPr>
+          </a:p>
+          <a:p>
+            <a:pPr marL="0" indent="0">
+              <a:buNone/>
+            </a:pPr>
+            <a:r>
+              <a:rPr lang="en-US" altLang="zh-CN" sz="1800" dirty="0" smtClean="0"/>
+              <a:t>B   </a:t>
+            </a:r>
+            <a:r>
+              <a:rPr lang="zh-CN" altLang="en-US" sz="1800" dirty="0" smtClean="0"/>
+              <a:t>非</a:t>
+            </a:r>
+            <a:r>
+              <a:rPr lang="zh-CN" altLang="en-US" sz="1800" dirty="0"/>
+              <a:t>静态成员函数也可以操作静态数据成员</a:t>
+            </a:r>
+          </a:p>
+          <a:p>
+            <a:pPr marL="0" indent="0">
+              <a:buNone/>
+            </a:pPr>
+            <a:r>
+              <a:rPr lang="en-US" altLang="zh-CN" sz="1800" dirty="0" smtClean="0"/>
+              <a:t>C   </a:t>
+            </a:r>
+            <a:r>
+              <a:rPr lang="zh-CN" altLang="en-US" sz="1800" dirty="0" smtClean="0"/>
+              <a:t>静</a:t>
+            </a:r>
+            <a:r>
+              <a:rPr lang="zh-CN" altLang="en-US" sz="1800" dirty="0"/>
+              <a:t>态成员变量可以为私有</a:t>
+            </a:r>
+            <a:r>
+              <a:rPr lang="zh-CN" altLang="en-US" sz="1800" dirty="0" smtClean="0"/>
+              <a:t>的</a:t>
+            </a:r>
+            <a:r>
+              <a:rPr lang="en-US" altLang="zh-CN" sz="1800" dirty="0" smtClean="0"/>
+              <a:t>.</a:t>
+            </a:r>
+          </a:p>
+          <a:p>
+            <a:pPr marL="0" indent="0">
+              <a:buNone/>
+            </a:pPr>
+            <a:r>
+              <a:rPr lang="en-US" altLang="zh-CN" sz="1800" dirty="0" smtClean="0"/>
+              <a:t>D  </a:t>
+            </a:r>
+            <a:r>
+              <a:rPr lang="zh-CN" altLang="en-US" sz="1800" dirty="0" smtClean="0"/>
+              <a:t>静</a:t>
+            </a:r>
+            <a:r>
+              <a:rPr lang="zh-CN" altLang="en-US" sz="1800" dirty="0"/>
+              <a:t>态成员存在于内存，非静态成员需要实例化才会分配内存</a:t>
+            </a:r>
+          </a:p>
+          <a:p>
+            <a:pPr marL="0" indent="0">
+              <a:buNone/>
+            </a:pPr>
+            <a:r>
+              <a:rPr lang="en-US" altLang="zh-CN" sz="1800" dirty="0"/>
+              <a:t>E</a:t>
+            </a:r>
+            <a:r>
+              <a:rPr lang="en-US" altLang="zh-CN" sz="1800" dirty="0" smtClean="0"/>
+              <a:t>  </a:t>
+            </a:r>
+            <a:r>
+              <a:rPr lang="zh-CN" altLang="en-US" sz="1800" dirty="0" smtClean="0"/>
+              <a:t>调</a:t>
+            </a:r>
+            <a:r>
+              <a:rPr lang="zh-CN" altLang="en-US" sz="1800" dirty="0"/>
+              <a:t>用静态成员函数时要通过类或对象激活，所以静态成员函数拥有</a:t>
+            </a:r>
+            <a:r>
+              <a:rPr lang="en-US" altLang="zh-CN" sz="1800" dirty="0"/>
+              <a:t>this</a:t>
+            </a:r>
+            <a:r>
+              <a:rPr lang="zh-CN" altLang="en-US" sz="1800" dirty="0"/>
+              <a:t>指</a:t>
+            </a:r>
+            <a:r>
+              <a:rPr lang="zh-CN" altLang="en-US" sz="1800" dirty="0" smtClean="0"/>
+              <a:t>针</a:t>
+            </a:r>
+            <a:endParaRPr lang="en-US" altLang="zh-CN" sz="1800" dirty="0" smtClean="0"/>
+          </a:p>
+          <a:p>
+            <a:pPr marL="0" indent="0">
+              <a:buNone/>
+            </a:pPr>
+            <a:endParaRPr lang="zh-CN" altLang="en-US" sz="1800" dirty="0"/>
+          </a:p>
+          <a:p>
+            <a:endParaRPr lang="zh-CN" altLang="en-US" dirty="0"/>
+          </a:p>
+        </p:txBody>
+      </p:sp>
+      <p:sp>
+        <p:nvSpPr>
+          <p:cNvPr id="3" name="标题 2"/>
+          <p:cNvSpPr>
+            <a:spLocks noGrp="1"/>
+          </p:cNvSpPr>
+          <p:nvPr>
+            <p:ph type="title"/>
+          </p:nvPr>
+        </p:nvSpPr>
+        <p:spPr/>
+        <p:style>
+          <a:lnRef idx="2">
+            <a:schemeClr val="accent1">
+              <a:shade val="50000"/>
+            </a:schemeClr>
+          </a:lnRef>
+          <a:fillRef idx="1">
+            <a:schemeClr val="accent1"/>
+          </a:fillRef>
+          <a:effectRef idx="0">
+            <a:schemeClr val="accent1"/>
+          </a:effectRef>
+          <a:fontRef idx="minor">
+            <a:schemeClr val="lt1"/>
+          </a:fontRef>
+        </p:style>
+        <p:txBody>
+          <a:bodyPr>
+            <a:normAutofit fontScale="90000"/>
+          </a:bodyPr>
+          <a:lstStyle/>
+          <a:p>
+            <a:r>
+              <a:rPr lang="zh-CN" altLang="en-US" b="1" dirty="0"/>
+              <a:t>第六</a:t>
+            </a:r>
+            <a:r>
+              <a:rPr lang="zh-CN" altLang="en-US" b="1" dirty="0" smtClean="0"/>
+              <a:t>题 </a:t>
+            </a:r>
+            <a:r>
+              <a:rPr lang="en-US" altLang="zh-CN" b="1" dirty="0" smtClean="0"/>
+              <a:t>C</a:t>
+            </a:r>
+            <a:r>
+              <a:rPr lang="en-US" altLang="zh-CN" b="1" dirty="0"/>
+              <a:t>++ </a:t>
+            </a:r>
+            <a:r>
+              <a:rPr lang="zh-CN" altLang="en-US" b="1" dirty="0"/>
+              <a:t>类的静态成</a:t>
+            </a:r>
+            <a:r>
+              <a:rPr lang="zh-CN" altLang="en-US" b="1" dirty="0" smtClean="0"/>
+              <a:t>员 </a:t>
+            </a:r>
+            <a:r>
+              <a:rPr lang="en-US" altLang="zh-CN" b="1" dirty="0" smtClean="0"/>
+              <a:t>2020</a:t>
+            </a:r>
+            <a:r>
+              <a:rPr lang="zh-CN" altLang="en-US" b="1" dirty="0" smtClean="0"/>
+              <a:t>年</a:t>
+            </a:r>
+            <a:r>
+              <a:rPr lang="en-US" altLang="zh-CN" b="1" dirty="0" smtClean="0"/>
+              <a:t>2</a:t>
+            </a:r>
+            <a:r>
+              <a:rPr lang="zh-CN" altLang="en-US" b="1" dirty="0" smtClean="0"/>
+              <a:t>月</a:t>
+            </a:r>
+            <a:r>
+              <a:rPr lang="en-US" altLang="zh-CN" b="1" dirty="0" smtClean="0"/>
+              <a:t>19</a:t>
+            </a:r>
+            <a:r>
+              <a:rPr lang="zh-CN" altLang="en-US" b="1" dirty="0" smtClean="0"/>
+              <a:t>日</a:t>
+            </a:r>
+            <a:r>
+              <a:rPr lang="zh-CN" altLang="en-US" b="1" dirty="0"/>
+              <a:t/>
+            </a:r>
+            <a:br>
+              <a:rPr lang="zh-CN" altLang="en-US" b="1" dirty="0"/>
+            </a:br>
+            <a:endParaRPr lang="zh-CN" altLang="en-US" dirty="0"/>
+          </a:p>
+        </p:txBody>
+      </p:sp>
+    </p:spTree>
+    <p:extLst>
+      <p:ext uri="{BB962C8B-B14F-4D97-AF65-F5344CB8AC3E}">
+        <p14:creationId xmlns:p14="http://schemas.microsoft.com/office/powerpoint/2010/main" val="315575763"/>
+      </p:ext>
+    </p:extLst>
+  </p:cSld>
+  <p:clrMapOvr>
+    <a:masterClrMapping/>
+  </p:clrMapOvr>
+  <p:timing>
+    <p:tnLst>
+      <p:par>
+        <p:cTn id="1" dur="indefinite" restart="never" nodeType="tmRoot"/>
+      </p:par>
+    </p:tnLst>
+  </p:timing>
+</p:sld>
+</file>
+
+<file path=ppt/slides/slide8.xml><?xml version="1.0" encoding="utf-8"?>
+<p:sld xmlns:a="http://schemas.openxmlformats.org/drawingml/2006/main" xmlns:r="http://schemas.openxmlformats.org/officeDocument/2006/relationships" xmlns:p="http://schemas.openxmlformats.org/presentationml/2006/main">
+  <p:cSld>
+    <p:spTree>
+      <p:nvGrpSpPr>
+        <p:cNvPr id="1" name=""/>
+        <p:cNvGrpSpPr/>
+        <p:nvPr/>
+      </p:nvGrpSpPr>
+      <p:grpSpPr>
+        <a:xfrm>
+          <a:off x="0" y="0"/>
+          <a:ext cx="0" cy="0"/>
+          <a:chOff x="0" y="0"/>
+          <a:chExt cx="0" cy="0"/>
+        </a:xfrm>
+      </p:grpSpPr>
+      <p:sp>
+        <p:nvSpPr>
+          <p:cNvPr id="2" name="内容占位符 1"/>
+          <p:cNvSpPr>
+            <a:spLocks noGrp="1"/>
+          </p:cNvSpPr>
+          <p:nvPr>
+            <p:ph idx="1"/>
+          </p:nvPr>
+        </p:nvSpPr>
+        <p:spPr/>
+        <p:txBody>
+          <a:bodyPr/>
+          <a:lstStyle/>
+          <a:p>
+            <a:pPr marL="0" indent="0">
+              <a:buNone/>
+            </a:pPr>
+            <a:r>
+              <a:rPr lang="en-US" altLang="zh-CN" smtClean="0"/>
+              <a:t>1 </a:t>
+            </a:r>
+            <a:r>
+              <a:rPr lang="zh-CN" altLang="en-US" smtClean="0"/>
+              <a:t>解决方式 ：阅读 </a:t>
+            </a:r>
+            <a:r>
+              <a:rPr lang="en-US" altLang="zh-CN" smtClean="0"/>
+              <a:t>c++ </a:t>
+            </a:r>
+            <a:r>
+              <a:rPr lang="zh-CN" altLang="en-US"/>
+              <a:t>沉</a:t>
+            </a:r>
+            <a:r>
+              <a:rPr lang="zh-CN" altLang="en-US"/>
+              <a:t>思</a:t>
+            </a:r>
+            <a:r>
+              <a:rPr lang="zh-CN" altLang="en-US" smtClean="0"/>
+              <a:t>录</a:t>
+            </a:r>
+            <a:endParaRPr lang="en-US" altLang="zh-CN" smtClean="0"/>
+          </a:p>
+          <a:p>
+            <a:pPr marL="0" indent="0">
+              <a:buNone/>
+            </a:pPr>
+            <a:endParaRPr lang="en-US" altLang="zh-CN" smtClean="0"/>
+          </a:p>
+          <a:p>
+            <a:pPr marL="0" indent="0">
+              <a:buNone/>
+            </a:pPr>
+            <a:r>
+              <a:rPr lang="en-US" altLang="zh-CN" smtClean="0"/>
+              <a:t>2. </a:t>
+            </a:r>
+            <a:r>
+              <a:rPr lang="zh-CN" altLang="en-US" smtClean="0"/>
+              <a:t>输出：</a:t>
+            </a:r>
+            <a:endParaRPr lang="en-US" altLang="zh-CN" smtClean="0"/>
+          </a:p>
+          <a:p>
+            <a:pPr marL="0" indent="0">
+              <a:buNone/>
+            </a:pPr>
+            <a:endParaRPr lang="en-US" altLang="zh-CN" smtClean="0"/>
+          </a:p>
+          <a:p>
+            <a:pPr marL="0" indent="0">
+              <a:buNone/>
+            </a:pPr>
+            <a:r>
+              <a:rPr lang="en-US" altLang="zh-CN" smtClean="0"/>
+              <a:t>1</a:t>
+            </a:r>
+            <a:endParaRPr lang="en-US" altLang="zh-CN"/>
+          </a:p>
+          <a:p>
+            <a:pPr marL="0" indent="0">
+              <a:buNone/>
+            </a:pPr>
+            <a:endParaRPr lang="en-US" altLang="zh-CN" smtClean="0"/>
+          </a:p>
+          <a:p>
+            <a:pPr marL="0" indent="0">
+              <a:buNone/>
+            </a:pPr>
+            <a:r>
+              <a:rPr lang="en-US" altLang="zh-CN" smtClean="0"/>
+              <a:t>3 </a:t>
+            </a:r>
+            <a:r>
+              <a:rPr lang="zh-CN" altLang="en-US"/>
+              <a:t>应</a:t>
+            </a:r>
+            <a:r>
+              <a:rPr lang="zh-CN" altLang="en-US" smtClean="0"/>
+              <a:t>用： </a:t>
+            </a:r>
+            <a:endParaRPr lang="zh-CN" altLang="en-US"/>
+          </a:p>
+        </p:txBody>
+      </p:sp>
+      <p:sp>
+        <p:nvSpPr>
+          <p:cNvPr id="3" name="标题 2"/>
+          <p:cNvSpPr>
+            <a:spLocks noGrp="1"/>
+          </p:cNvSpPr>
+          <p:nvPr>
+            <p:ph type="title"/>
+          </p:nvPr>
+        </p:nvSpPr>
+        <p:spPr/>
+        <p:txBody>
+          <a:bodyPr/>
+          <a:lstStyle/>
+          <a:p>
+            <a:r>
+              <a:rPr lang="zh-CN" altLang="en-US"/>
+              <a:t>第</a:t>
+            </a:r>
+            <a:r>
+              <a:rPr lang="zh-CN" altLang="en-US"/>
+              <a:t>七</a:t>
+            </a:r>
+            <a:r>
+              <a:rPr lang="zh-CN" altLang="en-US" smtClean="0"/>
+              <a:t>条 如何设计一个类 （</a:t>
+            </a:r>
+            <a:r>
+              <a:rPr lang="en-US" altLang="zh-CN" smtClean="0"/>
+              <a:t>2</a:t>
+            </a:r>
+            <a:r>
+              <a:rPr lang="zh-CN" altLang="en-US" smtClean="0"/>
+              <a:t>）</a:t>
+            </a:r>
+            <a:endParaRPr lang="zh-CN" altLang="en-US"/>
+          </a:p>
+        </p:txBody>
+      </p:sp>
+    </p:spTree>
+    <p:extLst>
+      <p:ext uri="{BB962C8B-B14F-4D97-AF65-F5344CB8AC3E}">
+        <p14:creationId xmlns:p14="http://schemas.microsoft.com/office/powerpoint/2010/main" val="913481746"/>
+      </p:ext>
+    </p:extLst>
+  </p:cSld>
+  <p:clrMapOvr>
+    <a:masterClrMapping/>
+  </p:clrMapOvr>
+</p:sld>
+</file>
+
+<file path=ppt/slides/slide9.xml><?xml version="1.0" encoding="utf-8"?>
+<p:sld xmlns:a="http://schemas.openxmlformats.org/drawingml/2006/main" xmlns:r="http://schemas.openxmlformats.org/officeDocument/2006/relationships" xmlns:p="http://schemas.openxmlformats.org/presentationml/2006/main">
+  <p:cSld>
+    <p:spTree>
+      <p:nvGrpSpPr>
+        <p:cNvPr id="1" name=""/>
+        <p:cNvGrpSpPr/>
+        <p:nvPr/>
+      </p:nvGrpSpPr>
+      <p:grpSpPr>
+        <a:xfrm>
+          <a:off x="0" y="0"/>
+          <a:ext cx="0" cy="0"/>
+          <a:chOff x="0" y="0"/>
+          <a:chExt cx="0" cy="0"/>
+        </a:xfrm>
+      </p:grpSpPr>
+      <p:sp>
+        <p:nvSpPr>
+          <p:cNvPr id="2" name="内容占位符 1"/>
+          <p:cNvSpPr>
+            <a:spLocks noGrp="1"/>
+          </p:cNvSpPr>
+          <p:nvPr>
+            <p:ph idx="1"/>
+          </p:nvPr>
+        </p:nvSpPr>
+        <p:spPr/>
+        <p:txBody>
+          <a:bodyPr/>
+          <a:lstStyle/>
+          <a:p>
+            <a:pPr>
+              <a:buAutoNum type="arabicPeriod"/>
+            </a:pPr>
+            <a:r>
+              <a:rPr lang="zh-CN" altLang="en-US" smtClean="0"/>
+              <a:t>成员类型 对象，指针，指针类型 前置声明解决编译依赖。 智能指针 代替</a:t>
+            </a:r>
+            <a:endParaRPr lang="en-US" altLang="zh-CN" smtClean="0"/>
+          </a:p>
+          <a:p>
+            <a:pPr>
+              <a:buAutoNum type="arabicPeriod"/>
+            </a:pPr>
+            <a:r>
+              <a:rPr lang="en-US" altLang="zh-CN" smtClean="0"/>
+              <a:t>Get xxx </a:t>
+            </a:r>
+            <a:r>
+              <a:rPr lang="zh-CN" altLang="en-US" smtClean="0"/>
+              <a:t>返回对象地址 </a:t>
+            </a:r>
+            <a:r>
+              <a:rPr lang="en-US" altLang="zh-CN" smtClean="0"/>
+              <a:t>const</a:t>
+            </a:r>
+          </a:p>
+          <a:p>
+            <a:pPr>
+              <a:buAutoNum type="arabicPeriod"/>
+            </a:pPr>
+            <a:endParaRPr lang="en-US" altLang="zh-CN" smtClean="0"/>
+          </a:p>
+          <a:p>
+            <a:pPr>
+              <a:buAutoNum type="arabicPeriod"/>
+            </a:pPr>
+            <a:endParaRPr lang="zh-CN" altLang="en-US"/>
+          </a:p>
+        </p:txBody>
+      </p:sp>
+      <p:sp>
+        <p:nvSpPr>
+          <p:cNvPr id="3" name="标题 2"/>
+          <p:cNvSpPr>
+            <a:spLocks noGrp="1"/>
+          </p:cNvSpPr>
+          <p:nvPr>
+            <p:ph type="title"/>
+          </p:nvPr>
+        </p:nvSpPr>
+        <p:spPr/>
+        <p:txBody>
+          <a:bodyPr/>
+          <a:lstStyle/>
+          <a:p>
+            <a:r>
+              <a:rPr lang="zh-CN" altLang="en-US"/>
+              <a:t>第</a:t>
+            </a:r>
+            <a:r>
+              <a:rPr lang="zh-CN" altLang="en-US"/>
+              <a:t>七</a:t>
+            </a:r>
+            <a:r>
+              <a:rPr lang="zh-CN" altLang="en-US" smtClean="0"/>
+              <a:t>条 如何设计一个类（</a:t>
+            </a:r>
+            <a:r>
+              <a:rPr lang="en-US" altLang="zh-CN" smtClean="0"/>
+              <a:t>1</a:t>
+            </a:r>
+            <a:r>
+              <a:rPr lang="zh-CN" altLang="en-US" smtClean="0"/>
+              <a:t>）</a:t>
+            </a:r>
+            <a:endParaRPr lang="zh-CN" altLang="en-US"/>
+          </a:p>
+        </p:txBody>
+      </p:sp>
+    </p:spTree>
+    <p:extLst>
+      <p:ext uri="{BB962C8B-B14F-4D97-AF65-F5344CB8AC3E}">
+        <p14:creationId xmlns:p14="http://schemas.microsoft.com/office/powerpoint/2010/main" val="2789806247"/>
+      </p:ext>
+    </p:extLst>
+  </p:cSld>
+  <p:clrMapOvr>
+    <a:masterClrMapping/>
+  </p:clrMapOvr>
+</p:sld>
+</file>
+
 <file path=ppt/theme/theme1.xml><?xml version="1.0" encoding="utf-8"?>
 <a:theme xmlns:a="http://schemas.openxmlformats.org/drawingml/2006/main" name="国美互联网_优化">
   <a:themeElements>
@@ -6956,7 +6795,7 @@
   <a:extraClrSchemeLst/>
   <a:extLst>
     <a:ext uri="{05A4C25C-085E-4340-85A3-A5531E510DB2}">
-      <thm15:themeFamily xmlns:thm15="http://schemas.microsoft.com/office/thememl/2012/main" xmlns="" name="Office Theme" id="{62F939B6-93AF-4DB8-9C6B-D6C7DFDC589F}" vid="{4A3C46E8-61CC-4603-A589-7422A47A8E4A}"/>
+      <thm15:themeFamily xmlns="" xmlns:thm15="http://schemas.microsoft.com/office/thememl/2012/main" name="Office Theme" id="{62F939B6-93AF-4DB8-9C6B-D6C7DFDC589F}" vid="{4A3C46E8-61CC-4603-A589-7422A47A8E4A}"/>
     </a:ext>
   </a:extLst>
 </a:theme>
@@ -7217,7 +7056,7 @@
   <a:extraClrSchemeLst/>
   <a:extLst>
     <a:ext uri="{05A4C25C-085E-4340-85A3-A5531E510DB2}">
-      <thm15:themeFamily xmlns:thm15="http://schemas.microsoft.com/office/thememl/2012/main" xmlns="" name="Office Theme" id="{62F939B6-93AF-4DB8-9C6B-D6C7DFDC589F}" vid="{4A3C46E8-61CC-4603-A589-7422A47A8E4A}"/>
+      <thm15:themeFamily xmlns="" xmlns:thm15="http://schemas.microsoft.com/office/thememl/2012/main" name="Office Theme" id="{62F939B6-93AF-4DB8-9C6B-D6C7DFDC589F}" vid="{4A3C46E8-61CC-4603-A589-7422A47A8E4A}"/>
     </a:ext>
   </a:extLst>
 </a:theme>
@@ -7542,7 +7381,7 @@
   <a:extraClrSchemeLst/>
   <a:extLst>
     <a:ext uri="{05A4C25C-085E-4340-85A3-A5531E510DB2}">
-      <thm15:themeFamily xmlns:thm15="http://schemas.microsoft.com/office/thememl/2012/main" xmlns="" name="Office Theme" id="{62F939B6-93AF-4DB8-9C6B-D6C7DFDC589F}" vid="{4A3C46E8-61CC-4603-A589-7422A47A8E4A}"/>
+      <thm15:themeFamily xmlns="" xmlns:thm15="http://schemas.microsoft.com/office/thememl/2012/main" name="Office Theme" id="{62F939B6-93AF-4DB8-9C6B-D6C7DFDC589F}" vid="{4A3C46E8-61CC-4603-A589-7422A47A8E4A}"/>
     </a:ext>
   </a:extLst>
 </a:theme>

--- a/ppt/2019_c++_full.pptx
+++ b/ppt/2019_c++_full.pptx
@@ -5,10 +5,10 @@
     <p:sldMasterId id="2147483648" r:id="rId1"/>
   </p:sldMasterIdLst>
   <p:notesMasterIdLst>
-    <p:notesMasterId r:id="rId12"/>
+    <p:notesMasterId r:id="rId13"/>
   </p:notesMasterIdLst>
   <p:handoutMasterIdLst>
-    <p:handoutMasterId r:id="rId13"/>
+    <p:handoutMasterId r:id="rId14"/>
   </p:handoutMasterIdLst>
   <p:sldIdLst>
     <p:sldId id="280" r:id="rId2"/>
@@ -20,7 +20,8 @@
     <p:sldId id="290" r:id="rId8"/>
     <p:sldId id="291" r:id="rId9"/>
     <p:sldId id="292" r:id="rId10"/>
-    <p:sldId id="277" r:id="rId11"/>
+    <p:sldId id="293" r:id="rId11"/>
+    <p:sldId id="277" r:id="rId12"/>
   </p:sldIdLst>
   <p:sldSz cx="9144000" cy="5143500" type="screen16x9"/>
   <p:notesSz cx="6858000" cy="9144000"/>
@@ -204,7 +205,7 @@
           <a:p>
             <a:fld id="{5F920F0F-0E56-2B45-B1BF-268524318682}" type="datetimeFigureOut">
               <a:rPr kumimoji="1" lang="zh-CN" altLang="en-US" smtClean="0"/>
-              <a:t>2020/3/5</a:t>
+              <a:t>2020/3/9</a:t>
             </a:fld>
             <a:endParaRPr kumimoji="1" lang="zh-CN" altLang="en-US"/>
           </a:p>
@@ -370,7 +371,7 @@
           <a:p>
             <a:fld id="{FB86081A-1E41-D34E-AC33-11FD77CCCD8D}" type="datetimeFigureOut">
               <a:rPr kumimoji="1" lang="zh-CN" altLang="en-US" smtClean="0"/>
-              <a:t>2020/3/5</a:t>
+              <a:t>2020/3/9</a:t>
             </a:fld>
             <a:endParaRPr kumimoji="1" lang="zh-CN" altLang="en-US"/>
           </a:p>
@@ -1087,6 +1088,90 @@
     <p:extLst>
       <p:ext uri="{BB962C8B-B14F-4D97-AF65-F5344CB8AC3E}">
         <p14:creationId xmlns:p14="http://schemas.microsoft.com/office/powerpoint/2010/main" val="1397343925"/>
+      </p:ext>
+    </p:extLst>
+  </p:cSld>
+  <p:clrMapOvr>
+    <a:masterClrMapping/>
+  </p:clrMapOvr>
+</p:notes>
+</file>
+
+<file path=ppt/notesSlides/notesSlide5.xml><?xml version="1.0" encoding="utf-8"?>
+<p:notes xmlns:a="http://schemas.openxmlformats.org/drawingml/2006/main" xmlns:r="http://schemas.openxmlformats.org/officeDocument/2006/relationships" xmlns:p="http://schemas.openxmlformats.org/presentationml/2006/main">
+  <p:cSld>
+    <p:spTree>
+      <p:nvGrpSpPr>
+        <p:cNvPr id="1" name=""/>
+        <p:cNvGrpSpPr/>
+        <p:nvPr/>
+      </p:nvGrpSpPr>
+      <p:grpSpPr>
+        <a:xfrm>
+          <a:off x="0" y="0"/>
+          <a:ext cx="0" cy="0"/>
+          <a:chOff x="0" y="0"/>
+          <a:chExt cx="0" cy="0"/>
+        </a:xfrm>
+      </p:grpSpPr>
+      <p:sp>
+        <p:nvSpPr>
+          <p:cNvPr id="2" name="幻灯片图像占位符 1"/>
+          <p:cNvSpPr>
+            <a:spLocks noGrp="1" noRot="1" noChangeAspect="1"/>
+          </p:cNvSpPr>
+          <p:nvPr>
+            <p:ph type="sldImg"/>
+          </p:nvPr>
+        </p:nvSpPr>
+        <p:spPr/>
+      </p:sp>
+      <p:sp>
+        <p:nvSpPr>
+          <p:cNvPr id="3" name="备注占位符 2"/>
+          <p:cNvSpPr>
+            <a:spLocks noGrp="1"/>
+          </p:cNvSpPr>
+          <p:nvPr>
+            <p:ph type="body" idx="1"/>
+          </p:nvPr>
+        </p:nvSpPr>
+        <p:spPr/>
+        <p:txBody>
+          <a:bodyPr/>
+          <a:lstStyle/>
+          <a:p>
+            <a:endParaRPr lang="zh-CN" altLang="en-US"/>
+          </a:p>
+        </p:txBody>
+      </p:sp>
+      <p:sp>
+        <p:nvSpPr>
+          <p:cNvPr id="4" name="灯片编号占位符 3"/>
+          <p:cNvSpPr>
+            <a:spLocks noGrp="1"/>
+          </p:cNvSpPr>
+          <p:nvPr>
+            <p:ph type="sldNum" sz="quarter" idx="10"/>
+          </p:nvPr>
+        </p:nvSpPr>
+        <p:spPr/>
+        <p:txBody>
+          <a:bodyPr/>
+          <a:lstStyle/>
+          <a:p>
+            <a:fld id="{8AF453D5-9B32-8F40-BF12-CF5772967439}" type="slidenum">
+              <a:rPr kumimoji="1" lang="zh-CN" altLang="en-US" smtClean="0"/>
+              <a:t>8</a:t>
+            </a:fld>
+            <a:endParaRPr kumimoji="1" lang="zh-CN" altLang="en-US"/>
+          </a:p>
+        </p:txBody>
+      </p:sp>
+    </p:spTree>
+    <p:extLst>
+      <p:ext uri="{BB962C8B-B14F-4D97-AF65-F5344CB8AC3E}">
+        <p14:creationId xmlns:p14="http://schemas.microsoft.com/office/powerpoint/2010/main" val="2727011493"/>
       </p:ext>
     </p:extLst>
   </p:cSld>
@@ -2944,7 +3029,7 @@
           <a:p>
             <a:fld id="{7BC3C6E0-25AE-8A44-A617-CADD813DE539}" type="datetime1">
               <a:rPr lang="zh-CN" altLang="en-US" smtClean="0"/>
-              <a:t>2020/3/5</a:t>
+              <a:t>2020/3/9</a:t>
             </a:fld>
             <a:endParaRPr lang="zh-CN" altLang="en-US" dirty="0"/>
           </a:p>
@@ -3353,7 +3438,7 @@
           <a:p>
             <a:fld id="{B8DE94C4-0AC0-E74D-83DE-D1778C094258}" type="datetime1">
               <a:rPr lang="zh-CN" altLang="en-US" smtClean="0"/>
-              <a:t>2020/3/5</a:t>
+              <a:t>2020/3/9</a:t>
             </a:fld>
             <a:endParaRPr lang="zh-CN" altLang="en-US" dirty="0"/>
           </a:p>
@@ -3925,6 +4010,74 @@
 </file>
 
 <file path=ppt/slides/slide10.xml><?xml version="1.0" encoding="utf-8"?>
+<p:sld xmlns:a="http://schemas.openxmlformats.org/drawingml/2006/main" xmlns:r="http://schemas.openxmlformats.org/officeDocument/2006/relationships" xmlns:p="http://schemas.openxmlformats.org/presentationml/2006/main">
+  <p:cSld>
+    <p:spTree>
+      <p:nvGrpSpPr>
+        <p:cNvPr id="1" name=""/>
+        <p:cNvGrpSpPr/>
+        <p:nvPr/>
+      </p:nvGrpSpPr>
+      <p:grpSpPr>
+        <a:xfrm>
+          <a:off x="0" y="0"/>
+          <a:ext cx="0" cy="0"/>
+          <a:chOff x="0" y="0"/>
+          <a:chExt cx="0" cy="0"/>
+        </a:xfrm>
+      </p:grpSpPr>
+      <p:sp>
+        <p:nvSpPr>
+          <p:cNvPr id="2" name="内容占位符 1"/>
+          <p:cNvSpPr>
+            <a:spLocks noGrp="1"/>
+          </p:cNvSpPr>
+          <p:nvPr>
+            <p:ph idx="1"/>
+          </p:nvPr>
+        </p:nvSpPr>
+        <p:spPr/>
+        <p:txBody>
+          <a:bodyPr/>
+          <a:lstStyle/>
+          <a:p>
+            <a:endParaRPr lang="zh-CN" altLang="en-US"/>
+          </a:p>
+        </p:txBody>
+      </p:sp>
+      <p:sp>
+        <p:nvSpPr>
+          <p:cNvPr id="3" name="标题 2"/>
+          <p:cNvSpPr>
+            <a:spLocks noGrp="1"/>
+          </p:cNvSpPr>
+          <p:nvPr>
+            <p:ph type="title"/>
+          </p:nvPr>
+        </p:nvSpPr>
+        <p:spPr/>
+        <p:txBody>
+          <a:bodyPr/>
+          <a:lstStyle/>
+          <a:p>
+            <a:endParaRPr lang="zh-CN" altLang="en-US"/>
+          </a:p>
+        </p:txBody>
+      </p:sp>
+    </p:spTree>
+    <p:extLst>
+      <p:ext uri="{BB962C8B-B14F-4D97-AF65-F5344CB8AC3E}">
+        <p14:creationId xmlns:p14="http://schemas.microsoft.com/office/powerpoint/2010/main" val="849267849"/>
+      </p:ext>
+    </p:extLst>
+  </p:cSld>
+  <p:clrMapOvr>
+    <a:masterClrMapping/>
+  </p:clrMapOvr>
+</p:sld>
+</file>
+
+<file path=ppt/slides/slide11.xml><?xml version="1.0" encoding="utf-8"?>
 <p:sld xmlns:a="http://schemas.openxmlformats.org/drawingml/2006/main" xmlns:r="http://schemas.openxmlformats.org/officeDocument/2006/relationships" xmlns:p="http://schemas.openxmlformats.org/presentationml/2006/main">
   <p:cSld>
     <p:spTree>
@@ -6199,91 +6352,24 @@
             <a:pPr marL="0" indent="0">
               <a:buNone/>
             </a:pPr>
-            <a:r>
-              <a:rPr lang="en-US" altLang="zh-CN" smtClean="0"/>
-              <a:t>1 </a:t>
-            </a:r>
-            <a:r>
-              <a:rPr lang="zh-CN" altLang="en-US" smtClean="0"/>
-              <a:t>解决方式 ：阅读 </a:t>
-            </a:r>
-            <a:r>
-              <a:rPr lang="en-US" altLang="zh-CN" smtClean="0"/>
-              <a:t>c++ </a:t>
-            </a:r>
-            <a:r>
-              <a:rPr lang="zh-CN" altLang="en-US"/>
-              <a:t>沉</a:t>
-            </a:r>
-            <a:r>
-              <a:rPr lang="zh-CN" altLang="en-US"/>
-              <a:t>思</a:t>
-            </a:r>
-            <a:r>
-              <a:rPr lang="zh-CN" altLang="en-US" smtClean="0"/>
-              <a:t>录</a:t>
-            </a:r>
             <a:endParaRPr lang="en-US" altLang="zh-CN" smtClean="0"/>
           </a:p>
           <a:p>
             <a:pPr marL="0" indent="0">
               <a:buNone/>
             </a:pPr>
-            <a:endParaRPr lang="en-US" altLang="zh-CN" smtClean="0"/>
-          </a:p>
-          <a:p>
-            <a:pPr marL="0" indent="0">
-              <a:buNone/>
-            </a:pPr>
+            <a:r>
+              <a:rPr lang="en-US" altLang="zh-CN" dirty="0"/>
+              <a:t>A virtual function is a member function which is declared within a base class and is re-defined(Overriden) by a derived </a:t>
+            </a:r>
+            <a:r>
+              <a:rPr lang="en-US" altLang="zh-CN"/>
+              <a:t>class</a:t>
+            </a:r>
             <a:r>
               <a:rPr lang="en-US" altLang="zh-CN" smtClean="0"/>
-              <a:t>2. </a:t>
-            </a:r>
-            <a:r>
-              <a:rPr lang="zh-CN" altLang="en-US" smtClean="0"/>
-              <a:t>输出：</a:t>
-            </a:r>
-            <a:endParaRPr lang="en-US" altLang="zh-CN" smtClean="0"/>
-          </a:p>
-          <a:p>
-            <a:pPr marL="0" indent="0">
-              <a:buNone/>
-            </a:pPr>
-            <a:endParaRPr lang="en-US" altLang="zh-CN" smtClean="0"/>
-          </a:p>
-          <a:p>
-            <a:pPr marL="0" indent="0">
-              <a:buNone/>
-            </a:pPr>
-            <a:r>
-              <a:rPr lang="en-US" altLang="zh-CN" smtClean="0"/>
-              <a:t>1</a:t>
-            </a:r>
-            <a:endParaRPr lang="en-US" altLang="zh-CN"/>
-          </a:p>
-          <a:p>
-            <a:pPr marL="0" indent="0">
-              <a:buNone/>
-            </a:pPr>
-            <a:endParaRPr lang="en-US" altLang="zh-CN" smtClean="0"/>
-          </a:p>
-          <a:p>
-            <a:pPr marL="0" indent="0">
-              <a:buNone/>
-            </a:pPr>
-            <a:r>
-              <a:rPr lang="en-US" altLang="zh-CN" smtClean="0"/>
-              <a:t>3 </a:t>
-            </a:r>
-            <a:r>
-              <a:rPr lang="zh-CN" altLang="en-US"/>
-              <a:t>应</a:t>
-            </a:r>
-            <a:r>
-              <a:rPr lang="zh-CN" altLang="en-US" smtClean="0"/>
-              <a:t>用： </a:t>
-            </a:r>
-            <a:endParaRPr lang="zh-CN" altLang="en-US"/>
+              <a:t>.</a:t>
+            </a:r>
           </a:p>
         </p:txBody>
       </p:sp>
@@ -6297,18 +6383,35 @@
             <p:ph type="title"/>
           </p:nvPr>
         </p:nvSpPr>
-        <p:spPr/>
+        <p:spPr>
+          <a:xfrm>
+            <a:off x="417600" y="230400"/>
+            <a:ext cx="8474880" cy="857250"/>
+          </a:xfrm>
+        </p:spPr>
+        <p:style>
+          <a:lnRef idx="2">
+            <a:schemeClr val="dk1">
+              <a:shade val="50000"/>
+            </a:schemeClr>
+          </a:lnRef>
+          <a:fillRef idx="1">
+            <a:schemeClr val="dk1"/>
+          </a:fillRef>
+          <a:effectRef idx="0">
+            <a:schemeClr val="dk1"/>
+          </a:effectRef>
+          <a:fontRef idx="minor">
+            <a:schemeClr val="lt1"/>
+          </a:fontRef>
+        </p:style>
         <p:txBody>
           <a:bodyPr/>
           <a:lstStyle/>
           <a:p>
             <a:r>
               <a:rPr lang="zh-CN" altLang="en-US"/>
-              <a:t>第</a:t>
-            </a:r>
-            <a:r>
-              <a:rPr lang="zh-CN" altLang="en-US"/>
-              <a:t>七</a:t>
+              <a:t>第七</a:t>
             </a:r>
             <a:r>
               <a:rPr lang="zh-CN" altLang="en-US" smtClean="0"/>
@@ -6399,6 +6502,36 @@
           </a:p>
           <a:p>
             <a:pPr>
+              <a:buFont typeface="Arial" panose="020B0604020202020204" pitchFamily="34" charset="0"/>
+              <a:buAutoNum type="arabicPeriod"/>
+            </a:pPr>
+            <a:r>
+              <a:rPr lang="zh-CN" altLang="en-US" dirty="0"/>
+              <a:t>为什么构造函数不能声明为虚</a:t>
+            </a:r>
+            <a:r>
+              <a:rPr lang="zh-CN" altLang="en-US"/>
+              <a:t>函</a:t>
+            </a:r>
+            <a:r>
+              <a:rPr lang="zh-CN" altLang="en-US" smtClean="0"/>
+              <a:t>数</a:t>
+            </a:r>
+            <a:endParaRPr lang="en-US" altLang="zh-CN" smtClean="0"/>
+          </a:p>
+          <a:p>
+            <a:pPr>
+              <a:buFont typeface="Arial" panose="020B0604020202020204" pitchFamily="34" charset="0"/>
+              <a:buAutoNum type="arabicPeriod"/>
+            </a:pPr>
+            <a:r>
+              <a:rPr lang="en-US" altLang="zh-CN" dirty="0"/>
+              <a:t>A virtual function is a member function which is declared within a base class and is re-defined(Overriden) by a derived class.</a:t>
+            </a:r>
+            <a:endParaRPr lang="zh-CN" altLang="en-US" dirty="0"/>
+          </a:p>
+          <a:p>
+            <a:pPr>
               <a:buAutoNum type="arabicPeriod"/>
             </a:pPr>
             <a:endParaRPr lang="en-US" altLang="zh-CN" smtClean="0"/>
@@ -6421,18 +6554,35 @@
             <p:ph type="title"/>
           </p:nvPr>
         </p:nvSpPr>
-        <p:spPr/>
+        <p:spPr>
+          <a:xfrm>
+            <a:off x="417600" y="230400"/>
+            <a:ext cx="8474880" cy="857250"/>
+          </a:xfrm>
+        </p:spPr>
+        <p:style>
+          <a:lnRef idx="2">
+            <a:schemeClr val="dk1">
+              <a:shade val="50000"/>
+            </a:schemeClr>
+          </a:lnRef>
+          <a:fillRef idx="1">
+            <a:schemeClr val="dk1"/>
+          </a:fillRef>
+          <a:effectRef idx="0">
+            <a:schemeClr val="dk1"/>
+          </a:effectRef>
+          <a:fontRef idx="minor">
+            <a:schemeClr val="lt1"/>
+          </a:fontRef>
+        </p:style>
         <p:txBody>
           <a:bodyPr/>
           <a:lstStyle/>
           <a:p>
             <a:r>
               <a:rPr lang="zh-CN" altLang="en-US"/>
-              <a:t>第</a:t>
-            </a:r>
-            <a:r>
-              <a:rPr lang="zh-CN" altLang="en-US"/>
-              <a:t>七</a:t>
+              <a:t>第七</a:t>
             </a:r>
             <a:r>
               <a:rPr lang="zh-CN" altLang="en-US" smtClean="0"/>
